--- a/2023/presentations/torforzvm.pptx
+++ b/2023/presentations/torforzvm.pptx
@@ -407,7 +407,7 @@
             <a:pPr indent="0" algn="r">
               <a:buNone/>
             </a:pPr>
-            <a:fld id="{54C80E3A-0E16-4103-A3A0-2B17496E2216}" type="slidenum">
+            <a:fld id="{8DF356CC-616A-41FD-9F3C-2CBC40052C80}" type="slidenum">
               <a:rPr b="0" lang="en-US" sz="1400" spc="-1" strike="noStrike">
                 <a:solidFill>
                   <a:srgbClr val="000000"/>
@@ -450,7 +450,7 @@
       </p:grpSpPr>
       <p:sp>
         <p:nvSpPr>
-          <p:cNvPr id="573" name="PlaceHolder 1"/>
+          <p:cNvPr id="578" name="PlaceHolder 1"/>
           <p:cNvSpPr>
             <a:spLocks noGrp="1"/>
           </p:cNvSpPr>
@@ -473,7 +473,7 @@
       </p:sp>
       <p:sp>
         <p:nvSpPr>
-          <p:cNvPr id="574" name="PlaceHolder 2"/>
+          <p:cNvPr id="579" name="PlaceHolder 2"/>
           <p:cNvSpPr>
             <a:spLocks noGrp="1"/>
           </p:cNvSpPr>
@@ -513,7 +513,7 @@
       </p:sp>
       <p:sp>
         <p:nvSpPr>
-          <p:cNvPr id="575" name="PlaceHolder 3"/>
+          <p:cNvPr id="580" name="PlaceHolder 3"/>
           <p:cNvSpPr>
             <a:spLocks noGrp="1"/>
           </p:cNvSpPr>
@@ -560,7 +560,7 @@
               </a:lnSpc>
               <a:buNone/>
             </a:pPr>
-            <a:fld id="{C35A6641-EAAA-4FF6-9574-A118B7C273A9}" type="slidenum">
+            <a:fld id="{854F1DD7-5D81-4B41-8248-00EEB2835C23}" type="slidenum">
               <a:rPr b="0" lang="en-US" sz="1200" spc="-1" strike="noStrike">
                 <a:solidFill>
                   <a:srgbClr val="000000"/>
@@ -603,7 +603,7 @@
       </p:grpSpPr>
       <p:sp>
         <p:nvSpPr>
-          <p:cNvPr id="586" name="PlaceHolder 1"/>
+          <p:cNvPr id="591" name="PlaceHolder 1"/>
           <p:cNvSpPr>
             <a:spLocks noGrp="1"/>
           </p:cNvSpPr>
@@ -626,7 +626,7 @@
       </p:sp>
       <p:sp>
         <p:nvSpPr>
-          <p:cNvPr id="587" name="PlaceHolder 2"/>
+          <p:cNvPr id="592" name="PlaceHolder 2"/>
           <p:cNvSpPr>
             <a:spLocks noGrp="1"/>
           </p:cNvSpPr>
@@ -857,7 +857,7 @@
       </p:grpSpPr>
       <p:sp>
         <p:nvSpPr>
-          <p:cNvPr id="588" name="PlaceHolder 1"/>
+          <p:cNvPr id="593" name="PlaceHolder 1"/>
           <p:cNvSpPr>
             <a:spLocks noGrp="1"/>
           </p:cNvSpPr>
@@ -880,7 +880,7 @@
       </p:sp>
       <p:sp>
         <p:nvSpPr>
-          <p:cNvPr id="589" name="PlaceHolder 2"/>
+          <p:cNvPr id="594" name="PlaceHolder 2"/>
           <p:cNvSpPr>
             <a:spLocks noGrp="1"/>
           </p:cNvSpPr>
@@ -1015,7 +1015,7 @@
       </p:grpSpPr>
       <p:sp>
         <p:nvSpPr>
-          <p:cNvPr id="590" name="PlaceHolder 1"/>
+          <p:cNvPr id="595" name="PlaceHolder 1"/>
           <p:cNvSpPr>
             <a:spLocks noGrp="1"/>
           </p:cNvSpPr>
@@ -1038,7 +1038,7 @@
       </p:sp>
       <p:sp>
         <p:nvSpPr>
-          <p:cNvPr id="591" name="PlaceHolder 2"/>
+          <p:cNvPr id="596" name="PlaceHolder 2"/>
           <p:cNvSpPr>
             <a:spLocks noGrp="1"/>
           </p:cNvSpPr>
@@ -1197,7 +1197,7 @@
       </p:grpSpPr>
       <p:sp>
         <p:nvSpPr>
-          <p:cNvPr id="592" name="PlaceHolder 1"/>
+          <p:cNvPr id="597" name="PlaceHolder 1"/>
           <p:cNvSpPr>
             <a:spLocks noGrp="1"/>
           </p:cNvSpPr>
@@ -1220,7 +1220,7 @@
       </p:sp>
       <p:sp>
         <p:nvSpPr>
-          <p:cNvPr id="593" name="PlaceHolder 2"/>
+          <p:cNvPr id="598" name="PlaceHolder 2"/>
           <p:cNvSpPr>
             <a:spLocks noGrp="1"/>
           </p:cNvSpPr>
@@ -1333,7 +1333,7 @@
       </p:grpSpPr>
       <p:sp>
         <p:nvSpPr>
-          <p:cNvPr id="594" name="PlaceHolder 1"/>
+          <p:cNvPr id="599" name="PlaceHolder 1"/>
           <p:cNvSpPr>
             <a:spLocks noGrp="1"/>
           </p:cNvSpPr>
@@ -1356,7 +1356,7 @@
       </p:sp>
       <p:sp>
         <p:nvSpPr>
-          <p:cNvPr id="595" name="PlaceHolder 2"/>
+          <p:cNvPr id="600" name="PlaceHolder 2"/>
           <p:cNvSpPr>
             <a:spLocks noGrp="1"/>
           </p:cNvSpPr>
@@ -1584,7 +1584,7 @@
       </p:grpSpPr>
       <p:sp>
         <p:nvSpPr>
-          <p:cNvPr id="596" name="PlaceHolder 1"/>
+          <p:cNvPr id="601" name="PlaceHolder 1"/>
           <p:cNvSpPr>
             <a:spLocks noGrp="1"/>
           </p:cNvSpPr>
@@ -1607,7 +1607,7 @@
       </p:sp>
       <p:sp>
         <p:nvSpPr>
-          <p:cNvPr id="597" name="PlaceHolder 2"/>
+          <p:cNvPr id="602" name="PlaceHolder 2"/>
           <p:cNvSpPr>
             <a:spLocks noGrp="1"/>
           </p:cNvSpPr>
@@ -1711,7 +1711,7 @@
       </p:grpSpPr>
       <p:sp>
         <p:nvSpPr>
-          <p:cNvPr id="598" name="PlaceHolder 1"/>
+          <p:cNvPr id="603" name="PlaceHolder 1"/>
           <p:cNvSpPr>
             <a:spLocks noGrp="1"/>
           </p:cNvSpPr>
@@ -1734,7 +1734,7 @@
       </p:sp>
       <p:sp>
         <p:nvSpPr>
-          <p:cNvPr id="599" name="PlaceHolder 2"/>
+          <p:cNvPr id="604" name="PlaceHolder 2"/>
           <p:cNvSpPr>
             <a:spLocks noGrp="1"/>
           </p:cNvSpPr>
@@ -1838,7 +1838,7 @@
       </p:grpSpPr>
       <p:sp>
         <p:nvSpPr>
-          <p:cNvPr id="600" name="PlaceHolder 1"/>
+          <p:cNvPr id="605" name="PlaceHolder 1"/>
           <p:cNvSpPr>
             <a:spLocks noGrp="1"/>
           </p:cNvSpPr>
@@ -1861,7 +1861,7 @@
       </p:sp>
       <p:sp>
         <p:nvSpPr>
-          <p:cNvPr id="601" name="PlaceHolder 2"/>
+          <p:cNvPr id="606" name="PlaceHolder 2"/>
           <p:cNvSpPr>
             <a:spLocks noGrp="1"/>
           </p:cNvSpPr>
@@ -2039,7 +2039,7 @@
       </p:grpSpPr>
       <p:sp>
         <p:nvSpPr>
-          <p:cNvPr id="602" name="PlaceHolder 1"/>
+          <p:cNvPr id="607" name="PlaceHolder 1"/>
           <p:cNvSpPr>
             <a:spLocks noGrp="1"/>
           </p:cNvSpPr>
@@ -2062,7 +2062,7 @@
       </p:sp>
       <p:sp>
         <p:nvSpPr>
-          <p:cNvPr id="603" name="PlaceHolder 2"/>
+          <p:cNvPr id="608" name="PlaceHolder 2"/>
           <p:cNvSpPr>
             <a:spLocks noGrp="1"/>
           </p:cNvSpPr>
@@ -2166,7 +2166,7 @@
       </p:grpSpPr>
       <p:sp>
         <p:nvSpPr>
-          <p:cNvPr id="604" name="PlaceHolder 1"/>
+          <p:cNvPr id="609" name="PlaceHolder 1"/>
           <p:cNvSpPr>
             <a:spLocks noGrp="1"/>
           </p:cNvSpPr>
@@ -2189,7 +2189,7 @@
       </p:sp>
       <p:sp>
         <p:nvSpPr>
-          <p:cNvPr id="605" name="PlaceHolder 2"/>
+          <p:cNvPr id="610" name="PlaceHolder 2"/>
           <p:cNvSpPr>
             <a:spLocks noGrp="1"/>
           </p:cNvSpPr>
@@ -2313,7 +2313,7 @@
       </p:grpSpPr>
       <p:sp>
         <p:nvSpPr>
-          <p:cNvPr id="606" name="PlaceHolder 1"/>
+          <p:cNvPr id="611" name="PlaceHolder 1"/>
           <p:cNvSpPr>
             <a:spLocks noGrp="1"/>
           </p:cNvSpPr>
@@ -2336,7 +2336,7 @@
       </p:sp>
       <p:sp>
         <p:nvSpPr>
-          <p:cNvPr id="607" name="PlaceHolder 2"/>
+          <p:cNvPr id="612" name="PlaceHolder 2"/>
           <p:cNvSpPr>
             <a:spLocks noGrp="1"/>
           </p:cNvSpPr>
@@ -2440,7 +2440,7 @@
       </p:grpSpPr>
       <p:sp>
         <p:nvSpPr>
-          <p:cNvPr id="608" name="PlaceHolder 1"/>
+          <p:cNvPr id="613" name="PlaceHolder 1"/>
           <p:cNvSpPr>
             <a:spLocks noGrp="1"/>
           </p:cNvSpPr>
@@ -2463,7 +2463,7 @@
       </p:sp>
       <p:sp>
         <p:nvSpPr>
-          <p:cNvPr id="609" name="PlaceHolder 2"/>
+          <p:cNvPr id="614" name="PlaceHolder 2"/>
           <p:cNvSpPr>
             <a:spLocks noGrp="1"/>
           </p:cNvSpPr>
@@ -2579,7 +2579,7 @@
       </p:grpSpPr>
       <p:sp>
         <p:nvSpPr>
-          <p:cNvPr id="610" name="PlaceHolder 1"/>
+          <p:cNvPr id="615" name="PlaceHolder 1"/>
           <p:cNvSpPr>
             <a:spLocks noGrp="1"/>
           </p:cNvSpPr>
@@ -2602,7 +2602,7 @@
       </p:sp>
       <p:sp>
         <p:nvSpPr>
-          <p:cNvPr id="611" name="PlaceHolder 2"/>
+          <p:cNvPr id="616" name="PlaceHolder 2"/>
           <p:cNvSpPr>
             <a:spLocks noGrp="1"/>
           </p:cNvSpPr>
@@ -2864,7 +2864,7 @@
       </p:grpSpPr>
       <p:sp>
         <p:nvSpPr>
-          <p:cNvPr id="612" name="PlaceHolder 1"/>
+          <p:cNvPr id="617" name="PlaceHolder 1"/>
           <p:cNvSpPr>
             <a:spLocks noGrp="1"/>
           </p:cNvSpPr>
@@ -2887,7 +2887,7 @@
       </p:sp>
       <p:sp>
         <p:nvSpPr>
-          <p:cNvPr id="613" name="PlaceHolder 2"/>
+          <p:cNvPr id="618" name="PlaceHolder 2"/>
           <p:cNvSpPr>
             <a:spLocks noGrp="1"/>
           </p:cNvSpPr>
@@ -3034,7 +3034,7 @@
       </p:grpSpPr>
       <p:sp>
         <p:nvSpPr>
-          <p:cNvPr id="614" name="PlaceHolder 1"/>
+          <p:cNvPr id="619" name="PlaceHolder 1"/>
           <p:cNvSpPr>
             <a:spLocks noGrp="1"/>
           </p:cNvSpPr>
@@ -3057,7 +3057,7 @@
       </p:sp>
       <p:sp>
         <p:nvSpPr>
-          <p:cNvPr id="615" name="PlaceHolder 2"/>
+          <p:cNvPr id="620" name="PlaceHolder 2"/>
           <p:cNvSpPr>
             <a:spLocks noGrp="1"/>
           </p:cNvSpPr>
@@ -3275,7 +3275,7 @@
       </p:grpSpPr>
       <p:sp>
         <p:nvSpPr>
-          <p:cNvPr id="616" name="PlaceHolder 1"/>
+          <p:cNvPr id="621" name="PlaceHolder 1"/>
           <p:cNvSpPr>
             <a:spLocks noGrp="1"/>
           </p:cNvSpPr>
@@ -3298,7 +3298,7 @@
       </p:sp>
       <p:sp>
         <p:nvSpPr>
-          <p:cNvPr id="617" name="PlaceHolder 2"/>
+          <p:cNvPr id="622" name="PlaceHolder 2"/>
           <p:cNvSpPr>
             <a:spLocks noGrp="1"/>
           </p:cNvSpPr>
@@ -3516,7 +3516,7 @@
       </p:grpSpPr>
       <p:sp>
         <p:nvSpPr>
-          <p:cNvPr id="618" name="PlaceHolder 1"/>
+          <p:cNvPr id="623" name="PlaceHolder 1"/>
           <p:cNvSpPr>
             <a:spLocks noGrp="1"/>
           </p:cNvSpPr>
@@ -3539,7 +3539,7 @@
       </p:sp>
       <p:sp>
         <p:nvSpPr>
-          <p:cNvPr id="619" name="PlaceHolder 2"/>
+          <p:cNvPr id="624" name="PlaceHolder 2"/>
           <p:cNvSpPr>
             <a:spLocks noGrp="1"/>
           </p:cNvSpPr>
@@ -3675,7 +3675,7 @@
       </p:grpSpPr>
       <p:sp>
         <p:nvSpPr>
-          <p:cNvPr id="576" name="PlaceHolder 1"/>
+          <p:cNvPr id="581" name="PlaceHolder 1"/>
           <p:cNvSpPr>
             <a:spLocks noGrp="1"/>
           </p:cNvSpPr>
@@ -3698,7 +3698,7 @@
       </p:sp>
       <p:sp>
         <p:nvSpPr>
-          <p:cNvPr id="577" name="PlaceHolder 2"/>
+          <p:cNvPr id="582" name="PlaceHolder 2"/>
           <p:cNvSpPr>
             <a:spLocks noGrp="1"/>
           </p:cNvSpPr>
@@ -3802,7 +3802,7 @@
       </p:grpSpPr>
       <p:sp>
         <p:nvSpPr>
-          <p:cNvPr id="620" name="PlaceHolder 1"/>
+          <p:cNvPr id="625" name="PlaceHolder 1"/>
           <p:cNvSpPr>
             <a:spLocks noGrp="1"/>
           </p:cNvSpPr>
@@ -3825,7 +3825,7 @@
       </p:sp>
       <p:sp>
         <p:nvSpPr>
-          <p:cNvPr id="621" name="PlaceHolder 2"/>
+          <p:cNvPr id="626" name="PlaceHolder 2"/>
           <p:cNvSpPr>
             <a:spLocks noGrp="1"/>
           </p:cNvSpPr>
@@ -3949,7 +3949,7 @@
       </p:grpSpPr>
       <p:sp>
         <p:nvSpPr>
-          <p:cNvPr id="622" name="PlaceHolder 1"/>
+          <p:cNvPr id="627" name="PlaceHolder 1"/>
           <p:cNvSpPr>
             <a:spLocks noGrp="1"/>
           </p:cNvSpPr>
@@ -3972,7 +3972,7 @@
       </p:sp>
       <p:sp>
         <p:nvSpPr>
-          <p:cNvPr id="623" name="PlaceHolder 2"/>
+          <p:cNvPr id="628" name="PlaceHolder 2"/>
           <p:cNvSpPr>
             <a:spLocks noGrp="1"/>
           </p:cNvSpPr>
@@ -4076,7 +4076,7 @@
       </p:grpSpPr>
       <p:sp>
         <p:nvSpPr>
-          <p:cNvPr id="624" name="PlaceHolder 1"/>
+          <p:cNvPr id="629" name="PlaceHolder 1"/>
           <p:cNvSpPr>
             <a:spLocks noGrp="1"/>
           </p:cNvSpPr>
@@ -4099,7 +4099,7 @@
       </p:sp>
       <p:sp>
         <p:nvSpPr>
-          <p:cNvPr id="625" name="PlaceHolder 2"/>
+          <p:cNvPr id="630" name="PlaceHolder 2"/>
           <p:cNvSpPr>
             <a:spLocks noGrp="1"/>
           </p:cNvSpPr>
@@ -4215,7 +4215,7 @@
       </p:grpSpPr>
       <p:sp>
         <p:nvSpPr>
-          <p:cNvPr id="626" name="PlaceHolder 1"/>
+          <p:cNvPr id="631" name="PlaceHolder 1"/>
           <p:cNvSpPr>
             <a:spLocks noGrp="1"/>
           </p:cNvSpPr>
@@ -4238,7 +4238,7 @@
       </p:sp>
       <p:sp>
         <p:nvSpPr>
-          <p:cNvPr id="627" name="PlaceHolder 2"/>
+          <p:cNvPr id="632" name="PlaceHolder 2"/>
           <p:cNvSpPr>
             <a:spLocks noGrp="1"/>
           </p:cNvSpPr>
@@ -4402,7 +4402,7 @@
       </p:grpSpPr>
       <p:sp>
         <p:nvSpPr>
-          <p:cNvPr id="628" name="PlaceHolder 1"/>
+          <p:cNvPr id="633" name="PlaceHolder 1"/>
           <p:cNvSpPr>
             <a:spLocks noGrp="1"/>
           </p:cNvSpPr>
@@ -4425,7 +4425,7 @@
       </p:sp>
       <p:sp>
         <p:nvSpPr>
-          <p:cNvPr id="629" name="PlaceHolder 2"/>
+          <p:cNvPr id="634" name="PlaceHolder 2"/>
           <p:cNvSpPr>
             <a:spLocks noGrp="1"/>
           </p:cNvSpPr>
@@ -4671,7 +4671,7 @@
       </p:grpSpPr>
       <p:sp>
         <p:nvSpPr>
-          <p:cNvPr id="630" name="PlaceHolder 1"/>
+          <p:cNvPr id="635" name="PlaceHolder 1"/>
           <p:cNvSpPr>
             <a:spLocks noGrp="1"/>
           </p:cNvSpPr>
@@ -4694,7 +4694,7 @@
       </p:sp>
       <p:sp>
         <p:nvSpPr>
-          <p:cNvPr id="631" name="PlaceHolder 2"/>
+          <p:cNvPr id="636" name="PlaceHolder 2"/>
           <p:cNvSpPr>
             <a:spLocks noGrp="1"/>
           </p:cNvSpPr>
@@ -4923,7 +4923,7 @@
       </p:grpSpPr>
       <p:sp>
         <p:nvSpPr>
-          <p:cNvPr id="632" name="PlaceHolder 1"/>
+          <p:cNvPr id="637" name="PlaceHolder 1"/>
           <p:cNvSpPr>
             <a:spLocks noGrp="1"/>
           </p:cNvSpPr>
@@ -4946,7 +4946,7 @@
       </p:sp>
       <p:sp>
         <p:nvSpPr>
-          <p:cNvPr id="633" name="PlaceHolder 2"/>
+          <p:cNvPr id="638" name="PlaceHolder 2"/>
           <p:cNvSpPr>
             <a:spLocks noGrp="1"/>
           </p:cNvSpPr>
@@ -5050,7 +5050,7 @@
       </p:grpSpPr>
       <p:sp>
         <p:nvSpPr>
-          <p:cNvPr id="578" name="PlaceHolder 1"/>
+          <p:cNvPr id="583" name="PlaceHolder 1"/>
           <p:cNvSpPr>
             <a:spLocks noGrp="1"/>
           </p:cNvSpPr>
@@ -5073,7 +5073,7 @@
       </p:sp>
       <p:sp>
         <p:nvSpPr>
-          <p:cNvPr id="579" name="PlaceHolder 2"/>
+          <p:cNvPr id="584" name="PlaceHolder 2"/>
           <p:cNvSpPr>
             <a:spLocks noGrp="1"/>
           </p:cNvSpPr>
@@ -5189,7 +5189,7 @@
       </p:grpSpPr>
       <p:sp>
         <p:nvSpPr>
-          <p:cNvPr id="634" name="PlaceHolder 1"/>
+          <p:cNvPr id="639" name="PlaceHolder 1"/>
           <p:cNvSpPr>
             <a:spLocks noGrp="1"/>
           </p:cNvSpPr>
@@ -5212,7 +5212,7 @@
       </p:sp>
       <p:sp>
         <p:nvSpPr>
-          <p:cNvPr id="635" name="PlaceHolder 2"/>
+          <p:cNvPr id="640" name="PlaceHolder 2"/>
           <p:cNvSpPr>
             <a:spLocks noGrp="1"/>
           </p:cNvSpPr>
@@ -5356,7 +5356,7 @@
       </p:grpSpPr>
       <p:sp>
         <p:nvSpPr>
-          <p:cNvPr id="636" name="PlaceHolder 1"/>
+          <p:cNvPr id="641" name="PlaceHolder 1"/>
           <p:cNvSpPr>
             <a:spLocks noGrp="1"/>
           </p:cNvSpPr>
@@ -5379,7 +5379,7 @@
       </p:sp>
       <p:sp>
         <p:nvSpPr>
-          <p:cNvPr id="637" name="PlaceHolder 2"/>
+          <p:cNvPr id="642" name="PlaceHolder 2"/>
           <p:cNvSpPr>
             <a:spLocks noGrp="1"/>
           </p:cNvSpPr>
@@ -5594,7 +5594,7 @@
       </p:grpSpPr>
       <p:sp>
         <p:nvSpPr>
-          <p:cNvPr id="638" name="PlaceHolder 1"/>
+          <p:cNvPr id="643" name="PlaceHolder 1"/>
           <p:cNvSpPr>
             <a:spLocks noGrp="1"/>
           </p:cNvSpPr>
@@ -5617,7 +5617,7 @@
       </p:sp>
       <p:sp>
         <p:nvSpPr>
-          <p:cNvPr id="639" name="PlaceHolder 2"/>
+          <p:cNvPr id="644" name="PlaceHolder 2"/>
           <p:cNvSpPr>
             <a:spLocks noGrp="1"/>
           </p:cNvSpPr>
@@ -5721,7 +5721,7 @@
       </p:grpSpPr>
       <p:sp>
         <p:nvSpPr>
-          <p:cNvPr id="640" name="PlaceHolder 1"/>
+          <p:cNvPr id="645" name="PlaceHolder 1"/>
           <p:cNvSpPr>
             <a:spLocks noGrp="1"/>
           </p:cNvSpPr>
@@ -5744,7 +5744,7 @@
       </p:sp>
       <p:sp>
         <p:nvSpPr>
-          <p:cNvPr id="641" name="PlaceHolder 2"/>
+          <p:cNvPr id="646" name="PlaceHolder 2"/>
           <p:cNvSpPr>
             <a:spLocks noGrp="1"/>
           </p:cNvSpPr>
@@ -5848,7 +5848,7 @@
       </p:grpSpPr>
       <p:sp>
         <p:nvSpPr>
-          <p:cNvPr id="642" name="PlaceHolder 1"/>
+          <p:cNvPr id="647" name="PlaceHolder 1"/>
           <p:cNvSpPr>
             <a:spLocks noGrp="1"/>
           </p:cNvSpPr>
@@ -5871,7 +5871,7 @@
       </p:sp>
       <p:sp>
         <p:nvSpPr>
-          <p:cNvPr id="643" name="PlaceHolder 2"/>
+          <p:cNvPr id="648" name="PlaceHolder 2"/>
           <p:cNvSpPr>
             <a:spLocks noGrp="1"/>
           </p:cNvSpPr>
@@ -5975,7 +5975,7 @@
       </p:grpSpPr>
       <p:sp>
         <p:nvSpPr>
-          <p:cNvPr id="644" name="PlaceHolder 1"/>
+          <p:cNvPr id="649" name="PlaceHolder 1"/>
           <p:cNvSpPr>
             <a:spLocks noGrp="1"/>
           </p:cNvSpPr>
@@ -5998,7 +5998,7 @@
       </p:sp>
       <p:sp>
         <p:nvSpPr>
-          <p:cNvPr id="645" name="PlaceHolder 2"/>
+          <p:cNvPr id="650" name="PlaceHolder 2"/>
           <p:cNvSpPr>
             <a:spLocks noGrp="1"/>
           </p:cNvSpPr>
@@ -6166,7 +6166,7 @@
       </p:grpSpPr>
       <p:sp>
         <p:nvSpPr>
-          <p:cNvPr id="646" name="PlaceHolder 1"/>
+          <p:cNvPr id="651" name="PlaceHolder 1"/>
           <p:cNvSpPr>
             <a:spLocks noGrp="1"/>
           </p:cNvSpPr>
@@ -6189,7 +6189,7 @@
       </p:sp>
       <p:sp>
         <p:nvSpPr>
-          <p:cNvPr id="647" name="PlaceHolder 2"/>
+          <p:cNvPr id="652" name="PlaceHolder 2"/>
           <p:cNvSpPr>
             <a:spLocks noGrp="1"/>
           </p:cNvSpPr>
@@ -6313,7 +6313,7 @@
       </p:grpSpPr>
       <p:sp>
         <p:nvSpPr>
-          <p:cNvPr id="648" name="PlaceHolder 1"/>
+          <p:cNvPr id="653" name="PlaceHolder 1"/>
           <p:cNvSpPr>
             <a:spLocks noGrp="1"/>
           </p:cNvSpPr>
@@ -6336,7 +6336,7 @@
       </p:sp>
       <p:sp>
         <p:nvSpPr>
-          <p:cNvPr id="649" name="PlaceHolder 2"/>
+          <p:cNvPr id="654" name="PlaceHolder 2"/>
           <p:cNvSpPr>
             <a:spLocks noGrp="1"/>
           </p:cNvSpPr>
@@ -6522,7 +6522,7 @@
       </p:grpSpPr>
       <p:sp>
         <p:nvSpPr>
-          <p:cNvPr id="650" name="PlaceHolder 1"/>
+          <p:cNvPr id="655" name="PlaceHolder 1"/>
           <p:cNvSpPr>
             <a:spLocks noGrp="1"/>
           </p:cNvSpPr>
@@ -6545,7 +6545,7 @@
       </p:sp>
       <p:sp>
         <p:nvSpPr>
-          <p:cNvPr id="651" name="PlaceHolder 2"/>
+          <p:cNvPr id="656" name="PlaceHolder 2"/>
           <p:cNvSpPr>
             <a:spLocks noGrp="1"/>
           </p:cNvSpPr>
@@ -6669,7 +6669,7 @@
       </p:grpSpPr>
       <p:sp>
         <p:nvSpPr>
-          <p:cNvPr id="652" name="PlaceHolder 1"/>
+          <p:cNvPr id="657" name="PlaceHolder 1"/>
           <p:cNvSpPr>
             <a:spLocks noGrp="1"/>
           </p:cNvSpPr>
@@ -6692,7 +6692,7 @@
       </p:sp>
       <p:sp>
         <p:nvSpPr>
-          <p:cNvPr id="653" name="PlaceHolder 2"/>
+          <p:cNvPr id="658" name="PlaceHolder 2"/>
           <p:cNvSpPr>
             <a:spLocks noGrp="1"/>
           </p:cNvSpPr>
@@ -6828,7 +6828,7 @@
       </p:grpSpPr>
       <p:sp>
         <p:nvSpPr>
-          <p:cNvPr id="654" name="PlaceHolder 1"/>
+          <p:cNvPr id="659" name="PlaceHolder 1"/>
           <p:cNvSpPr>
             <a:spLocks noGrp="1"/>
           </p:cNvSpPr>
@@ -6851,7 +6851,7 @@
       </p:sp>
       <p:sp>
         <p:nvSpPr>
-          <p:cNvPr id="655" name="PlaceHolder 2"/>
+          <p:cNvPr id="660" name="PlaceHolder 2"/>
           <p:cNvSpPr>
             <a:spLocks noGrp="1"/>
           </p:cNvSpPr>
@@ -6967,7 +6967,7 @@
       </p:grpSpPr>
       <p:sp>
         <p:nvSpPr>
-          <p:cNvPr id="656" name="PlaceHolder 1"/>
+          <p:cNvPr id="661" name="PlaceHolder 1"/>
           <p:cNvSpPr>
             <a:spLocks noGrp="1"/>
           </p:cNvSpPr>
@@ -6990,7 +6990,7 @@
       </p:sp>
       <p:sp>
         <p:nvSpPr>
-          <p:cNvPr id="657" name="PlaceHolder 2"/>
+          <p:cNvPr id="662" name="PlaceHolder 2"/>
           <p:cNvSpPr>
             <a:spLocks noGrp="1"/>
           </p:cNvSpPr>
@@ -7094,7 +7094,7 @@
       </p:grpSpPr>
       <p:sp>
         <p:nvSpPr>
-          <p:cNvPr id="580" name="PlaceHolder 1"/>
+          <p:cNvPr id="585" name="PlaceHolder 1"/>
           <p:cNvSpPr>
             <a:spLocks noGrp="1"/>
           </p:cNvSpPr>
@@ -7117,7 +7117,7 @@
       </p:sp>
       <p:sp>
         <p:nvSpPr>
-          <p:cNvPr id="581" name="PlaceHolder 2"/>
+          <p:cNvPr id="586" name="PlaceHolder 2"/>
           <p:cNvSpPr>
             <a:spLocks noGrp="1"/>
           </p:cNvSpPr>
@@ -7324,7 +7324,7 @@
       </p:grpSpPr>
       <p:sp>
         <p:nvSpPr>
-          <p:cNvPr id="582" name="PlaceHolder 1"/>
+          <p:cNvPr id="587" name="PlaceHolder 1"/>
           <p:cNvSpPr>
             <a:spLocks noGrp="1"/>
           </p:cNvSpPr>
@@ -7347,7 +7347,7 @@
       </p:sp>
       <p:sp>
         <p:nvSpPr>
-          <p:cNvPr id="583" name="PlaceHolder 2"/>
+          <p:cNvPr id="588" name="PlaceHolder 2"/>
           <p:cNvSpPr>
             <a:spLocks noGrp="1"/>
           </p:cNvSpPr>
@@ -7451,7 +7451,7 @@
       </p:grpSpPr>
       <p:sp>
         <p:nvSpPr>
-          <p:cNvPr id="584" name="PlaceHolder 1"/>
+          <p:cNvPr id="589" name="PlaceHolder 1"/>
           <p:cNvSpPr>
             <a:spLocks noGrp="1"/>
           </p:cNvSpPr>
@@ -7474,7 +7474,7 @@
       </p:sp>
       <p:sp>
         <p:nvSpPr>
-          <p:cNvPr id="585" name="PlaceHolder 2"/>
+          <p:cNvPr id="590" name="PlaceHolder 2"/>
           <p:cNvSpPr>
             <a:spLocks noGrp="1"/>
           </p:cNvSpPr>
@@ -7672,7 +7672,7 @@
         <p:txBody>
           <a:bodyPr/>
           <a:p>
-            <a:fld id="{EA660A0E-EE75-4E51-9C89-880711E83242}" type="slidenum">
+            <a:fld id="{372E3E64-ABB2-4227-AD94-1BE81879FEFF}" type="slidenum">
               <a:t>&lt;#&gt;</a:t>
             </a:fld>
           </a:p>
@@ -7860,7 +7860,7 @@
         <p:txBody>
           <a:bodyPr/>
           <a:p>
-            <a:fld id="{FCDCDAF6-9E01-4AE8-BB34-99F39B82BED8}" type="slidenum">
+            <a:fld id="{E4D4320B-B7EE-4F8F-86A2-3689ED3483BC}" type="slidenum">
               <a:t>&lt;#&gt;</a:t>
             </a:fld>
           </a:p>
@@ -8048,7 +8048,7 @@
         <p:txBody>
           <a:bodyPr/>
           <a:p>
-            <a:fld id="{87D64087-A72F-4B8D-A089-847082864B03}" type="slidenum">
+            <a:fld id="{9BDBDB99-0797-46F2-B18B-5AB945BB5C02}" type="slidenum">
               <a:t>&lt;#&gt;</a:t>
             </a:fld>
           </a:p>
@@ -8150,7 +8150,7 @@
         <p:txBody>
           <a:bodyPr/>
           <a:p>
-            <a:fld id="{3934F93E-87F2-4EF4-9424-9908D60F147F}" type="slidenum">
+            <a:fld id="{55554EDB-253C-484A-9CA2-7C3BA5EABFF8}" type="slidenum">
               <a:t>&lt;#&gt;</a:t>
             </a:fld>
           </a:p>
@@ -8250,7 +8250,7 @@
         <p:txBody>
           <a:bodyPr/>
           <a:p>
-            <a:fld id="{22186EE0-CB2D-40F0-84B3-79C97868EF2E}" type="slidenum">
+            <a:fld id="{0388DF53-BFD1-4DF8-A48B-BB555BADBA88}" type="slidenum">
               <a:t>&lt;#&gt;</a:t>
             </a:fld>
           </a:p>
@@ -8481,7 +8481,7 @@
         <p:txBody>
           <a:bodyPr/>
           <a:p>
-            <a:fld id="{47DE08E3-4D1D-488A-B05A-15F34472BC65}" type="slidenum">
+            <a:fld id="{0D5C21AB-39E9-4211-A016-CC56FF827ADE}" type="slidenum">
               <a:t>&lt;#&gt;</a:t>
             </a:fld>
           </a:p>
@@ -8712,7 +8712,7 @@
         <p:txBody>
           <a:bodyPr/>
           <a:p>
-            <a:fld id="{90D4850B-1DBA-4F9B-AC9F-501FAD07717F}" type="slidenum">
+            <a:fld id="{E632EC52-4E97-4482-84D4-C3EBA6051E83}" type="slidenum">
               <a:t>&lt;#&gt;</a:t>
             </a:fld>
           </a:p>
@@ -8943,7 +8943,7 @@
         <p:txBody>
           <a:bodyPr/>
           <a:p>
-            <a:fld id="{F16200A6-0DCA-4F60-9D44-6DEEF3140655}" type="slidenum">
+            <a:fld id="{CBF1979D-4EE2-4E0A-8C6C-96D69739652E}" type="slidenum">
               <a:t>&lt;#&gt;</a:t>
             </a:fld>
           </a:p>
@@ -9131,7 +9131,7 @@
         <p:txBody>
           <a:bodyPr/>
           <a:p>
-            <a:fld id="{057AA78E-CB95-4FBA-98CF-607796B312BA}" type="slidenum">
+            <a:fld id="{251C2462-300F-48AA-BAD2-69DB8A51DE4C}" type="slidenum">
               <a:t>&lt;#&gt;</a:t>
             </a:fld>
           </a:p>
@@ -9405,7 +9405,7 @@
         <p:txBody>
           <a:bodyPr/>
           <a:p>
-            <a:fld id="{661FC4ED-4307-4618-A502-AD30B2A32E79}" type="slidenum">
+            <a:fld id="{49C168A0-23EC-493F-AC49-FDDE6929C2EE}" type="slidenum">
               <a:t>&lt;#&gt;</a:t>
             </a:fld>
           </a:p>
@@ -9765,7 +9765,7 @@
         <p:txBody>
           <a:bodyPr/>
           <a:p>
-            <a:fld id="{81E378BC-2C82-4D3A-A1B6-872A5341A0FC}" type="slidenum">
+            <a:fld id="{4AA6C414-BD05-425F-BC50-650031CF2B4A}" type="slidenum">
               <a:t>&lt;#&gt;</a:t>
             </a:fld>
           </a:p>
@@ -10039,7 +10039,7 @@
         <p:txBody>
           <a:bodyPr/>
           <a:p>
-            <a:fld id="{8F7F9DC8-8FDB-424B-95BC-55AF3B8971C0}" type="slidenum">
+            <a:fld id="{B499B614-A9CF-47E2-AB36-A9F3C7A5BEE2}" type="slidenum">
               <a:t>&lt;#&gt;</a:t>
             </a:fld>
           </a:p>
@@ -10399,7 +10399,7 @@
         <p:txBody>
           <a:bodyPr/>
           <a:p>
-            <a:fld id="{AA684A6A-4610-4C0C-A149-23DE26C0799B}" type="slidenum">
+            <a:fld id="{6F1B6297-D48E-4A8A-81F6-E4D9052BC397}" type="slidenum">
               <a:t>&lt;#&gt;</a:t>
             </a:fld>
           </a:p>
@@ -10461,7 +10461,7 @@
         <p:txBody>
           <a:bodyPr/>
           <a:p>
-            <a:fld id="{E7A5A3C9-2F24-4F91-AB10-79AC839E1B48}" type="slidenum">
+            <a:fld id="{E4613306-8A31-40C2-8BD6-CDB5592C073D}" type="slidenum">
               <a:t>&lt;#&gt;</a:t>
             </a:fld>
           </a:p>
@@ -10603,7 +10603,7 @@
         <p:txBody>
           <a:bodyPr/>
           <a:p>
-            <a:fld id="{4271FF50-E011-4188-A30D-B1E7B46D675F}" type="slidenum">
+            <a:fld id="{475B039A-4B29-4483-BBFE-5E3235396244}" type="slidenum">
               <a:t>&lt;#&gt;</a:t>
             </a:fld>
           </a:p>
@@ -10748,7 +10748,7 @@
         <p:txBody>
           <a:bodyPr/>
           <a:p>
-            <a:fld id="{1A078C50-361B-4A22-BA95-618E1F66D7F6}" type="slidenum">
+            <a:fld id="{B8AC283C-EFD9-481E-BD67-FFC3145CAA57}" type="slidenum">
               <a:t>&lt;#&gt;</a:t>
             </a:fld>
           </a:p>
@@ -10936,7 +10936,7 @@
         <p:txBody>
           <a:bodyPr/>
           <a:p>
-            <a:fld id="{174279C7-5631-4E40-B73D-08D095F65DC4}" type="slidenum">
+            <a:fld id="{282D8979-87A7-426D-B6A8-128F86A432E6}" type="slidenum">
               <a:t>&lt;#&gt;</a:t>
             </a:fld>
           </a:p>
@@ -11038,7 +11038,7 @@
         <p:txBody>
           <a:bodyPr/>
           <a:p>
-            <a:fld id="{59950D8A-B023-4165-BC11-A4EDC7613CF1}" type="slidenum">
+            <a:fld id="{44BD5ED0-EBCD-40CD-8CE6-659B361FD77F}" type="slidenum">
               <a:t>&lt;#&gt;</a:t>
             </a:fld>
           </a:p>
@@ -11138,7 +11138,7 @@
         <p:txBody>
           <a:bodyPr/>
           <a:p>
-            <a:fld id="{29F8AA03-45DB-4A68-A92D-4E0720239A44}" type="slidenum">
+            <a:fld id="{37C04D5C-FA87-4438-92A0-061D4A5D05F4}" type="slidenum">
               <a:t>&lt;#&gt;</a:t>
             </a:fld>
           </a:p>
@@ -11369,7 +11369,7 @@
         <p:txBody>
           <a:bodyPr/>
           <a:p>
-            <a:fld id="{D38245B1-450E-4407-B7BD-568254F8C8ED}" type="slidenum">
+            <a:fld id="{0B5456EC-8601-4B90-9C06-DBB8E9FCB50F}" type="slidenum">
               <a:t>&lt;#&gt;</a:t>
             </a:fld>
           </a:p>
@@ -11511,7 +11511,7 @@
         <p:txBody>
           <a:bodyPr/>
           <a:p>
-            <a:fld id="{C42C151C-0A21-47E3-B369-A98895D6EF15}" type="slidenum">
+            <a:fld id="{F49461C2-5A9F-4E96-A3A4-41C22DD05309}" type="slidenum">
               <a:t>&lt;#&gt;</a:t>
             </a:fld>
           </a:p>
@@ -11742,7 +11742,7 @@
         <p:txBody>
           <a:bodyPr/>
           <a:p>
-            <a:fld id="{44933A52-DE4F-4F90-80DB-C0309C776950}" type="slidenum">
+            <a:fld id="{DF74C6A5-D460-4A92-A873-18F8CD299659}" type="slidenum">
               <a:t>&lt;#&gt;</a:t>
             </a:fld>
           </a:p>
@@ -11973,7 +11973,7 @@
         <p:txBody>
           <a:bodyPr/>
           <a:p>
-            <a:fld id="{0C3D50F6-4631-4949-AAD3-D74318034B46}" type="slidenum">
+            <a:fld id="{32BE62B3-A160-4262-9433-2918F4AE8BB5}" type="slidenum">
               <a:t>&lt;#&gt;</a:t>
             </a:fld>
           </a:p>
@@ -12161,7 +12161,7 @@
         <p:txBody>
           <a:bodyPr/>
           <a:p>
-            <a:fld id="{E4D9739D-A4F2-4410-8BF9-1974827B4B76}" type="slidenum">
+            <a:fld id="{4D744FDF-25FC-420F-A49C-D4220D50C060}" type="slidenum">
               <a:t>&lt;#&gt;</a:t>
             </a:fld>
           </a:p>
@@ -12435,7 +12435,7 @@
         <p:txBody>
           <a:bodyPr/>
           <a:p>
-            <a:fld id="{91B72179-8E48-46A8-8FFA-4090963A4F59}" type="slidenum">
+            <a:fld id="{C0F22B18-4D73-41A3-8C12-6B76FC1A3BFE}" type="slidenum">
               <a:t>&lt;#&gt;</a:t>
             </a:fld>
           </a:p>
@@ -12795,7 +12795,7 @@
         <p:txBody>
           <a:bodyPr/>
           <a:p>
-            <a:fld id="{04A94F5C-F822-4028-B89C-099FAEFBC2A0}" type="slidenum">
+            <a:fld id="{49B5A2F7-4F68-41B1-A90B-4D76D3FCA446}" type="slidenum">
               <a:t>&lt;#&gt;</a:t>
             </a:fld>
           </a:p>
@@ -12857,7 +12857,7 @@
         <p:txBody>
           <a:bodyPr/>
           <a:p>
-            <a:fld id="{45C21AA3-3CC5-450A-B4E4-485F26508E36}" type="slidenum">
+            <a:fld id="{E12E1319-6E19-489B-91D5-CB479F6ED804}" type="slidenum">
               <a:t>&lt;#&gt;</a:t>
             </a:fld>
           </a:p>
@@ -12999,7 +12999,7 @@
         <p:txBody>
           <a:bodyPr/>
           <a:p>
-            <a:fld id="{ECB962C3-2E75-4E7F-8EF2-E44538E229C4}" type="slidenum">
+            <a:fld id="{F3C2733C-41A9-46CE-85A2-E93E5FCEB958}" type="slidenum">
               <a:t>&lt;#&gt;</a:t>
             </a:fld>
           </a:p>
@@ -13144,7 +13144,7 @@
         <p:txBody>
           <a:bodyPr/>
           <a:p>
-            <a:fld id="{01C2FDCE-338F-403B-931F-2EC560E0E43F}" type="slidenum">
+            <a:fld id="{F02AC917-4F89-4653-9D47-CA4209E7D302}" type="slidenum">
               <a:t>&lt;#&gt;</a:t>
             </a:fld>
           </a:p>
@@ -13332,7 +13332,7 @@
         <p:txBody>
           <a:bodyPr/>
           <a:p>
-            <a:fld id="{446E042D-5E88-476A-B36A-70C62200A8B5}" type="slidenum">
+            <a:fld id="{919F4E0A-F52E-4F7C-BE4F-D8F4F56A0D88}" type="slidenum">
               <a:t>&lt;#&gt;</a:t>
             </a:fld>
           </a:p>
@@ -13434,7 +13434,7 @@
         <p:txBody>
           <a:bodyPr/>
           <a:p>
-            <a:fld id="{591222FE-60E1-4577-949B-45733E253A23}" type="slidenum">
+            <a:fld id="{F85572A5-2EAC-48BD-B595-8BA9B10AAE94}" type="slidenum">
               <a:t>&lt;#&gt;</a:t>
             </a:fld>
           </a:p>
@@ -13579,7 +13579,7 @@
         <p:txBody>
           <a:bodyPr/>
           <a:p>
-            <a:fld id="{1E0E8F48-69F4-4109-9F21-859C9B18F761}" type="slidenum">
+            <a:fld id="{2FBF49B1-193D-4212-9B13-0496DF39C3F4}" type="slidenum">
               <a:t>&lt;#&gt;</a:t>
             </a:fld>
           </a:p>
@@ -13679,7 +13679,7 @@
         <p:txBody>
           <a:bodyPr/>
           <a:p>
-            <a:fld id="{EBE35EBF-FCFE-4E0E-B665-3323CFA686A0}" type="slidenum">
+            <a:fld id="{76F6C619-FF3C-4B11-B0E4-AC0335A9DE05}" type="slidenum">
               <a:t>&lt;#&gt;</a:t>
             </a:fld>
           </a:p>
@@ -13910,7 +13910,7 @@
         <p:txBody>
           <a:bodyPr/>
           <a:p>
-            <a:fld id="{A5D8A5BF-6584-42E8-A2C7-5CEEA12A9202}" type="slidenum">
+            <a:fld id="{A06E35C0-BFEB-4DFB-8BE3-F177546B4AD6}" type="slidenum">
               <a:t>&lt;#&gt;</a:t>
             </a:fld>
           </a:p>
@@ -14141,7 +14141,7 @@
         <p:txBody>
           <a:bodyPr/>
           <a:p>
-            <a:fld id="{816A40B9-C460-4F4E-967E-59657568839F}" type="slidenum">
+            <a:fld id="{C75C7329-86EA-4DFA-9D3D-998F384AA6BE}" type="slidenum">
               <a:t>&lt;#&gt;</a:t>
             </a:fld>
           </a:p>
@@ -14372,7 +14372,7 @@
         <p:txBody>
           <a:bodyPr/>
           <a:p>
-            <a:fld id="{00BE9271-60C9-4189-814E-10241F9E3C5F}" type="slidenum">
+            <a:fld id="{CF1C0E79-475C-45AF-81F4-1A7DBF15E148}" type="slidenum">
               <a:t>&lt;#&gt;</a:t>
             </a:fld>
           </a:p>
@@ -14560,7 +14560,7 @@
         <p:txBody>
           <a:bodyPr/>
           <a:p>
-            <a:fld id="{883F75F7-DE1B-4E1C-8946-26C634CBA27A}" type="slidenum">
+            <a:fld id="{789DF2B2-3573-47A5-A98C-613D16E0ED88}" type="slidenum">
               <a:t>&lt;#&gt;</a:t>
             </a:fld>
           </a:p>
@@ -14834,7 +14834,7 @@
         <p:txBody>
           <a:bodyPr/>
           <a:p>
-            <a:fld id="{25A45AF7-D3DF-4B26-ABAC-C1009DAC7808}" type="slidenum">
+            <a:fld id="{E6B386BD-9435-4018-8ED4-3E437B9F920C}" type="slidenum">
               <a:t>&lt;#&gt;</a:t>
             </a:fld>
           </a:p>
@@ -15194,7 +15194,7 @@
         <p:txBody>
           <a:bodyPr/>
           <a:p>
-            <a:fld id="{A25A216F-7707-4519-9D06-1B4685E9829F}" type="slidenum">
+            <a:fld id="{C437D3DD-82CA-4800-A48C-5C5D362B6821}" type="slidenum">
               <a:t>&lt;#&gt;</a:t>
             </a:fld>
           </a:p>
@@ -15256,7 +15256,7 @@
         <p:txBody>
           <a:bodyPr/>
           <a:p>
-            <a:fld id="{5966824F-8136-45D4-BFA5-75734ADF138D}" type="slidenum">
+            <a:fld id="{4ADA50E1-CB8E-4149-B81D-35C806F1755C}" type="slidenum">
               <a:t>&lt;#&gt;</a:t>
             </a:fld>
           </a:p>
@@ -15398,7 +15398,7 @@
         <p:txBody>
           <a:bodyPr/>
           <a:p>
-            <a:fld id="{A055CB2D-57F5-4645-AEE8-C3F3D16783DA}" type="slidenum">
+            <a:fld id="{91B23149-9669-449E-A369-B215D65754FF}" type="slidenum">
               <a:t>&lt;#&gt;</a:t>
             </a:fld>
           </a:p>
@@ -15543,7 +15543,7 @@
         <p:txBody>
           <a:bodyPr/>
           <a:p>
-            <a:fld id="{D75EBAF1-00B9-471D-ACF6-548FE5F11C89}" type="slidenum">
+            <a:fld id="{924CD90F-B011-43D0-B3DC-232D9727DAE6}" type="slidenum">
               <a:t>&lt;#&gt;</a:t>
             </a:fld>
           </a:p>
@@ -15731,7 +15731,7 @@
         <p:txBody>
           <a:bodyPr/>
           <a:p>
-            <a:fld id="{EEE890FB-9E8B-426C-A72E-6B16A49243F1}" type="slidenum">
+            <a:fld id="{E5FA200B-F4D6-421E-A305-01F6F61FCDC0}" type="slidenum">
               <a:t>&lt;#&gt;</a:t>
             </a:fld>
           </a:p>
@@ -15919,7 +15919,7 @@
         <p:txBody>
           <a:bodyPr/>
           <a:p>
-            <a:fld id="{B98935CE-FE46-4A8E-8037-3F7535FED1EA}" type="slidenum">
+            <a:fld id="{D776C3B7-8D24-4665-AF4F-CE642E09C6F6}" type="slidenum">
               <a:t>&lt;#&gt;</a:t>
             </a:fld>
           </a:p>
@@ -16021,7 +16021,7 @@
         <p:txBody>
           <a:bodyPr/>
           <a:p>
-            <a:fld id="{1D2CD4BA-95B7-4D31-892D-4EC1EB42D9DC}" type="slidenum">
+            <a:fld id="{6DE0DC77-A7A9-4CCA-BCD0-87582D713583}" type="slidenum">
               <a:t>&lt;#&gt;</a:t>
             </a:fld>
           </a:p>
@@ -16121,7 +16121,7 @@
         <p:txBody>
           <a:bodyPr/>
           <a:p>
-            <a:fld id="{822F565C-FAE3-4ADE-8B4F-23C954136D46}" type="slidenum">
+            <a:fld id="{7A845417-7F89-48B8-ADAE-AAD40F1C2430}" type="slidenum">
               <a:t>&lt;#&gt;</a:t>
             </a:fld>
           </a:p>
@@ -16352,7 +16352,7 @@
         <p:txBody>
           <a:bodyPr/>
           <a:p>
-            <a:fld id="{24863F4A-D9BE-4E5B-BCD6-098BE6E5414A}" type="slidenum">
+            <a:fld id="{17D27B6E-2559-42B3-BF89-B671E661A45D}" type="slidenum">
               <a:t>&lt;#&gt;</a:t>
             </a:fld>
           </a:p>
@@ -16583,7 +16583,7 @@
         <p:txBody>
           <a:bodyPr/>
           <a:p>
-            <a:fld id="{8D01A772-D03E-4541-813A-C264C64B314D}" type="slidenum">
+            <a:fld id="{E1E5644D-E06B-4572-8094-157D9DC0BA14}" type="slidenum">
               <a:t>&lt;#&gt;</a:t>
             </a:fld>
           </a:p>
@@ -16814,7 +16814,7 @@
         <p:txBody>
           <a:bodyPr/>
           <a:p>
-            <a:fld id="{2B41D2D7-5923-4A30-8F39-CC30CCC283A7}" type="slidenum">
+            <a:fld id="{D2E10752-4533-42AA-B4FB-7F868D433F71}" type="slidenum">
               <a:t>&lt;#&gt;</a:t>
             </a:fld>
           </a:p>
@@ -17002,7 +17002,7 @@
         <p:txBody>
           <a:bodyPr/>
           <a:p>
-            <a:fld id="{C0A0FD81-0D80-4DC5-9BD1-DF6DE0E6A540}" type="slidenum">
+            <a:fld id="{9A5BFC6D-E018-47FE-B1D2-B54E104EC55B}" type="slidenum">
               <a:t>&lt;#&gt;</a:t>
             </a:fld>
           </a:p>
@@ -17276,7 +17276,7 @@
         <p:txBody>
           <a:bodyPr/>
           <a:p>
-            <a:fld id="{D3B1D8F4-96F8-4A39-A20D-D9B8F4F26D41}" type="slidenum">
+            <a:fld id="{EF71BDB0-1CD1-4405-A940-9BE39CECBC07}" type="slidenum">
               <a:t>&lt;#&gt;</a:t>
             </a:fld>
           </a:p>
@@ -17636,7 +17636,7 @@
         <p:txBody>
           <a:bodyPr/>
           <a:p>
-            <a:fld id="{F9707DAA-8302-40AF-B251-D1104C0E5954}" type="slidenum">
+            <a:fld id="{4788A1C5-C30F-48A8-9D88-DDACEC77594F}" type="slidenum">
               <a:t>&lt;#&gt;</a:t>
             </a:fld>
           </a:p>
@@ -17698,7 +17698,7 @@
         <p:txBody>
           <a:bodyPr/>
           <a:p>
-            <a:fld id="{5483D79F-4B6C-46D1-89C3-1F4FE816C3DB}" type="slidenum">
+            <a:fld id="{4C6EC2ED-B353-4263-BE22-C526F819A100}" type="slidenum">
               <a:t>&lt;#&gt;</a:t>
             </a:fld>
           </a:p>
@@ -17800,7 +17800,7 @@
         <p:txBody>
           <a:bodyPr/>
           <a:p>
-            <a:fld id="{3C9DAB08-4E15-43C2-B277-EF8F3EA2122C}" type="slidenum">
+            <a:fld id="{FD5C3587-A00A-4DF9-AF88-8B5316F1ED16}" type="slidenum">
               <a:t>&lt;#&gt;</a:t>
             </a:fld>
           </a:p>
@@ -17942,7 +17942,7 @@
         <p:txBody>
           <a:bodyPr/>
           <a:p>
-            <a:fld id="{4B71E37E-207F-4493-A8A9-D738C94B514F}" type="slidenum">
+            <a:fld id="{A19CC63E-918C-425B-A6B0-EAE6C22F1CFC}" type="slidenum">
               <a:t>&lt;#&gt;</a:t>
             </a:fld>
           </a:p>
@@ -18087,7 +18087,7 @@
         <p:txBody>
           <a:bodyPr/>
           <a:p>
-            <a:fld id="{683D9E0B-DDF7-41FE-9679-BD72624B38C1}" type="slidenum">
+            <a:fld id="{6B858F02-1045-45B8-9CEB-D497AA5C1D71}" type="slidenum">
               <a:t>&lt;#&gt;</a:t>
             </a:fld>
           </a:p>
@@ -18275,7 +18275,7 @@
         <p:txBody>
           <a:bodyPr/>
           <a:p>
-            <a:fld id="{6C56F0C0-5916-46C7-B6E5-843B9EF9308D}" type="slidenum">
+            <a:fld id="{48A5179C-C39F-4300-8C9C-989CE37E34FF}" type="slidenum">
               <a:t>&lt;#&gt;</a:t>
             </a:fld>
           </a:p>
@@ -18377,7 +18377,7 @@
         <p:txBody>
           <a:bodyPr/>
           <a:p>
-            <a:fld id="{F97ED32B-1AFF-43C7-87DB-78F72124A2DD}" type="slidenum">
+            <a:fld id="{2B2F0181-7DAC-46EA-A1DF-3C418AB335E7}" type="slidenum">
               <a:t>&lt;#&gt;</a:t>
             </a:fld>
           </a:p>
@@ -18477,7 +18477,7 @@
         <p:txBody>
           <a:bodyPr/>
           <a:p>
-            <a:fld id="{B720E57B-4AD6-4C62-AD25-26C0DBB191C9}" type="slidenum">
+            <a:fld id="{CBF806AA-A1FE-4D85-AA94-6C45DC9994D9}" type="slidenum">
               <a:t>&lt;#&gt;</a:t>
             </a:fld>
           </a:p>
@@ -18708,7 +18708,7 @@
         <p:txBody>
           <a:bodyPr/>
           <a:p>
-            <a:fld id="{0054E504-AA94-4BE4-BDE7-63D3C2327DEC}" type="slidenum">
+            <a:fld id="{B69C70E3-8D20-4E1F-AFFC-8802D86846F9}" type="slidenum">
               <a:t>&lt;#&gt;</a:t>
             </a:fld>
           </a:p>
@@ -18939,7 +18939,7 @@
         <p:txBody>
           <a:bodyPr/>
           <a:p>
-            <a:fld id="{6025C182-80EC-483D-B9AC-EED5E711A2B2}" type="slidenum">
+            <a:fld id="{2A2544D9-0EBB-4038-BBC1-3B7C3EC59EEA}" type="slidenum">
               <a:t>&lt;#&gt;</a:t>
             </a:fld>
           </a:p>
@@ -19170,7 +19170,7 @@
         <p:txBody>
           <a:bodyPr/>
           <a:p>
-            <a:fld id="{8A300452-5678-45DD-8F72-03AEB137B39E}" type="slidenum">
+            <a:fld id="{05D36C33-4791-4425-A557-B9A202FD2877}" type="slidenum">
               <a:t>&lt;#&gt;</a:t>
             </a:fld>
           </a:p>
@@ -19358,7 +19358,7 @@
         <p:txBody>
           <a:bodyPr/>
           <a:p>
-            <a:fld id="{1A1E67B5-42BB-4411-88D6-B86007EBA46E}" type="slidenum">
+            <a:fld id="{C10C8E3E-47F7-4962-A99E-498B9CFE5BD2}" type="slidenum">
               <a:t>&lt;#&gt;</a:t>
             </a:fld>
           </a:p>
@@ -19632,7 +19632,7 @@
         <p:txBody>
           <a:bodyPr/>
           <a:p>
-            <a:fld id="{199DEDA9-5ACB-40D4-AFFA-717D246B2F38}" type="slidenum">
+            <a:fld id="{36F61738-5B19-4940-B1AB-CF095E691957}" type="slidenum">
               <a:t>&lt;#&gt;</a:t>
             </a:fld>
           </a:p>
@@ -19732,7 +19732,7 @@
         <p:txBody>
           <a:bodyPr/>
           <a:p>
-            <a:fld id="{41A89026-C66C-4F88-8217-1EFBFFAA86E7}" type="slidenum">
+            <a:fld id="{37B62625-88ED-499E-81FB-56F70DCCD506}" type="slidenum">
               <a:t>&lt;#&gt;</a:t>
             </a:fld>
           </a:p>
@@ -20092,7 +20092,7 @@
         <p:txBody>
           <a:bodyPr/>
           <a:p>
-            <a:fld id="{3EE0A237-8ABF-4AF8-B9E0-94C84BCEA305}" type="slidenum">
+            <a:fld id="{EED57D27-F12D-453F-A861-F3204D599DBD}" type="slidenum">
               <a:t>&lt;#&gt;</a:t>
             </a:fld>
           </a:p>
@@ -20154,7 +20154,7 @@
         <p:txBody>
           <a:bodyPr/>
           <a:p>
-            <a:fld id="{FEB4FE06-059D-411F-A816-D80C182932F7}" type="slidenum">
+            <a:fld id="{46140005-67E7-4652-BFB3-32F5A225D0CD}" type="slidenum">
               <a:t>&lt;#&gt;</a:t>
             </a:fld>
           </a:p>
@@ -20296,7 +20296,7 @@
         <p:txBody>
           <a:bodyPr/>
           <a:p>
-            <a:fld id="{7F51D924-09D7-422A-BCD4-7E2E71E9A686}" type="slidenum">
+            <a:fld id="{F7FC3410-D6E2-46A8-A921-F2FE1A73713A}" type="slidenum">
               <a:t>&lt;#&gt;</a:t>
             </a:fld>
           </a:p>
@@ -20441,7 +20441,7 @@
         <p:txBody>
           <a:bodyPr/>
           <a:p>
-            <a:fld id="{77AD78BE-10A6-4FC4-97B5-28600D080C0B}" type="slidenum">
+            <a:fld id="{7E62C52E-2E79-4931-8024-08F40F9EF3D1}" type="slidenum">
               <a:t>&lt;#&gt;</a:t>
             </a:fld>
           </a:p>
@@ -20629,7 +20629,7 @@
         <p:txBody>
           <a:bodyPr/>
           <a:p>
-            <a:fld id="{B9B0566C-F367-4F75-9B52-CDFCA9A2A430}" type="slidenum">
+            <a:fld id="{04AD0CBE-52A8-4814-8EA6-1032AA526937}" type="slidenum">
               <a:t>&lt;#&gt;</a:t>
             </a:fld>
           </a:p>
@@ -20731,7 +20731,7 @@
         <p:txBody>
           <a:bodyPr/>
           <a:p>
-            <a:fld id="{331BB215-7749-45CB-A8F1-7E0E52E51424}" type="slidenum">
+            <a:fld id="{46CE17CD-CCE1-4C6A-9DEC-82512E1C2C14}" type="slidenum">
               <a:t>&lt;#&gt;</a:t>
             </a:fld>
           </a:p>
@@ -20831,7 +20831,7 @@
         <p:txBody>
           <a:bodyPr/>
           <a:p>
-            <a:fld id="{E9DF30CD-D994-4FC9-B24E-D021372CA018}" type="slidenum">
+            <a:fld id="{D748B05B-6C2E-4E36-B460-29490B2065B7}" type="slidenum">
               <a:t>&lt;#&gt;</a:t>
             </a:fld>
           </a:p>
@@ -21062,7 +21062,7 @@
         <p:txBody>
           <a:bodyPr/>
           <a:p>
-            <a:fld id="{98336A02-9B16-423C-9A50-B2F418AE2296}" type="slidenum">
+            <a:fld id="{77BF8CC4-CA6A-4167-BE2F-455A91E68881}" type="slidenum">
               <a:t>&lt;#&gt;</a:t>
             </a:fld>
           </a:p>
@@ -21293,7 +21293,7 @@
         <p:txBody>
           <a:bodyPr/>
           <a:p>
-            <a:fld id="{63FCA747-43CC-4C29-B174-AAD3353E8730}" type="slidenum">
+            <a:fld id="{C087DB93-D719-47A9-AEB3-5D40808F7373}" type="slidenum">
               <a:t>&lt;#&gt;</a:t>
             </a:fld>
           </a:p>
@@ -21524,7 +21524,7 @@
         <p:txBody>
           <a:bodyPr/>
           <a:p>
-            <a:fld id="{503E57A1-4136-4DD9-8845-1E79C3E0310E}" type="slidenum">
+            <a:fld id="{A316FCA3-AD8F-476C-B0C7-2E188A3CDF03}" type="slidenum">
               <a:t>&lt;#&gt;</a:t>
             </a:fld>
           </a:p>
@@ -21755,7 +21755,7 @@
         <p:txBody>
           <a:bodyPr/>
           <a:p>
-            <a:fld id="{65B5C4AA-8771-4327-A9FD-C8C682CBF0BB}" type="slidenum">
+            <a:fld id="{DADF5C88-305B-42CF-B23C-DE107816F810}" type="slidenum">
               <a:t>&lt;#&gt;</a:t>
             </a:fld>
           </a:p>
@@ -21943,7 +21943,7 @@
         <p:txBody>
           <a:bodyPr/>
           <a:p>
-            <a:fld id="{9C833A6D-A1E6-4F19-B381-D0DF83125A15}" type="slidenum">
+            <a:fld id="{233DFC4D-485B-48B3-A85F-CD2AA2FAA878}" type="slidenum">
               <a:t>&lt;#&gt;</a:t>
             </a:fld>
           </a:p>
@@ -22217,7 +22217,7 @@
         <p:txBody>
           <a:bodyPr/>
           <a:p>
-            <a:fld id="{264A5D5C-E94F-43C7-BB5C-B9A40B776525}" type="slidenum">
+            <a:fld id="{33D0D28F-FA8A-4E3A-9723-8C642427A869}" type="slidenum">
               <a:t>&lt;#&gt;</a:t>
             </a:fld>
           </a:p>
@@ -22577,7 +22577,7 @@
         <p:txBody>
           <a:bodyPr/>
           <a:p>
-            <a:fld id="{D607B4FA-DF23-42B0-B552-4B3B2CD71DAF}" type="slidenum">
+            <a:fld id="{84A42710-417A-4AD6-A99A-4A2B34067EE2}" type="slidenum">
               <a:t>&lt;#&gt;</a:t>
             </a:fld>
           </a:p>
@@ -22639,7 +22639,7 @@
         <p:txBody>
           <a:bodyPr/>
           <a:p>
-            <a:fld id="{AFA5D0FD-4736-4793-9E8E-7702ED32F83A}" type="slidenum">
+            <a:fld id="{21F1E05C-A469-405E-8EAC-4AC71D5E7080}" type="slidenum">
               <a:t>&lt;#&gt;</a:t>
             </a:fld>
           </a:p>
@@ -22781,7 +22781,7 @@
         <p:txBody>
           <a:bodyPr/>
           <a:p>
-            <a:fld id="{B1FBBB41-70C9-42F5-9093-D15B262D38C2}" type="slidenum">
+            <a:fld id="{42A2AD37-A7A0-4600-8240-DE1E9742E455}" type="slidenum">
               <a:t>&lt;#&gt;</a:t>
             </a:fld>
           </a:p>
@@ -22926,7 +22926,7 @@
         <p:txBody>
           <a:bodyPr/>
           <a:p>
-            <a:fld id="{F8BA222D-6F34-43FA-9770-72E3F469ED2C}" type="slidenum">
+            <a:fld id="{B81CE477-A2FF-490C-AF82-1C266AEA009B}" type="slidenum">
               <a:t>&lt;#&gt;</a:t>
             </a:fld>
           </a:p>
@@ -23114,7 +23114,7 @@
         <p:txBody>
           <a:bodyPr/>
           <a:p>
-            <a:fld id="{FD822D18-777A-4869-A137-5E3C829E079E}" type="slidenum">
+            <a:fld id="{37597067-512F-4EA2-8527-EC5F49B9FA35}" type="slidenum">
               <a:t>&lt;#&gt;</a:t>
             </a:fld>
           </a:p>
@@ -23216,7 +23216,7 @@
         <p:txBody>
           <a:bodyPr/>
           <a:p>
-            <a:fld id="{CA5E1197-CE9C-45E3-A29F-0BB44204A7C1}" type="slidenum">
+            <a:fld id="{EDD42ECB-3175-402D-BD5F-B964840B41DE}" type="slidenum">
               <a:t>&lt;#&gt;</a:t>
             </a:fld>
           </a:p>
@@ -23316,7 +23316,7 @@
         <p:txBody>
           <a:bodyPr/>
           <a:p>
-            <a:fld id="{6D9C5312-16EC-4F50-A4DB-F5F272606A7B}" type="slidenum">
+            <a:fld id="{16C134C2-F48D-434B-9686-10D641DBBD6D}" type="slidenum">
               <a:t>&lt;#&gt;</a:t>
             </a:fld>
           </a:p>
@@ -23547,7 +23547,7 @@
         <p:txBody>
           <a:bodyPr/>
           <a:p>
-            <a:fld id="{8A4E8A09-DB3B-4882-9081-7E58FD92B106}" type="slidenum">
+            <a:fld id="{B04693EF-D5A4-431A-B16B-08B1D57E5B6C}" type="slidenum">
               <a:t>&lt;#&gt;</a:t>
             </a:fld>
           </a:p>
@@ -23778,7 +23778,7 @@
         <p:txBody>
           <a:bodyPr/>
           <a:p>
-            <a:fld id="{CDD843AD-71D6-44F4-A60A-E2342B08E455}" type="slidenum">
+            <a:fld id="{FCBB2C88-40E4-40D2-A5F1-D03BFCDE55E6}" type="slidenum">
               <a:t>&lt;#&gt;</a:t>
             </a:fld>
           </a:p>
@@ -24009,7 +24009,7 @@
         <p:txBody>
           <a:bodyPr/>
           <a:p>
-            <a:fld id="{651F6B81-5FF8-499B-AB09-D0D463F0648F}" type="slidenum">
+            <a:fld id="{7928243C-E340-4845-BE65-97FD5454C3DF}" type="slidenum">
               <a:t>&lt;#&gt;</a:t>
             </a:fld>
           </a:p>
@@ -24240,7 +24240,7 @@
         <p:txBody>
           <a:bodyPr/>
           <a:p>
-            <a:fld id="{1ED2042C-151E-437F-A636-D35F35A02B18}" type="slidenum">
+            <a:fld id="{0D745FEE-564A-4D6A-90E9-3E31CFADBAC6}" type="slidenum">
               <a:t>&lt;#&gt;</a:t>
             </a:fld>
           </a:p>
@@ -24428,7 +24428,7 @@
         <p:txBody>
           <a:bodyPr/>
           <a:p>
-            <a:fld id="{1831CCEE-63B8-4161-8C75-4D791080DBA6}" type="slidenum">
+            <a:fld id="{86E4C14A-19F2-415D-8D4F-1688D7863B17}" type="slidenum">
               <a:t>&lt;#&gt;</a:t>
             </a:fld>
           </a:p>
@@ -24702,7 +24702,7 @@
         <p:txBody>
           <a:bodyPr/>
           <a:p>
-            <a:fld id="{3211B5F0-4EBE-45C8-9D43-39728D046141}" type="slidenum">
+            <a:fld id="{07F67C05-3A32-4562-BA54-968C05E0B6A8}" type="slidenum">
               <a:t>&lt;#&gt;</a:t>
             </a:fld>
           </a:p>
@@ -25062,7 +25062,7 @@
         <p:txBody>
           <a:bodyPr/>
           <a:p>
-            <a:fld id="{FE640A2F-81EC-4014-B0B6-5011FD6A8EEC}" type="slidenum">
+            <a:fld id="{DDBF43CE-5CE0-422D-AB48-041E9BEF07C3}" type="slidenum">
               <a:t>&lt;#&gt;</a:t>
             </a:fld>
           </a:p>
@@ -25124,7 +25124,7 @@
         <p:txBody>
           <a:bodyPr/>
           <a:p>
-            <a:fld id="{B1AF39B9-6666-4793-A745-AE0EF29FD269}" type="slidenum">
+            <a:fld id="{CFE4AB3E-D02C-4C18-8B4D-131D86CB78CD}" type="slidenum">
               <a:t>&lt;#&gt;</a:t>
             </a:fld>
           </a:p>
@@ -25266,7 +25266,7 @@
         <p:txBody>
           <a:bodyPr/>
           <a:p>
-            <a:fld id="{EACBA090-D962-4D0A-85C9-45CE272345C9}" type="slidenum">
+            <a:fld id="{9B8E79A3-F1FC-449B-B712-A3F1217EBAE5}" type="slidenum">
               <a:t>&lt;#&gt;</a:t>
             </a:fld>
           </a:p>
@@ -25411,7 +25411,7 @@
         <p:txBody>
           <a:bodyPr/>
           <a:p>
-            <a:fld id="{5A44AE6F-DA3E-499D-B9BC-B04DD3E39ADD}" type="slidenum">
+            <a:fld id="{8BC04925-D14B-4928-9E1E-28DDA9461424}" type="slidenum">
               <a:t>&lt;#&gt;</a:t>
             </a:fld>
           </a:p>
@@ -25599,7 +25599,7 @@
         <p:txBody>
           <a:bodyPr/>
           <a:p>
-            <a:fld id="{942D792F-A60E-434D-884A-A7CDD150004B}" type="slidenum">
+            <a:fld id="{1D8F5679-C2AE-4E0F-A49C-0F0380813D59}" type="slidenum">
               <a:t>&lt;#&gt;</a:t>
             </a:fld>
           </a:p>
@@ -25701,7 +25701,7 @@
         <p:txBody>
           <a:bodyPr/>
           <a:p>
-            <a:fld id="{5C58450D-8679-43E1-BD77-35659BD532E8}" type="slidenum">
+            <a:fld id="{8C7C0778-9C67-4FF8-8A50-72D39BB8BFE5}" type="slidenum">
               <a:t>&lt;#&gt;</a:t>
             </a:fld>
           </a:p>
@@ -25932,7 +25932,7 @@
         <p:txBody>
           <a:bodyPr/>
           <a:p>
-            <a:fld id="{CBC9E63F-45A8-450D-9F02-936EEADCE2BA}" type="slidenum">
+            <a:fld id="{40AC0230-578D-4EF7-ABE6-93820959A6A8}" type="slidenum">
               <a:t>&lt;#&gt;</a:t>
             </a:fld>
           </a:p>
@@ -26032,7 +26032,7 @@
         <p:txBody>
           <a:bodyPr/>
           <a:p>
-            <a:fld id="{7516C75F-29E4-4C33-B7AD-F238BEB8F3EE}" type="slidenum">
+            <a:fld id="{F534E003-C793-4264-ACDE-80EEAED0A921}" type="slidenum">
               <a:t>&lt;#&gt;</a:t>
             </a:fld>
           </a:p>
@@ -26263,7 +26263,7 @@
         <p:txBody>
           <a:bodyPr/>
           <a:p>
-            <a:fld id="{7FD79886-02F6-4E6D-868E-68F2998E2E42}" type="slidenum">
+            <a:fld id="{50E89F17-73D8-408F-B610-E6D08C3AA76F}" type="slidenum">
               <a:t>&lt;#&gt;</a:t>
             </a:fld>
           </a:p>
@@ -26494,7 +26494,7 @@
         <p:txBody>
           <a:bodyPr/>
           <a:p>
-            <a:fld id="{8FAD3E78-5E7C-41B4-9F00-584224F8C7FE}" type="slidenum">
+            <a:fld id="{0115C761-1E80-4ADD-8A44-0150EC45388C}" type="slidenum">
               <a:t>&lt;#&gt;</a:t>
             </a:fld>
           </a:p>
@@ -26725,7 +26725,7 @@
         <p:txBody>
           <a:bodyPr/>
           <a:p>
-            <a:fld id="{336FCD0B-AD49-4587-BF0B-59950AE79200}" type="slidenum">
+            <a:fld id="{CED73795-86E2-42BA-8586-33A5C48AA800}" type="slidenum">
               <a:t>&lt;#&gt;</a:t>
             </a:fld>
           </a:p>
@@ -26913,7 +26913,7 @@
         <p:txBody>
           <a:bodyPr/>
           <a:p>
-            <a:fld id="{2717E724-6371-443E-ACCE-C04216093D9E}" type="slidenum">
+            <a:fld id="{3BB7CD6C-089F-44B2-9E3C-D6F0F901A566}" type="slidenum">
               <a:t>&lt;#&gt;</a:t>
             </a:fld>
           </a:p>
@@ -27187,7 +27187,7 @@
         <p:txBody>
           <a:bodyPr/>
           <a:p>
-            <a:fld id="{4B91209D-39C0-4006-B520-BC6A7E7919DB}" type="slidenum">
+            <a:fld id="{0AAE4694-2FC6-437E-A061-09E3E877C3A6}" type="slidenum">
               <a:t>&lt;#&gt;</a:t>
             </a:fld>
           </a:p>
@@ -27547,7 +27547,7 @@
         <p:txBody>
           <a:bodyPr/>
           <a:p>
-            <a:fld id="{16C809EE-1BA8-4140-8C97-550AF14A6F4F}" type="slidenum">
+            <a:fld id="{333BCA88-BE42-4CF9-8136-F7F247435FC7}" type="slidenum">
               <a:t>&lt;#&gt;</a:t>
             </a:fld>
           </a:p>
@@ -27609,7 +27609,7 @@
         <p:txBody>
           <a:bodyPr/>
           <a:p>
-            <a:fld id="{172DC3D0-CD28-40DD-8FC5-7139DF73BA1C}" type="slidenum">
+            <a:fld id="{EAD7D8B5-E7AE-49C6-BC7D-64FC94E969B8}" type="slidenum">
               <a:t>&lt;#&gt;</a:t>
             </a:fld>
           </a:p>
@@ -27751,7 +27751,7 @@
         <p:txBody>
           <a:bodyPr/>
           <a:p>
-            <a:fld id="{E82F1100-832B-4D60-A719-A6F7E30E0182}" type="slidenum">
+            <a:fld id="{14ABEF52-220D-4B46-9F59-2A67AF9A3AC0}" type="slidenum">
               <a:t>&lt;#&gt;</a:t>
             </a:fld>
           </a:p>
@@ -27896,7 +27896,7 @@
         <p:txBody>
           <a:bodyPr/>
           <a:p>
-            <a:fld id="{C1E4D413-7B34-416A-A021-F0E64B8B3653}" type="slidenum">
+            <a:fld id="{CF205B61-54C2-4527-A2A3-CB1C641F7799}" type="slidenum">
               <a:t>&lt;#&gt;</a:t>
             </a:fld>
           </a:p>
@@ -28129,7 +28129,7 @@
               </a:lnSpc>
               <a:buNone/>
             </a:pPr>
-            <a:fld id="{E06234A5-8C22-4EEE-B910-A8922FBED9BD}" type="slidenum">
+            <a:fld id="{DC8375E0-AAE8-4513-B189-09323589B508}" type="slidenum">
               <a:rPr b="0" lang="en-US" sz="1200" spc="-1" strike="noStrike">
                 <a:solidFill>
                   <a:srgbClr val="8b8b8b"/>
@@ -28798,7 +28798,7 @@
               </a:lnSpc>
               <a:buNone/>
             </a:pPr>
-            <a:fld id="{17438C10-EBD1-4596-AE16-4FB90FA18915}" type="slidenum">
+            <a:fld id="{787B5643-533F-4D56-A9FB-4DBB9744F7E1}" type="slidenum">
               <a:rPr b="0" lang="en-US" sz="1200" spc="-1" strike="noStrike">
                 <a:solidFill>
                   <a:srgbClr val="8b8b8b"/>
@@ -29144,7 +29144,7 @@
               </a:lnSpc>
               <a:buNone/>
             </a:pPr>
-            <a:fld id="{61765EFB-2B7D-45EC-BF57-8BFA5FCB89DD}" type="slidenum">
+            <a:fld id="{F4892970-C093-483E-A21F-2121BC1CA26D}" type="slidenum">
               <a:rPr b="0" lang="en-US" sz="1200" spc="-1" strike="noStrike">
                 <a:solidFill>
                   <a:srgbClr val="8b8b8b"/>
@@ -29767,7 +29767,7 @@
               </a:lnSpc>
               <a:buNone/>
             </a:pPr>
-            <a:fld id="{4C718FC8-1583-4EE9-BB7C-C5495F4266C2}" type="slidenum">
+            <a:fld id="{BF492546-35E1-43EA-A4D7-B07D5F0275F6}" type="slidenum">
               <a:rPr b="0" lang="en-US" sz="1200" spc="-1" strike="noStrike">
                 <a:solidFill>
                   <a:srgbClr val="8b8b8b"/>
@@ -30506,7 +30506,7 @@
               </a:lnSpc>
               <a:buNone/>
             </a:pPr>
-            <a:fld id="{FBFBCC5F-A558-40BF-B714-06B2D6AA5C1D}" type="slidenum">
+            <a:fld id="{A9863B8F-0F17-4791-BFC9-8AC857E1116E}" type="slidenum">
               <a:rPr b="0" lang="en-US" sz="1200" spc="-1" strike="noStrike">
                 <a:solidFill>
                   <a:srgbClr val="8b8b8b"/>
@@ -30766,7 +30766,7 @@
               </a:lnSpc>
               <a:buNone/>
             </a:pPr>
-            <a:fld id="{32B86C3A-6583-4AB1-BD2B-3B3126430033}" type="slidenum">
+            <a:fld id="{26286D31-CE02-4033-8312-49EEA1A22D62}" type="slidenum">
               <a:rPr b="0" lang="en-US" sz="1200" spc="-1" strike="noStrike">
                 <a:solidFill>
                   <a:srgbClr val="8b8b8b"/>
@@ -31190,7 +31190,7 @@
               </a:lnSpc>
               <a:buNone/>
             </a:pPr>
-            <a:fld id="{FB371A92-7726-4F14-BFED-826DD6E5012B}" type="slidenum">
+            <a:fld id="{A475C94F-7AA9-49F3-BC36-EFB03D20FB86}" type="slidenum">
               <a:rPr b="0" lang="en-US" sz="1200" spc="-1" strike="noStrike">
                 <a:solidFill>
                   <a:srgbClr val="8b8b8b"/>
@@ -31966,7 +31966,7 @@
               </a:lnSpc>
               <a:buNone/>
             </a:pPr>
-            <a:fld id="{1207C031-2C3B-4B02-A54F-C07533E2C03D}" type="slidenum">
+            <a:fld id="{0D7E0611-88CB-4310-A2A7-EF466B7E0713}" type="slidenum">
               <a:rPr b="0" lang="en-US" sz="1200" spc="-1" strike="noStrike">
                 <a:solidFill>
                   <a:srgbClr val="8b8b8b"/>
@@ -32509,7 +32509,7 @@
               </a:lnSpc>
               <a:buNone/>
             </a:pPr>
-            <a:fld id="{31CAA4F6-5002-4A0A-B5B1-B03279F4C4DD}" type="slidenum">
+            <a:fld id="{FB000783-E859-4735-9B3A-28151C5B40C7}" type="slidenum">
               <a:rPr b="0" lang="en-US" sz="1200" spc="-1" strike="noStrike">
                 <a:solidFill>
                   <a:srgbClr val="8b8b8b"/>
@@ -33186,7 +33186,7 @@
         <p:txBody>
           <a:bodyPr/>
           <a:p>
-            <a:fld id="{95265082-92AD-4F98-BFDD-1158AA1020B5}" type="slidenum">
+            <a:fld id="{F0E50F86-34B0-411B-8D93-5E56F33F6187}" type="slidenum">
               <a:t>10</a:t>
             </a:fld>
           </a:p>
@@ -33621,7 +33621,7 @@
         <p:txBody>
           <a:bodyPr/>
           <a:p>
-            <a:fld id="{198E3A1B-AF3C-49F9-A706-7824099AD3BA}" type="slidenum">
+            <a:fld id="{BA91C6D6-9A9F-49B1-8061-0A2BC596126E}" type="slidenum">
               <a:t>11</a:t>
             </a:fld>
           </a:p>
@@ -33739,8 +33739,8 @@
         </p:nvSpPr>
         <p:spPr>
           <a:xfrm>
-            <a:off x="10869840" y="3539880"/>
-            <a:ext cx="1131840" cy="346320"/>
+            <a:off x="10744200" y="3429000"/>
+            <a:ext cx="1257480" cy="346320"/>
           </a:xfrm>
           <a:prstGeom prst="rect">
             <a:avLst/>
@@ -33782,7 +33782,7 @@
         <p:spPr>
           <a:xfrm>
             <a:off x="228600" y="3997080"/>
-            <a:ext cx="1017360" cy="346320"/>
+            <a:ext cx="1143000" cy="346320"/>
           </a:xfrm>
           <a:prstGeom prst="rect">
             <a:avLst/>
@@ -33933,7 +33933,7 @@
         <p:txBody>
           <a:bodyPr/>
           <a:p>
-            <a:fld id="{25F2D8BD-D3AD-483B-B8ED-4F49D39D0C8D}" type="slidenum">
+            <a:fld id="{8FEC2C36-8A2A-4B7C-B45A-42632BC17D23}" type="slidenum">
               <a:t>12</a:t>
             </a:fld>
           </a:p>
@@ -34129,7 +34129,7 @@
         <p:txBody>
           <a:bodyPr/>
           <a:p>
-            <a:fld id="{6113C67F-ED10-4CD6-A7F3-426B7449A3BE}" type="slidenum">
+            <a:fld id="{AAC8AC35-49F9-4116-B0C7-F7B79C2CDCF9}" type="slidenum">
               <a:t>13</a:t>
             </a:fld>
           </a:p>
@@ -34191,7 +34191,7 @@
         <p:txBody>
           <a:bodyPr/>
           <a:p>
-            <a:fld id="{C744068F-1618-45B1-957D-7E2980E492F5}" type="slidenum">
+            <a:fld id="{7208714C-7EB8-4303-97CC-D08392FF0CE3}" type="slidenum">
               <a:t>14</a:t>
             </a:fld>
           </a:p>
@@ -34620,7 +34620,7 @@
         <p:txBody>
           <a:bodyPr/>
           <a:p>
-            <a:fld id="{32AFBD53-80BB-4227-A6A7-56A80323D6F1}" type="slidenum">
+            <a:fld id="{E90B0A1E-287A-40F1-B49A-BFF70FF12BEB}" type="slidenum">
               <a:t>15</a:t>
             </a:fld>
           </a:p>
@@ -34787,7 +34787,7 @@
         <p:txBody>
           <a:bodyPr/>
           <a:p>
-            <a:fld id="{2F59242E-A449-4734-B04D-E7413BBB8FF8}" type="slidenum">
+            <a:fld id="{90FB73BE-C6C7-4226-99D2-DC5CC79730B8}" type="slidenum">
               <a:t>16</a:t>
             </a:fld>
           </a:p>
@@ -35108,7 +35108,7 @@
         <p:txBody>
           <a:bodyPr/>
           <a:p>
-            <a:fld id="{D1BB9DC2-CE8E-43DE-9857-B03CF5C685F3}" type="slidenum">
+            <a:fld id="{8FDC8B62-B9FB-430E-8DAC-9E3979C0A5E2}" type="slidenum">
               <a:t>17</a:t>
             </a:fld>
           </a:p>
@@ -35493,7 +35493,7 @@
         <p:txBody>
           <a:bodyPr/>
           <a:p>
-            <a:fld id="{4D3710E9-97D8-424B-97F6-770402BB9961}" type="slidenum">
+            <a:fld id="{15A76EBD-A1E6-4A82-91AE-0E3D88689C3A}" type="slidenum">
               <a:t>18</a:t>
             </a:fld>
           </a:p>
@@ -35660,7 +35660,7 @@
         <p:txBody>
           <a:bodyPr/>
           <a:p>
-            <a:fld id="{ED3F0D3D-D53B-407A-9207-36796D03F070}" type="slidenum">
+            <a:fld id="{A59C5A47-FD87-4FE0-BB97-939C27CD16E7}" type="slidenum">
               <a:t>19</a:t>
             </a:fld>
           </a:p>
@@ -35973,7 +35973,7 @@
         <p:txBody>
           <a:bodyPr/>
           <a:p>
-            <a:fld id="{EB54828A-9609-4DE0-ABB1-BB9D6AEBA69F}" type="slidenum">
+            <a:fld id="{7B9F25FD-342C-403D-9412-079267421E43}" type="slidenum">
               <a:t>2</a:t>
             </a:fld>
           </a:p>
@@ -36140,7 +36140,7 @@
         <p:txBody>
           <a:bodyPr/>
           <a:p>
-            <a:fld id="{E01216E5-43A5-46C0-9DDD-D832780446EC}" type="slidenum">
+            <a:fld id="{70643EE1-6489-4796-B907-33B45BE65119}" type="slidenum">
               <a:t>20</a:t>
             </a:fld>
           </a:p>
@@ -36520,7 +36520,7 @@
         <p:txBody>
           <a:bodyPr/>
           <a:p>
-            <a:fld id="{EA9AA618-0BA5-432E-B41A-D9784551A4DD}" type="slidenum">
+            <a:fld id="{A7CB4C95-F030-40A5-B497-891DC1D3888A}" type="slidenum">
               <a:t>21</a:t>
             </a:fld>
           </a:p>
@@ -36582,7 +36582,7 @@
         <p:txBody>
           <a:bodyPr/>
           <a:p>
-            <a:fld id="{D4654EB9-93F9-4C8E-B601-4BEF8BD8AD42}" type="slidenum">
+            <a:fld id="{7AC6AB1C-629A-41F1-9A90-B52B923775A2}" type="slidenum">
               <a:t>22</a:t>
             </a:fld>
           </a:p>
@@ -36954,7 +36954,7 @@
         <p:txBody>
           <a:bodyPr/>
           <a:p>
-            <a:fld id="{070E85C1-ABBA-4CF6-AE3A-D27B558A2286}" type="slidenum">
+            <a:fld id="{CA8937C0-A81B-4941-AA53-601578A1E6FC}" type="slidenum">
               <a:t>23</a:t>
             </a:fld>
           </a:p>
@@ -37150,6 +37150,61 @@
       </p:sp>
       <p:sp>
         <p:nvSpPr>
+          <p:cNvPr id="454" name=""/>
+          <p:cNvSpPr txBox="1"/>
+          <p:nvPr/>
+        </p:nvSpPr>
+        <p:spPr>
+          <a:xfrm>
+            <a:off x="10744200" y="3200400"/>
+            <a:ext cx="1257480" cy="685800"/>
+          </a:xfrm>
+          <a:prstGeom prst="rect">
+            <a:avLst/>
+          </a:prstGeom>
+          <a:noFill/>
+          <a:ln w="0">
+            <a:noFill/>
+          </a:ln>
+        </p:spPr>
+        <p:txBody>
+          <a:bodyPr lIns="90000" rIns="90000" tIns="45000" bIns="45000" anchor="t">
+            <a:noAutofit/>
+          </a:bodyPr>
+          <a:p>
+            <a:pPr algn="ctr"/>
+            <a:r>
+              <a:rPr b="0" lang="en-US" sz="1800" spc="-1" strike="noStrike">
+                <a:solidFill>
+                  <a:srgbClr val="000000"/>
+                </a:solidFill>
+                <a:latin typeface="Arial"/>
+              </a:rPr>
+              <a:t>No</a:t>
+            </a:r>
+            <a:br>
+              <a:rPr sz="1800"/>
+            </a:br>
+            <a:r>
+              <a:rPr b="0" lang="en-US" sz="1800" spc="-1" strike="noStrike">
+                <a:solidFill>
+                  <a:srgbClr val="000000"/>
+                </a:solidFill>
+                <a:latin typeface="Arial"/>
+              </a:rPr>
+              <a:t>exit node</a:t>
+            </a:r>
+            <a:endParaRPr b="0" lang="en-US" sz="1800" spc="-1" strike="noStrike">
+              <a:solidFill>
+                <a:srgbClr val="000000"/>
+              </a:solidFill>
+              <a:latin typeface="Arial"/>
+            </a:endParaRPr>
+          </a:p>
+        </p:txBody>
+      </p:sp>
+      <p:sp>
+        <p:nvSpPr>
           <p:cNvPr id="3" name="PlaceHolder 2"/>
           <p:cNvSpPr>
             <a:spLocks noGrp="1"/>
@@ -37182,7 +37237,7 @@
         <p:txBody>
           <a:bodyPr/>
           <a:p>
-            <a:fld id="{AF249970-4EEC-4CD7-A207-34C9BFB51602}" type="slidenum">
+            <a:fld id="{E42FBC39-DAAB-4C56-BF4D-92B30DD86102}" type="slidenum">
               <a:t>24</a:t>
             </a:fld>
           </a:p>
@@ -37212,7 +37267,7 @@
       </p:grpSpPr>
       <p:sp>
         <p:nvSpPr>
-          <p:cNvPr id="454" name="PlaceHolder 1"/>
+          <p:cNvPr id="455" name="PlaceHolder 1"/>
           <p:cNvSpPr>
             <a:spLocks noGrp="1"/>
           </p:cNvSpPr>
@@ -37271,7 +37326,7 @@
       </p:sp>
       <p:sp>
         <p:nvSpPr>
-          <p:cNvPr id="455" name="PlaceHolder 2"/>
+          <p:cNvPr id="456" name="PlaceHolder 2"/>
           <p:cNvSpPr>
             <a:spLocks noGrp="1"/>
           </p:cNvSpPr>
@@ -37472,7 +37527,7 @@
       </p:sp>
       <p:pic>
         <p:nvPicPr>
-          <p:cNvPr id="456" name="" descr=""/>
+          <p:cNvPr id="457" name="" descr=""/>
           <p:cNvPicPr/>
           <p:nvPr/>
         </p:nvPicPr>
@@ -37527,7 +37582,7 @@
         <p:txBody>
           <a:bodyPr/>
           <a:p>
-            <a:fld id="{642EE71F-E5B3-4115-A0B9-84B5AA961135}" type="slidenum">
+            <a:fld id="{03CDB0ED-2ECA-4D3E-8EB8-FE125C8D2D4A}" type="slidenum">
               <a:t>25</a:t>
             </a:fld>
           </a:p>
@@ -37557,7 +37612,7 @@
       </p:grpSpPr>
       <p:sp>
         <p:nvSpPr>
-          <p:cNvPr id="457" name="PlaceHolder 1"/>
+          <p:cNvPr id="458" name="PlaceHolder 1"/>
           <p:cNvSpPr>
             <a:spLocks noGrp="1"/>
           </p:cNvSpPr>
@@ -37616,7 +37671,7 @@
       </p:sp>
       <p:sp>
         <p:nvSpPr>
-          <p:cNvPr id="458" name="PlaceHolder 2"/>
+          <p:cNvPr id="459" name="PlaceHolder 2"/>
           <p:cNvSpPr>
             <a:spLocks noGrp="1"/>
           </p:cNvSpPr>
@@ -37803,7 +37858,7 @@
       </p:sp>
       <p:pic>
         <p:nvPicPr>
-          <p:cNvPr id="459" name="" descr=""/>
+          <p:cNvPr id="460" name="" descr=""/>
           <p:cNvPicPr/>
           <p:nvPr/>
         </p:nvPicPr>
@@ -37858,7 +37913,7 @@
         <p:txBody>
           <a:bodyPr/>
           <a:p>
-            <a:fld id="{B5DCF4B2-9D21-4C01-A742-36107AE393F5}" type="slidenum">
+            <a:fld id="{C78CA08F-B079-42FE-831A-824BC2FB8825}" type="slidenum">
               <a:t>26</a:t>
             </a:fld>
           </a:p>
@@ -37920,7 +37975,7 @@
         <p:txBody>
           <a:bodyPr/>
           <a:p>
-            <a:fld id="{9BC666A8-CB1F-475A-BC87-07CFEE353B7B}" type="slidenum">
+            <a:fld id="{036B39B6-0938-452A-9C9C-2144BBF9ED5A}" type="slidenum">
               <a:t>27</a:t>
             </a:fld>
           </a:p>
@@ -37950,7 +38005,7 @@
       </p:grpSpPr>
       <p:sp>
         <p:nvSpPr>
-          <p:cNvPr id="460" name="PlaceHolder 1"/>
+          <p:cNvPr id="461" name="PlaceHolder 1"/>
           <p:cNvSpPr>
             <a:spLocks noGrp="1"/>
           </p:cNvSpPr>
@@ -38169,7 +38224,7 @@
       </p:sp>
       <p:sp>
         <p:nvSpPr>
-          <p:cNvPr id="461" name="PlaceHolder 2"/>
+          <p:cNvPr id="462" name="PlaceHolder 2"/>
           <p:cNvSpPr>
             <a:spLocks noGrp="1"/>
           </p:cNvSpPr>
@@ -38260,7 +38315,7 @@
         <p:txBody>
           <a:bodyPr/>
           <a:p>
-            <a:fld id="{8C067F88-673C-43F7-B9A8-F76F5A40C022}" type="slidenum">
+            <a:fld id="{6188C089-7C5B-402F-9384-62631D0307F9}" type="slidenum">
               <a:t>28</a:t>
             </a:fld>
           </a:p>
@@ -38290,7 +38345,7 @@
       </p:grpSpPr>
       <p:pic>
         <p:nvPicPr>
-          <p:cNvPr id="462" name="" descr=""/>
+          <p:cNvPr id="463" name="" descr=""/>
           <p:cNvPicPr/>
           <p:nvPr/>
         </p:nvPicPr>
@@ -38313,7 +38368,7 @@
       </p:pic>
       <p:sp>
         <p:nvSpPr>
-          <p:cNvPr id="463" name="PlaceHolder 1"/>
+          <p:cNvPr id="464" name="PlaceHolder 1"/>
           <p:cNvSpPr>
             <a:spLocks noGrp="1"/>
           </p:cNvSpPr>
@@ -38372,7 +38427,7 @@
       </p:sp>
       <p:sp>
         <p:nvSpPr>
-          <p:cNvPr id="464" name=""/>
+          <p:cNvPr id="465" name=""/>
           <p:cNvSpPr/>
           <p:nvPr/>
         </p:nvSpPr>
@@ -38415,7 +38470,7 @@
       </p:sp>
       <p:sp>
         <p:nvSpPr>
-          <p:cNvPr id="465" name=""/>
+          <p:cNvPr id="466" name=""/>
           <p:cNvSpPr/>
           <p:nvPr/>
         </p:nvSpPr>
@@ -38458,7 +38513,7 @@
       </p:sp>
       <p:sp>
         <p:nvSpPr>
-          <p:cNvPr id="466" name=""/>
+          <p:cNvPr id="467" name=""/>
           <p:cNvSpPr/>
           <p:nvPr/>
         </p:nvSpPr>
@@ -38501,7 +38556,7 @@
       </p:sp>
       <p:sp>
         <p:nvSpPr>
-          <p:cNvPr id="467" name=""/>
+          <p:cNvPr id="468" name=""/>
           <p:cNvSpPr/>
           <p:nvPr/>
         </p:nvSpPr>
@@ -38544,56 +38599,13 @@
       </p:sp>
       <p:sp>
         <p:nvSpPr>
-          <p:cNvPr id="468" name=""/>
-          <p:cNvSpPr txBox="1"/>
-          <p:nvPr/>
-        </p:nvSpPr>
-        <p:spPr>
-          <a:xfrm>
-            <a:off x="3390120" y="3082680"/>
-            <a:ext cx="1410480" cy="574920"/>
-          </a:xfrm>
-          <a:prstGeom prst="rect">
-            <a:avLst/>
-          </a:prstGeom>
-          <a:noFill/>
-          <a:ln w="0">
-            <a:noFill/>
-          </a:ln>
-        </p:spPr>
-        <p:txBody>
-          <a:bodyPr lIns="90000" rIns="90000" tIns="45000" bIns="45000" anchor="ctr">
-            <a:noAutofit/>
-          </a:bodyPr>
-          <a:p>
-            <a:pPr algn="ctr"/>
-            <a:r>
-              <a:rPr b="1" lang="en-US" sz="2400" spc="-1" strike="noStrike">
-                <a:solidFill>
-                  <a:srgbClr val="000000"/>
-                </a:solidFill>
-                <a:latin typeface="Arial"/>
-              </a:rPr>
-              <a:t>Linux</a:t>
-            </a:r>
-            <a:endParaRPr b="0" lang="en-US" sz="2400" spc="-1" strike="noStrike">
-              <a:solidFill>
-                <a:srgbClr val="000000"/>
-              </a:solidFill>
-              <a:latin typeface="Arial"/>
-            </a:endParaRPr>
-          </a:p>
-        </p:txBody>
-      </p:sp>
-      <p:sp>
-        <p:nvSpPr>
           <p:cNvPr id="469" name=""/>
           <p:cNvSpPr txBox="1"/>
           <p:nvPr/>
         </p:nvSpPr>
         <p:spPr>
           <a:xfrm>
-            <a:off x="8686800" y="3082680"/>
+            <a:off x="3390120" y="3082680"/>
             <a:ext cx="1410480" cy="574920"/>
           </a:xfrm>
           <a:prstGeom prst="rect">
@@ -38617,7 +38629,7 @@
                 </a:solidFill>
                 <a:latin typeface="Arial"/>
               </a:rPr>
-              <a:t>z/VSE</a:t>
+              <a:t>Linux</a:t>
             </a:r>
             <a:endParaRPr b="0" lang="en-US" sz="2400" spc="-1" strike="noStrike">
               <a:solidFill>
@@ -38636,7 +38648,7 @@
         </p:nvSpPr>
         <p:spPr>
           <a:xfrm>
-            <a:off x="8605800" y="4682880"/>
+            <a:off x="8686800" y="3082680"/>
             <a:ext cx="1410480" cy="574920"/>
           </a:xfrm>
           <a:prstGeom prst="rect">
@@ -38660,7 +38672,7 @@
                 </a:solidFill>
                 <a:latin typeface="Arial"/>
               </a:rPr>
-              <a:t>z/OS</a:t>
+              <a:t>z/VSE</a:t>
             </a:r>
             <a:endParaRPr b="0" lang="en-US" sz="2400" spc="-1" strike="noStrike">
               <a:solidFill>
@@ -38679,6 +38691,49 @@
         </p:nvSpPr>
         <p:spPr>
           <a:xfrm>
+            <a:off x="8605800" y="4682880"/>
+            <a:ext cx="1410480" cy="574920"/>
+          </a:xfrm>
+          <a:prstGeom prst="rect">
+            <a:avLst/>
+          </a:prstGeom>
+          <a:noFill/>
+          <a:ln w="0">
+            <a:noFill/>
+          </a:ln>
+        </p:spPr>
+        <p:txBody>
+          <a:bodyPr lIns="90000" rIns="90000" tIns="45000" bIns="45000" anchor="ctr">
+            <a:noAutofit/>
+          </a:bodyPr>
+          <a:p>
+            <a:pPr algn="ctr"/>
+            <a:r>
+              <a:rPr b="1" lang="en-US" sz="2400" spc="-1" strike="noStrike">
+                <a:solidFill>
+                  <a:srgbClr val="000000"/>
+                </a:solidFill>
+                <a:latin typeface="Arial"/>
+              </a:rPr>
+              <a:t>z/OS</a:t>
+            </a:r>
+            <a:endParaRPr b="0" lang="en-US" sz="2400" spc="-1" strike="noStrike">
+              <a:solidFill>
+                <a:srgbClr val="000000"/>
+              </a:solidFill>
+              <a:latin typeface="Arial"/>
+            </a:endParaRPr>
+          </a:p>
+        </p:txBody>
+      </p:sp>
+      <p:sp>
+        <p:nvSpPr>
+          <p:cNvPr id="472" name=""/>
+          <p:cNvSpPr txBox="1"/>
+          <p:nvPr/>
+        </p:nvSpPr>
+        <p:spPr>
+          <a:xfrm>
             <a:off x="8686800" y="1482840"/>
             <a:ext cx="1410480" cy="574920"/>
           </a:xfrm>
@@ -38716,7 +38771,7 @@
       </p:sp>
       <p:sp>
         <p:nvSpPr>
-          <p:cNvPr id="472" name=""/>
+          <p:cNvPr id="473" name=""/>
           <p:cNvSpPr/>
           <p:nvPr/>
         </p:nvSpPr>
@@ -38758,56 +38813,14 @@
       </p:sp>
       <p:sp>
         <p:nvSpPr>
-          <p:cNvPr id="473" name=""/>
-          <p:cNvSpPr txBox="1"/>
-          <p:nvPr/>
-        </p:nvSpPr>
-        <p:spPr>
-          <a:xfrm>
-            <a:off x="5943600" y="2057400"/>
-            <a:ext cx="891000" cy="346320"/>
-          </a:xfrm>
-          <a:prstGeom prst="rect">
-            <a:avLst/>
-          </a:prstGeom>
-          <a:noFill/>
-          <a:ln w="0">
-            <a:noFill/>
-          </a:ln>
-        </p:spPr>
-        <p:txBody>
-          <a:bodyPr lIns="90000" rIns="90000" tIns="45000" bIns="45000" anchor="t">
-            <a:noAutofit/>
-          </a:bodyPr>
-          <a:p>
-            <a:r>
-              <a:rPr b="0" lang="en-US" sz="1800" spc="-1" strike="noStrike">
-                <a:solidFill>
-                  <a:srgbClr val="000000"/>
-                </a:solidFill>
-                <a:latin typeface="Arial"/>
-              </a:rPr>
-              <a:t>port 23</a:t>
-            </a:r>
-            <a:endParaRPr b="0" lang="en-US" sz="1800" spc="-1" strike="noStrike">
-              <a:solidFill>
-                <a:srgbClr val="000000"/>
-              </a:solidFill>
-              <a:latin typeface="Arial"/>
-            </a:endParaRPr>
-          </a:p>
-        </p:txBody>
-      </p:sp>
-      <p:sp>
-        <p:nvSpPr>
           <p:cNvPr id="474" name=""/>
           <p:cNvSpPr txBox="1"/>
           <p:nvPr/>
         </p:nvSpPr>
         <p:spPr>
           <a:xfrm>
-            <a:off x="6858000" y="2286000"/>
-            <a:ext cx="891000" cy="346320"/>
+            <a:off x="5943600" y="2057400"/>
+            <a:ext cx="1143000" cy="346320"/>
           </a:xfrm>
           <a:prstGeom prst="rect">
             <a:avLst/>
@@ -38829,7 +38842,7 @@
                 </a:solidFill>
                 <a:latin typeface="Arial"/>
               </a:rPr>
-              <a:t>port 80</a:t>
+              <a:t>port 23</a:t>
             </a:r>
             <a:endParaRPr b="0" lang="en-US" sz="1800" spc="-1" strike="noStrike">
               <a:solidFill>
@@ -38848,8 +38861,8 @@
         </p:nvSpPr>
         <p:spPr>
           <a:xfrm>
-            <a:off x="3452760" y="2168280"/>
-            <a:ext cx="891000" cy="346320"/>
+            <a:off x="6858000" y="2286000"/>
+            <a:ext cx="1143000" cy="346320"/>
           </a:xfrm>
           <a:prstGeom prst="rect">
             <a:avLst/>
@@ -38871,7 +38884,7 @@
                 </a:solidFill>
                 <a:latin typeface="Arial"/>
               </a:rPr>
-              <a:t>port 22</a:t>
+              <a:t>port 80</a:t>
             </a:r>
             <a:endParaRPr b="0" lang="en-US" sz="1800" spc="-1" strike="noStrike">
               <a:solidFill>
@@ -38890,6 +38903,48 @@
         </p:nvSpPr>
         <p:spPr>
           <a:xfrm>
+            <a:off x="3452760" y="2168280"/>
+            <a:ext cx="1119240" cy="346320"/>
+          </a:xfrm>
+          <a:prstGeom prst="rect">
+            <a:avLst/>
+          </a:prstGeom>
+          <a:noFill/>
+          <a:ln w="0">
+            <a:noFill/>
+          </a:ln>
+        </p:spPr>
+        <p:txBody>
+          <a:bodyPr lIns="90000" rIns="90000" tIns="45000" bIns="45000" anchor="t">
+            <a:noAutofit/>
+          </a:bodyPr>
+          <a:p>
+            <a:r>
+              <a:rPr b="0" lang="en-US" sz="1800" spc="-1" strike="noStrike">
+                <a:solidFill>
+                  <a:srgbClr val="000000"/>
+                </a:solidFill>
+                <a:latin typeface="Arial"/>
+              </a:rPr>
+              <a:t>port 22</a:t>
+            </a:r>
+            <a:endParaRPr b="0" lang="en-US" sz="1800" spc="-1" strike="noStrike">
+              <a:solidFill>
+                <a:srgbClr val="000000"/>
+              </a:solidFill>
+              <a:latin typeface="Arial"/>
+            </a:endParaRPr>
+          </a:p>
+        </p:txBody>
+      </p:sp>
+      <p:sp>
+        <p:nvSpPr>
+          <p:cNvPr id="477" name=""/>
+          <p:cNvSpPr txBox="1"/>
+          <p:nvPr/>
+        </p:nvSpPr>
+        <p:spPr>
+          <a:xfrm>
             <a:off x="685800" y="4343400"/>
             <a:ext cx="4572000" cy="1828800"/>
           </a:xfrm>
@@ -38946,7 +39001,7 @@
       </p:sp>
       <p:sp>
         <p:nvSpPr>
-          <p:cNvPr id="477" name=""/>
+          <p:cNvPr id="478" name=""/>
           <p:cNvSpPr/>
           <p:nvPr/>
         </p:nvSpPr>
@@ -39020,7 +39075,7 @@
         <p:txBody>
           <a:bodyPr/>
           <a:p>
-            <a:fld id="{36F0F70E-F15F-43D3-82CD-40E9B02B02F6}" type="slidenum">
+            <a:fld id="{A8BB4E82-6F2D-41A0-BD5F-B2467CA9C5A5}" type="slidenum">
               <a:t>29</a:t>
             </a:fld>
           </a:p>
@@ -39135,13 +39190,14 @@
             <a:noAutofit/>
           </a:bodyPr>
           <a:p>
-            <a:pPr marL="432000" indent="0">
+            <a:pPr indent="0">
               <a:lnSpc>
                 <a:spcPct val="90000"/>
               </a:lnSpc>
               <a:spcBef>
                 <a:spcPts val="1417"/>
               </a:spcBef>
+              <a:buNone/>
             </a:pPr>
             <a:r>
               <a:rPr b="0" lang="en-US" sz="3200" spc="-1" strike="noStrike">
@@ -39184,13 +39240,14 @@
             </a:endParaRPr>
           </a:p>
           <a:p>
-            <a:pPr marL="432000" indent="0">
+            <a:pPr indent="0">
               <a:lnSpc>
                 <a:spcPct val="90000"/>
               </a:lnSpc>
               <a:spcBef>
                 <a:spcPts val="1417"/>
               </a:spcBef>
+              <a:buNone/>
             </a:pPr>
             <a:r>
               <a:rPr b="0" lang="en-US" sz="3200" spc="-1" strike="noStrike">
@@ -39257,7 +39314,7 @@
             </a:endParaRPr>
           </a:p>
           <a:p>
-            <a:pPr marL="432000" indent="0">
+            <a:pPr indent="0">
               <a:lnSpc>
                 <a:spcPct val="90000"/>
               </a:lnSpc>
@@ -39266,15 +39323,6 @@
               </a:spcBef>
               <a:buNone/>
             </a:pPr>
-            <a:r>
-              <a:rPr b="0" lang="en-US" sz="3200" spc="-1" strike="noStrike">
-                <a:solidFill>
-                  <a:srgbClr val="000000"/>
-                </a:solidFill>
-                <a:latin typeface="Calibri"/>
-              </a:rPr>
-              <a:t> </a:t>
-            </a:r>
             <a:endParaRPr b="0" lang="en-US" sz="3200" spc="-1" strike="noStrike">
               <a:solidFill>
                 <a:srgbClr val="000000"/>
@@ -39341,7 +39389,7 @@
         <p:txBody>
           <a:bodyPr/>
           <a:p>
-            <a:fld id="{D3FC3594-0B4C-4971-ADA5-6B6EC2372446}" type="slidenum">
+            <a:fld id="{F9C72468-5EEF-480B-A407-79FA957DEEA2}" type="slidenum">
               <a:t>3</a:t>
             </a:fld>
           </a:p>
@@ -39371,7 +39419,7 @@
       </p:grpSpPr>
       <p:pic>
         <p:nvPicPr>
-          <p:cNvPr id="478" name="" descr=""/>
+          <p:cNvPr id="479" name="" descr=""/>
           <p:cNvPicPr/>
           <p:nvPr/>
         </p:nvPicPr>
@@ -39394,7 +39442,7 @@
       </p:pic>
       <p:sp>
         <p:nvSpPr>
-          <p:cNvPr id="479" name="PlaceHolder 1"/>
+          <p:cNvPr id="480" name="PlaceHolder 1"/>
           <p:cNvSpPr>
             <a:spLocks noGrp="1"/>
           </p:cNvSpPr>
@@ -39453,7 +39501,7 @@
       </p:sp>
       <p:sp>
         <p:nvSpPr>
-          <p:cNvPr id="480" name=""/>
+          <p:cNvPr id="481" name=""/>
           <p:cNvSpPr/>
           <p:nvPr/>
         </p:nvSpPr>
@@ -39496,7 +39544,7 @@
       </p:sp>
       <p:sp>
         <p:nvSpPr>
-          <p:cNvPr id="481" name=""/>
+          <p:cNvPr id="482" name=""/>
           <p:cNvSpPr/>
           <p:nvPr/>
         </p:nvSpPr>
@@ -39539,7 +39587,7 @@
       </p:sp>
       <p:sp>
         <p:nvSpPr>
-          <p:cNvPr id="482" name=""/>
+          <p:cNvPr id="483" name=""/>
           <p:cNvSpPr/>
           <p:nvPr/>
         </p:nvSpPr>
@@ -39582,7 +39630,7 @@
       </p:sp>
       <p:sp>
         <p:nvSpPr>
-          <p:cNvPr id="483" name=""/>
+          <p:cNvPr id="484" name=""/>
           <p:cNvSpPr/>
           <p:nvPr/>
         </p:nvSpPr>
@@ -39625,7 +39673,7 @@
       </p:sp>
       <p:sp>
         <p:nvSpPr>
-          <p:cNvPr id="484" name=""/>
+          <p:cNvPr id="485" name=""/>
           <p:cNvSpPr/>
           <p:nvPr/>
         </p:nvSpPr>
@@ -39667,7 +39715,7 @@
       </p:sp>
       <p:sp>
         <p:nvSpPr>
-          <p:cNvPr id="485" name=""/>
+          <p:cNvPr id="486" name=""/>
           <p:cNvSpPr/>
           <p:nvPr/>
         </p:nvSpPr>
@@ -39709,56 +39757,13 @@
       </p:sp>
       <p:sp>
         <p:nvSpPr>
-          <p:cNvPr id="486" name=""/>
-          <p:cNvSpPr txBox="1"/>
-          <p:nvPr/>
-        </p:nvSpPr>
-        <p:spPr>
-          <a:xfrm>
-            <a:off x="3390120" y="3082680"/>
-            <a:ext cx="1410480" cy="574920"/>
-          </a:xfrm>
-          <a:prstGeom prst="rect">
-            <a:avLst/>
-          </a:prstGeom>
-          <a:noFill/>
-          <a:ln w="0">
-            <a:noFill/>
-          </a:ln>
-        </p:spPr>
-        <p:txBody>
-          <a:bodyPr lIns="90000" rIns="90000" tIns="45000" bIns="45000" anchor="ctr">
-            <a:noAutofit/>
-          </a:bodyPr>
-          <a:p>
-            <a:pPr algn="ctr"/>
-            <a:r>
-              <a:rPr b="1" lang="en-US" sz="2400" spc="-1" strike="noStrike">
-                <a:solidFill>
-                  <a:srgbClr val="000000"/>
-                </a:solidFill>
-                <a:latin typeface="Arial"/>
-              </a:rPr>
-              <a:t>Linux</a:t>
-            </a:r>
-            <a:endParaRPr b="0" lang="en-US" sz="2400" spc="-1" strike="noStrike">
-              <a:solidFill>
-                <a:srgbClr val="000000"/>
-              </a:solidFill>
-              <a:latin typeface="Arial"/>
-            </a:endParaRPr>
-          </a:p>
-        </p:txBody>
-      </p:sp>
-      <p:sp>
-        <p:nvSpPr>
           <p:cNvPr id="487" name=""/>
           <p:cNvSpPr txBox="1"/>
           <p:nvPr/>
         </p:nvSpPr>
         <p:spPr>
           <a:xfrm>
-            <a:off x="8686800" y="3082680"/>
+            <a:off x="3390120" y="3082680"/>
             <a:ext cx="1410480" cy="574920"/>
           </a:xfrm>
           <a:prstGeom prst="rect">
@@ -39782,7 +39787,7 @@
                 </a:solidFill>
                 <a:latin typeface="Arial"/>
               </a:rPr>
-              <a:t>z/VSE</a:t>
+              <a:t>Linux</a:t>
             </a:r>
             <a:endParaRPr b="0" lang="en-US" sz="2400" spc="-1" strike="noStrike">
               <a:solidFill>
@@ -39801,7 +39806,7 @@
         </p:nvSpPr>
         <p:spPr>
           <a:xfrm>
-            <a:off x="8605800" y="4682880"/>
+            <a:off x="8686800" y="3082680"/>
             <a:ext cx="1410480" cy="574920"/>
           </a:xfrm>
           <a:prstGeom prst="rect">
@@ -39825,7 +39830,7 @@
                 </a:solidFill>
                 <a:latin typeface="Arial"/>
               </a:rPr>
-              <a:t>z/OS</a:t>
+              <a:t>z/VSE</a:t>
             </a:r>
             <a:endParaRPr b="0" lang="en-US" sz="2400" spc="-1" strike="noStrike">
               <a:solidFill>
@@ -39844,6 +39849,49 @@
         </p:nvSpPr>
         <p:spPr>
           <a:xfrm>
+            <a:off x="8605800" y="4682880"/>
+            <a:ext cx="1410480" cy="574920"/>
+          </a:xfrm>
+          <a:prstGeom prst="rect">
+            <a:avLst/>
+          </a:prstGeom>
+          <a:noFill/>
+          <a:ln w="0">
+            <a:noFill/>
+          </a:ln>
+        </p:spPr>
+        <p:txBody>
+          <a:bodyPr lIns="90000" rIns="90000" tIns="45000" bIns="45000" anchor="ctr">
+            <a:noAutofit/>
+          </a:bodyPr>
+          <a:p>
+            <a:pPr algn="ctr"/>
+            <a:r>
+              <a:rPr b="1" lang="en-US" sz="2400" spc="-1" strike="noStrike">
+                <a:solidFill>
+                  <a:srgbClr val="000000"/>
+                </a:solidFill>
+                <a:latin typeface="Arial"/>
+              </a:rPr>
+              <a:t>z/OS</a:t>
+            </a:r>
+            <a:endParaRPr b="0" lang="en-US" sz="2400" spc="-1" strike="noStrike">
+              <a:solidFill>
+                <a:srgbClr val="000000"/>
+              </a:solidFill>
+              <a:latin typeface="Arial"/>
+            </a:endParaRPr>
+          </a:p>
+        </p:txBody>
+      </p:sp>
+      <p:sp>
+        <p:nvSpPr>
+          <p:cNvPr id="490" name=""/>
+          <p:cNvSpPr txBox="1"/>
+          <p:nvPr/>
+        </p:nvSpPr>
+        <p:spPr>
+          <a:xfrm>
             <a:off x="8686800" y="1482840"/>
             <a:ext cx="1410480" cy="574920"/>
           </a:xfrm>
@@ -39881,7 +39929,7 @@
       </p:sp>
       <p:sp>
         <p:nvSpPr>
-          <p:cNvPr id="490" name=""/>
+          <p:cNvPr id="491" name=""/>
           <p:cNvSpPr/>
           <p:nvPr/>
         </p:nvSpPr>
@@ -39923,7 +39971,7 @@
       </p:sp>
       <p:sp>
         <p:nvSpPr>
-          <p:cNvPr id="491" name=""/>
+          <p:cNvPr id="492" name=""/>
           <p:cNvSpPr/>
           <p:nvPr/>
         </p:nvSpPr>
@@ -39965,56 +40013,14 @@
       </p:sp>
       <p:sp>
         <p:nvSpPr>
-          <p:cNvPr id="492" name=""/>
-          <p:cNvSpPr txBox="1"/>
-          <p:nvPr/>
-        </p:nvSpPr>
-        <p:spPr>
-          <a:xfrm>
-            <a:off x="6858000" y="2286000"/>
-            <a:ext cx="891000" cy="346320"/>
-          </a:xfrm>
-          <a:prstGeom prst="rect">
-            <a:avLst/>
-          </a:prstGeom>
-          <a:noFill/>
-          <a:ln w="0">
-            <a:noFill/>
-          </a:ln>
-        </p:spPr>
-        <p:txBody>
-          <a:bodyPr lIns="90000" rIns="90000" tIns="45000" bIns="45000" anchor="t">
-            <a:noAutofit/>
-          </a:bodyPr>
-          <a:p>
-            <a:r>
-              <a:rPr b="0" lang="en-US" sz="1800" spc="-1" strike="noStrike">
-                <a:solidFill>
-                  <a:srgbClr val="000000"/>
-                </a:solidFill>
-                <a:latin typeface="Arial"/>
-              </a:rPr>
-              <a:t>port 80</a:t>
-            </a:r>
-            <a:endParaRPr b="0" lang="en-US" sz="1800" spc="-1" strike="noStrike">
-              <a:solidFill>
-                <a:srgbClr val="000000"/>
-              </a:solidFill>
-              <a:latin typeface="Arial"/>
-            </a:endParaRPr>
-          </a:p>
-        </p:txBody>
-      </p:sp>
-      <p:sp>
-        <p:nvSpPr>
           <p:cNvPr id="493" name=""/>
           <p:cNvSpPr txBox="1"/>
           <p:nvPr/>
         </p:nvSpPr>
         <p:spPr>
           <a:xfrm>
-            <a:off x="3452400" y="2168280"/>
-            <a:ext cx="891000" cy="346320"/>
+            <a:off x="6858000" y="2286000"/>
+            <a:ext cx="1143000" cy="346320"/>
           </a:xfrm>
           <a:prstGeom prst="rect">
             <a:avLst/>
@@ -40036,7 +40042,7 @@
                 </a:solidFill>
                 <a:latin typeface="Arial"/>
               </a:rPr>
-              <a:t>port 22</a:t>
+              <a:t>port 80</a:t>
             </a:r>
             <a:endParaRPr b="0" lang="en-US" sz="1800" spc="-1" strike="noStrike">
               <a:solidFill>
@@ -40055,8 +40061,8 @@
         </p:nvSpPr>
         <p:spPr>
           <a:xfrm>
-            <a:off x="5738760" y="4911480"/>
-            <a:ext cx="1805040" cy="346320"/>
+            <a:off x="3452400" y="2168280"/>
+            <a:ext cx="1119600" cy="346320"/>
           </a:xfrm>
           <a:prstGeom prst="rect">
             <a:avLst/>
@@ -40078,7 +40084,7 @@
                 </a:solidFill>
                 <a:latin typeface="Arial"/>
               </a:rPr>
-              <a:t>HS3 port 50000</a:t>
+              <a:t>port 22</a:t>
             </a:r>
             <a:endParaRPr b="0" lang="en-US" sz="1800" spc="-1" strike="noStrike">
               <a:solidFill>
@@ -40097,8 +40103,8 @@
         </p:nvSpPr>
         <p:spPr>
           <a:xfrm>
-            <a:off x="5943960" y="2057400"/>
-            <a:ext cx="891000" cy="346320"/>
+            <a:off x="5738760" y="4911480"/>
+            <a:ext cx="1805040" cy="346320"/>
           </a:xfrm>
           <a:prstGeom prst="rect">
             <a:avLst/>
@@ -40120,7 +40126,7 @@
                 </a:solidFill>
                 <a:latin typeface="Arial"/>
               </a:rPr>
-              <a:t>port 23</a:t>
+              <a:t>HS3 port 50000</a:t>
             </a:r>
             <a:endParaRPr b="0" lang="en-US" sz="1800" spc="-1" strike="noStrike">
               <a:solidFill>
@@ -40139,8 +40145,8 @@
         </p:nvSpPr>
         <p:spPr>
           <a:xfrm>
-            <a:off x="6400800" y="3539880"/>
-            <a:ext cx="1576440" cy="346320"/>
+            <a:off x="5943960" y="2057400"/>
+            <a:ext cx="1142640" cy="346320"/>
           </a:xfrm>
           <a:prstGeom prst="rect">
             <a:avLst/>
@@ -40162,7 +40168,7 @@
                 </a:solidFill>
                 <a:latin typeface="Arial"/>
               </a:rPr>
-              <a:t>HS2 port 23</a:t>
+              <a:t>port 23</a:t>
             </a:r>
             <a:endParaRPr b="0" lang="en-US" sz="1800" spc="-1" strike="noStrike">
               <a:solidFill>
@@ -40181,6 +40187,48 @@
         </p:nvSpPr>
         <p:spPr>
           <a:xfrm>
+            <a:off x="6400800" y="3539880"/>
+            <a:ext cx="1576440" cy="346320"/>
+          </a:xfrm>
+          <a:prstGeom prst="rect">
+            <a:avLst/>
+          </a:prstGeom>
+          <a:noFill/>
+          <a:ln w="0">
+            <a:noFill/>
+          </a:ln>
+        </p:spPr>
+        <p:txBody>
+          <a:bodyPr lIns="90000" rIns="90000" tIns="45000" bIns="45000" anchor="t">
+            <a:noAutofit/>
+          </a:bodyPr>
+          <a:p>
+            <a:r>
+              <a:rPr b="0" lang="en-US" sz="1800" spc="-1" strike="noStrike">
+                <a:solidFill>
+                  <a:srgbClr val="000000"/>
+                </a:solidFill>
+                <a:latin typeface="Arial"/>
+              </a:rPr>
+              <a:t>HS2 port 23</a:t>
+            </a:r>
+            <a:endParaRPr b="0" lang="en-US" sz="1800" spc="-1" strike="noStrike">
+              <a:solidFill>
+                <a:srgbClr val="000000"/>
+              </a:solidFill>
+              <a:latin typeface="Arial"/>
+            </a:endParaRPr>
+          </a:p>
+        </p:txBody>
+      </p:sp>
+      <p:sp>
+        <p:nvSpPr>
+          <p:cNvPr id="498" name=""/>
+          <p:cNvSpPr txBox="1"/>
+          <p:nvPr/>
+        </p:nvSpPr>
+        <p:spPr>
+          <a:xfrm>
             <a:off x="685800" y="4343400"/>
             <a:ext cx="4572000" cy="1882080"/>
           </a:xfrm>
@@ -40287,7 +40335,7 @@
       </p:sp>
       <p:sp>
         <p:nvSpPr>
-          <p:cNvPr id="498" name=""/>
+          <p:cNvPr id="499" name=""/>
           <p:cNvSpPr txBox="1"/>
           <p:nvPr/>
         </p:nvSpPr>
@@ -40361,7 +40409,7 @@
         <p:txBody>
           <a:bodyPr/>
           <a:p>
-            <a:fld id="{AE819D1F-DF83-4FFD-BD58-54EDA3164889}" type="slidenum">
+            <a:fld id="{DDC663FA-A6EB-4CFE-B218-980489C024C0}" type="slidenum">
               <a:t>30</a:t>
             </a:fld>
           </a:p>
@@ -40423,7 +40471,7 @@
         <p:txBody>
           <a:bodyPr/>
           <a:p>
-            <a:fld id="{17C0B115-26C8-44C1-B901-0855415F551D}" type="slidenum">
+            <a:fld id="{B2EC7FBB-269F-44B4-9359-F2EF464B964A}" type="slidenum">
               <a:t>31</a:t>
             </a:fld>
           </a:p>
@@ -40453,7 +40501,7 @@
       </p:grpSpPr>
       <p:sp>
         <p:nvSpPr>
-          <p:cNvPr id="499" name="PlaceHolder 1"/>
+          <p:cNvPr id="500" name="PlaceHolder 1"/>
           <p:cNvSpPr>
             <a:spLocks noGrp="1"/>
           </p:cNvSpPr>
@@ -40512,7 +40560,7 @@
       </p:sp>
       <p:sp>
         <p:nvSpPr>
-          <p:cNvPr id="500" name="PlaceHolder 2"/>
+          <p:cNvPr id="501" name="PlaceHolder 2"/>
           <p:cNvSpPr>
             <a:spLocks noGrp="1"/>
           </p:cNvSpPr>
@@ -40713,7 +40761,7 @@
       </p:sp>
       <p:pic>
         <p:nvPicPr>
-          <p:cNvPr id="501" name="" descr=""/>
+          <p:cNvPr id="502" name="" descr=""/>
           <p:cNvPicPr/>
           <p:nvPr/>
         </p:nvPicPr>
@@ -40723,7 +40771,7 @@
         </p:blipFill>
         <p:spPr>
           <a:xfrm>
-            <a:off x="10439640" y="1752840"/>
+            <a:off x="9601200" y="1600200"/>
             <a:ext cx="1218960" cy="1218960"/>
           </a:xfrm>
           <a:prstGeom prst="rect">
@@ -40768,7 +40816,7 @@
         <p:txBody>
           <a:bodyPr/>
           <a:p>
-            <a:fld id="{B4456C84-E23A-47AA-A451-A68497EDB5D6}" type="slidenum">
+            <a:fld id="{C6068FD6-CD22-4269-AA67-7576E0294D49}" type="slidenum">
               <a:t>32</a:t>
             </a:fld>
           </a:p>
@@ -40798,7 +40846,7 @@
       </p:grpSpPr>
       <p:sp>
         <p:nvSpPr>
-          <p:cNvPr id="502" name="PlaceHolder 1"/>
+          <p:cNvPr id="503" name="PlaceHolder 1"/>
           <p:cNvSpPr>
             <a:spLocks noGrp="1"/>
           </p:cNvSpPr>
@@ -40857,7 +40905,7 @@
       </p:sp>
       <p:sp>
         <p:nvSpPr>
-          <p:cNvPr id="503" name="PlaceHolder 2"/>
+          <p:cNvPr id="504" name="PlaceHolder 2"/>
           <p:cNvSpPr>
             <a:spLocks noGrp="1"/>
           </p:cNvSpPr>
@@ -40867,8 +40915,8 @@
         </p:nvSpPr>
         <p:spPr>
           <a:xfrm>
-            <a:off x="955440" y="1531800"/>
-            <a:ext cx="10931760" cy="4808160"/>
+            <a:off x="685800" y="1531800"/>
+            <a:ext cx="11430000" cy="4808160"/>
           </a:xfrm>
           <a:prstGeom prst="rect">
             <a:avLst/>
@@ -41021,7 +41069,7 @@
       </p:sp>
       <p:pic>
         <p:nvPicPr>
-          <p:cNvPr id="504" name="" descr=""/>
+          <p:cNvPr id="505" name="" descr=""/>
           <p:cNvPicPr/>
           <p:nvPr/>
         </p:nvPicPr>
@@ -41076,7 +41124,7 @@
         <p:txBody>
           <a:bodyPr/>
           <a:p>
-            <a:fld id="{FEF30074-8D31-49E9-99E1-E6DC677E63B6}" type="slidenum">
+            <a:fld id="{35178FDF-821A-44E0-AD73-5A85BDCBA0BD}" type="slidenum">
               <a:t>33</a:t>
             </a:fld>
           </a:p>
@@ -41104,9 +41152,32 @@
           <a:chExt cx="0" cy="0"/>
         </a:xfrm>
       </p:grpSpPr>
-      <p:sp>
-        <p:nvSpPr>
-          <p:cNvPr id="505" name="PlaceHolder 1"/>
+      <p:pic>
+        <p:nvPicPr>
+          <p:cNvPr id="506" name="" descr=""/>
+          <p:cNvPicPr/>
+          <p:nvPr/>
+        </p:nvPicPr>
+        <p:blipFill>
+          <a:blip r:embed="rId1"/>
+          <a:stretch/>
+        </p:blipFill>
+        <p:spPr>
+          <a:xfrm>
+            <a:off x="1828800" y="4953240"/>
+            <a:ext cx="2971440" cy="1676160"/>
+          </a:xfrm>
+          <a:prstGeom prst="rect">
+            <a:avLst/>
+          </a:prstGeom>
+          <a:ln w="0">
+            <a:noFill/>
+          </a:ln>
+        </p:spPr>
+      </p:pic>
+      <p:sp>
+        <p:nvSpPr>
+          <p:cNvPr id="507" name="PlaceHolder 1"/>
           <p:cNvSpPr>
             <a:spLocks noGrp="1"/>
           </p:cNvSpPr>
@@ -41165,7 +41236,7 @@
       </p:sp>
       <p:sp>
         <p:nvSpPr>
-          <p:cNvPr id="506" name="PlaceHolder 2"/>
+          <p:cNvPr id="508" name="PlaceHolder 2"/>
           <p:cNvSpPr>
             <a:spLocks noGrp="1"/>
           </p:cNvSpPr>
@@ -41451,29 +41522,6 @@
           </a:p>
         </p:txBody>
       </p:sp>
-      <p:pic>
-        <p:nvPicPr>
-          <p:cNvPr id="507" name="" descr=""/>
-          <p:cNvPicPr/>
-          <p:nvPr/>
-        </p:nvPicPr>
-        <p:blipFill>
-          <a:blip r:embed="rId1"/>
-          <a:stretch/>
-        </p:blipFill>
-        <p:spPr>
-          <a:xfrm>
-            <a:off x="1828800" y="4800600"/>
-            <a:ext cx="2971440" cy="1676160"/>
-          </a:xfrm>
-          <a:prstGeom prst="rect">
-            <a:avLst/>
-          </a:prstGeom>
-          <a:ln w="0">
-            <a:noFill/>
-          </a:ln>
-        </p:spPr>
-      </p:pic>
       <p:sp>
         <p:nvSpPr>
           <p:cNvPr id="4" name="PlaceHolder 3"/>
@@ -41508,7 +41556,7 @@
         <p:txBody>
           <a:bodyPr/>
           <a:p>
-            <a:fld id="{5AC81DDE-83CD-4FF5-8470-03FF61115135}" type="slidenum">
+            <a:fld id="{084D4C2B-E5C4-438D-9CB3-EF8C547CB502}" type="slidenum">
               <a:t>34</a:t>
             </a:fld>
           </a:p>
@@ -41538,7 +41586,7 @@
       </p:grpSpPr>
       <p:sp>
         <p:nvSpPr>
-          <p:cNvPr id="508" name="PlaceHolder 1"/>
+          <p:cNvPr id="509" name="PlaceHolder 1"/>
           <p:cNvSpPr>
             <a:spLocks noGrp="1"/>
           </p:cNvSpPr>
@@ -41597,7 +41645,7 @@
       </p:sp>
       <p:sp>
         <p:nvSpPr>
-          <p:cNvPr id="509" name="PlaceHolder 2"/>
+          <p:cNvPr id="510" name="PlaceHolder 2"/>
           <p:cNvSpPr>
             <a:spLocks noGrp="1"/>
           </p:cNvSpPr>
@@ -41681,7 +41729,7 @@
         <p:txBody>
           <a:bodyPr/>
           <a:p>
-            <a:fld id="{67402F0B-E3E8-4943-AA2A-C439EDAAD63F}" type="slidenum">
+            <a:fld id="{98684431-3F79-4AB3-AC3C-B2D31ED4B614}" type="slidenum">
               <a:t>35</a:t>
             </a:fld>
           </a:p>
@@ -41711,7 +41759,7 @@
       </p:grpSpPr>
       <p:sp>
         <p:nvSpPr>
-          <p:cNvPr id="510" name="PlaceHolder 1"/>
+          <p:cNvPr id="511" name="PlaceHolder 1"/>
           <p:cNvSpPr>
             <a:spLocks noGrp="1"/>
           </p:cNvSpPr>
@@ -41770,7 +41818,7 @@
       </p:sp>
       <p:sp>
         <p:nvSpPr>
-          <p:cNvPr id="511" name="PlaceHolder 2"/>
+          <p:cNvPr id="512" name="PlaceHolder 2"/>
           <p:cNvSpPr>
             <a:spLocks noGrp="1"/>
           </p:cNvSpPr>
@@ -42237,7 +42285,7 @@
         <p:txBody>
           <a:bodyPr/>
           <a:p>
-            <a:fld id="{6EF5FA7B-EB1E-4E95-BB3E-9939BD453AA7}" type="slidenum">
+            <a:fld id="{35283839-0E49-4B8A-BDAC-AA78DC87D770}" type="slidenum">
               <a:t>36</a:t>
             </a:fld>
           </a:p>
@@ -42267,7 +42315,7 @@
       </p:grpSpPr>
       <p:sp>
         <p:nvSpPr>
-          <p:cNvPr id="512" name="PlaceHolder 1"/>
+          <p:cNvPr id="513" name="PlaceHolder 1"/>
           <p:cNvSpPr>
             <a:spLocks noGrp="1"/>
           </p:cNvSpPr>
@@ -42326,7 +42374,7 @@
       </p:sp>
       <p:sp>
         <p:nvSpPr>
-          <p:cNvPr id="513" name="PlaceHolder 2"/>
+          <p:cNvPr id="514" name="PlaceHolder 2"/>
           <p:cNvSpPr>
             <a:spLocks noGrp="1"/>
           </p:cNvSpPr>
@@ -42547,7 +42595,7 @@
       </p:sp>
       <p:pic>
         <p:nvPicPr>
-          <p:cNvPr id="514" name="" descr=""/>
+          <p:cNvPr id="515" name="" descr=""/>
           <p:cNvPicPr/>
           <p:nvPr/>
         </p:nvPicPr>
@@ -42559,29 +42607,6 @@
           <a:xfrm>
             <a:off x="5685840" y="1477080"/>
             <a:ext cx="1097280" cy="1097280"/>
-          </a:xfrm>
-          <a:prstGeom prst="rect">
-            <a:avLst/>
-          </a:prstGeom>
-          <a:ln w="0">
-            <a:noFill/>
-          </a:ln>
-        </p:spPr>
-      </p:pic>
-      <p:pic>
-        <p:nvPicPr>
-          <p:cNvPr id="515" name="" descr=""/>
-          <p:cNvPicPr/>
-          <p:nvPr/>
-        </p:nvPicPr>
-        <p:blipFill>
-          <a:blip r:embed="rId2"/>
-          <a:stretch/>
-        </p:blipFill>
-        <p:spPr>
-          <a:xfrm>
-            <a:off x="7909560" y="1965960"/>
-            <a:ext cx="1005840" cy="1005840"/>
           </a:xfrm>
           <a:prstGeom prst="rect">
             <a:avLst/>
@@ -42598,13 +42623,13 @@
           <p:nvPr/>
         </p:nvPicPr>
         <p:blipFill>
-          <a:blip r:embed="rId3"/>
+          <a:blip r:embed="rId2"/>
           <a:stretch/>
         </p:blipFill>
         <p:spPr>
           <a:xfrm>
-            <a:off x="6172200" y="2686320"/>
-            <a:ext cx="1097280" cy="971640"/>
+            <a:off x="7909560" y="1965960"/>
+            <a:ext cx="1005840" cy="1005840"/>
           </a:xfrm>
           <a:prstGeom prst="rect">
             <a:avLst/>
@@ -42621,6 +42646,29 @@
           <p:nvPr/>
         </p:nvPicPr>
         <p:blipFill>
+          <a:blip r:embed="rId3"/>
+          <a:stretch/>
+        </p:blipFill>
+        <p:spPr>
+          <a:xfrm>
+            <a:off x="6172200" y="2686320"/>
+            <a:ext cx="1097280" cy="971640"/>
+          </a:xfrm>
+          <a:prstGeom prst="rect">
+            <a:avLst/>
+          </a:prstGeom>
+          <a:ln w="0">
+            <a:noFill/>
+          </a:ln>
+        </p:spPr>
+      </p:pic>
+      <p:pic>
+        <p:nvPicPr>
+          <p:cNvPr id="518" name="" descr=""/>
+          <p:cNvPicPr/>
+          <p:nvPr/>
+        </p:nvPicPr>
+        <p:blipFill>
           <a:blip r:embed="rId4"/>
           <a:stretch/>
         </p:blipFill>
@@ -42671,7 +42719,7 @@
         <p:txBody>
           <a:bodyPr/>
           <a:p>
-            <a:fld id="{2ED2E968-37BF-413C-882F-6338D68218A3}" type="slidenum">
+            <a:fld id="{52E65CFF-4B71-4761-B556-E1A08622FE46}" type="slidenum">
               <a:t>37</a:t>
             </a:fld>
           </a:p>
@@ -42733,7 +42781,7 @@
         <p:txBody>
           <a:bodyPr/>
           <a:p>
-            <a:fld id="{0C7AA135-9494-42A6-90B2-4CB301CCDFC4}" type="slidenum">
+            <a:fld id="{8D4A732D-54B3-473A-B09A-5F68990E925C}" type="slidenum">
               <a:t>38</a:t>
             </a:fld>
           </a:p>
@@ -42763,7 +42811,7 @@
       </p:grpSpPr>
       <p:sp>
         <p:nvSpPr>
-          <p:cNvPr id="518" name="PlaceHolder 1"/>
+          <p:cNvPr id="519" name="PlaceHolder 1"/>
           <p:cNvSpPr>
             <a:spLocks noGrp="1"/>
           </p:cNvSpPr>
@@ -42822,7 +42870,7 @@
       </p:sp>
       <p:sp>
         <p:nvSpPr>
-          <p:cNvPr id="519" name="PlaceHolder 2"/>
+          <p:cNvPr id="520" name="PlaceHolder 2"/>
           <p:cNvSpPr>
             <a:spLocks noGrp="1"/>
           </p:cNvSpPr>
@@ -43044,7 +43092,7 @@
                 </a:solidFill>
                 <a:latin typeface="Calibri"/>
               </a:rPr>
-              <a:t>Next year, do it all over again   </a:t>
+              <a:t>Come back next year, do it all over again   </a:t>
             </a:r>
             <a:endParaRPr b="0" lang="en-US" sz="3200" spc="-1" strike="noStrike">
               <a:solidFill>
@@ -43057,7 +43105,7 @@
       </p:sp>
       <p:pic>
         <p:nvPicPr>
-          <p:cNvPr id="520" name="" descr=""/>
+          <p:cNvPr id="521" name="" descr=""/>
           <p:cNvPicPr/>
           <p:nvPr/>
         </p:nvPicPr>
@@ -43112,7 +43160,7 @@
         <p:txBody>
           <a:bodyPr/>
           <a:p>
-            <a:fld id="{772AB7EF-2160-420F-A1A1-28EB78429BFD}" type="slidenum">
+            <a:fld id="{2EA4C1E6-8DEC-4988-9543-4853BEC922BE}" type="slidenum">
               <a:t>39</a:t>
             </a:fld>
           </a:p>
@@ -43396,7 +43444,7 @@
         <p:txBody>
           <a:bodyPr/>
           <a:p>
-            <a:fld id="{0CDA79BE-68E6-4BFE-9B92-04711EA58843}" type="slidenum">
+            <a:fld id="{E35B223D-761C-41E6-BD6B-2225EE119777}" type="slidenum">
               <a:t>4</a:t>
             </a:fld>
           </a:p>
@@ -43426,7 +43474,7 @@
       </p:grpSpPr>
       <p:sp>
         <p:nvSpPr>
-          <p:cNvPr id="521" name="PlaceHolder 1"/>
+          <p:cNvPr id="522" name="PlaceHolder 1"/>
           <p:cNvSpPr>
             <a:spLocks noGrp="1"/>
           </p:cNvSpPr>
@@ -43485,7 +43533,7 @@
       </p:sp>
       <p:sp>
         <p:nvSpPr>
-          <p:cNvPr id="522" name="PlaceHolder 2"/>
+          <p:cNvPr id="523" name="PlaceHolder 2"/>
           <p:cNvSpPr>
             <a:spLocks noGrp="1"/>
           </p:cNvSpPr>
@@ -43739,7 +43787,7 @@
         <p:txBody>
           <a:bodyPr/>
           <a:p>
-            <a:fld id="{5BF07B66-3691-4820-9977-CBEB94748D61}" type="slidenum">
+            <a:fld id="{00B3D637-BC00-41C7-B638-A21579B106DF}" type="slidenum">
               <a:t>40</a:t>
             </a:fld>
           </a:p>
@@ -43769,7 +43817,7 @@
       </p:grpSpPr>
       <p:sp>
         <p:nvSpPr>
-          <p:cNvPr id="523" name="PlaceHolder 1"/>
+          <p:cNvPr id="524" name="PlaceHolder 1"/>
           <p:cNvSpPr>
             <a:spLocks noGrp="1"/>
           </p:cNvSpPr>
@@ -43828,7 +43876,7 @@
       </p:sp>
       <p:sp>
         <p:nvSpPr>
-          <p:cNvPr id="524" name="PlaceHolder 2"/>
+          <p:cNvPr id="525" name="PlaceHolder 2"/>
           <p:cNvSpPr>
             <a:spLocks noGrp="1"/>
           </p:cNvSpPr>
@@ -44073,7 +44121,7 @@
         <p:txBody>
           <a:bodyPr/>
           <a:p>
-            <a:fld id="{D7BFBBE5-348E-421C-B261-F7DEA5EF2D99}" type="slidenum">
+            <a:fld id="{9E7DE40D-B22C-4590-AF9D-B3F70D21A590}" type="slidenum">
               <a:t>41</a:t>
             </a:fld>
           </a:p>
@@ -44103,7 +44151,7 @@
       </p:grpSpPr>
       <p:sp>
         <p:nvSpPr>
-          <p:cNvPr id="525" name="PlaceHolder 1"/>
+          <p:cNvPr id="526" name="PlaceHolder 1"/>
           <p:cNvSpPr>
             <a:spLocks noGrp="1"/>
           </p:cNvSpPr>
@@ -44162,7 +44210,7 @@
       </p:sp>
       <p:sp>
         <p:nvSpPr>
-          <p:cNvPr id="526" name="PlaceHolder 2"/>
+          <p:cNvPr id="527" name="PlaceHolder 2"/>
           <p:cNvSpPr>
             <a:spLocks noGrp="1"/>
           </p:cNvSpPr>
@@ -44221,7 +44269,19 @@
                 </a:solidFill>
                 <a:latin typeface="Calibri"/>
               </a:rPr>
-              <a:t>One of the inherent problems of standard HTTPS is that trust put in a website is defined by </a:t>
+              <a:t>One of the inherent problems of standard HTTPS is that </a:t>
+            </a:r>
+            <a:br>
+              <a:rPr sz="3200"/>
+            </a:br>
+            <a:r>
+              <a:rPr b="0" lang="en-US" sz="3200" spc="-1" strike="noStrike">
+                <a:solidFill>
+                  <a:srgbClr val="000000"/>
+                </a:solidFill>
+                <a:latin typeface="Calibri"/>
+              </a:rPr>
+              <a:t>trust put in a website is defined by </a:t>
             </a:r>
             <a:r>
               <a:rPr b="0" lang="en-US" sz="3200" spc="-1" strike="noStrike" u="sng">
@@ -44240,7 +44300,19 @@
                 </a:solidFill>
                 <a:latin typeface="Calibri"/>
               </a:rPr>
-              <a:t>: a hierarchical and </a:t>
+              <a:t>: </a:t>
+            </a:r>
+            <a:br>
+              <a:rPr sz="3200"/>
+            </a:br>
+            <a:r>
+              <a:rPr b="0" lang="en-US" sz="3200" spc="-1" strike="noStrike">
+                <a:solidFill>
+                  <a:srgbClr val="000000"/>
+                </a:solidFill>
+                <a:latin typeface="Calibri"/>
+              </a:rPr>
+              <a:t>a hierarchical and </a:t>
             </a:r>
             <a:r>
               <a:rPr b="0" lang="en-US" sz="3200" spc="-1" strike="noStrike" u="sng">
@@ -44259,7 +44331,19 @@
                 </a:solidFill>
                 <a:latin typeface="Calibri"/>
               </a:rPr>
-              <a:t> of companies and governmental institutions approved by your </a:t>
+              <a:t> of companies and governmental </a:t>
+            </a:r>
+            <a:br>
+              <a:rPr sz="3200"/>
+            </a:br>
+            <a:r>
+              <a:rPr b="0" lang="en-US" sz="3200" spc="-1" strike="noStrike">
+                <a:solidFill>
+                  <a:srgbClr val="000000"/>
+                </a:solidFill>
+                <a:latin typeface="Calibri"/>
+              </a:rPr>
+              <a:t>institutions approved by your </a:t>
             </a:r>
             <a:r>
               <a:rPr b="0" lang="en-US" sz="3200" spc="-1" strike="noStrike" u="sng">
@@ -44278,7 +44362,31 @@
                 </a:solidFill>
                 <a:latin typeface="Calibri"/>
               </a:rPr>
-              <a:t>. This model of trust has long been criticized and proven … to be vulnerable to attacks … </a:t>
+              <a:t>. This model </a:t>
+            </a:r>
+            <a:br>
+              <a:rPr sz="3200"/>
+            </a:br>
+            <a:r>
+              <a:rPr b="0" lang="en-US" sz="3200" spc="-1" strike="noStrike">
+                <a:solidFill>
+                  <a:srgbClr val="000000"/>
+                </a:solidFill>
+                <a:latin typeface="Calibri"/>
+              </a:rPr>
+              <a:t>of trust has long been criticized and proven … to be vulnerable </a:t>
+            </a:r>
+            <a:br>
+              <a:rPr sz="3200"/>
+            </a:br>
+            <a:r>
+              <a:rPr b="0" lang="en-US" sz="3200" spc="-1" strike="noStrike">
+                <a:solidFill>
+                  <a:srgbClr val="000000"/>
+                </a:solidFill>
+                <a:latin typeface="Calibri"/>
+              </a:rPr>
+              <a:t>to attacks … </a:t>
             </a:r>
             <a:endParaRPr b="0" lang="en-US" sz="3200" spc="-1" strike="noStrike">
               <a:solidFill>
@@ -44374,7 +44482,7 @@
         <p:txBody>
           <a:bodyPr/>
           <a:p>
-            <a:fld id="{40A35850-6595-4664-93B4-6B1038758CF8}" type="slidenum">
+            <a:fld id="{049D1E44-CC22-47EB-9C0C-422FC276CD4A}" type="slidenum">
               <a:t>42</a:t>
             </a:fld>
           </a:p>
@@ -44404,7 +44512,7 @@
       </p:grpSpPr>
       <p:sp>
         <p:nvSpPr>
-          <p:cNvPr id="527" name="PlaceHolder 1"/>
+          <p:cNvPr id="528" name="PlaceHolder 1"/>
           <p:cNvSpPr>
             <a:spLocks noGrp="1"/>
           </p:cNvSpPr>
@@ -44463,7 +44571,7 @@
       </p:sp>
       <p:pic>
         <p:nvPicPr>
-          <p:cNvPr id="528" name="" descr=""/>
+          <p:cNvPr id="529" name="" descr=""/>
           <p:cNvPicPr/>
           <p:nvPr/>
         </p:nvPicPr>
@@ -44486,7 +44594,7 @@
       </p:pic>
       <p:sp>
         <p:nvSpPr>
-          <p:cNvPr id="529" name="PlaceHolder 2"/>
+          <p:cNvPr id="530" name="PlaceHolder 2"/>
           <p:cNvSpPr>
             <a:spLocks noGrp="1"/>
           </p:cNvSpPr>
@@ -44538,7 +44646,7 @@
       </p:sp>
       <p:sp>
         <p:nvSpPr>
-          <p:cNvPr id="530" name="PlaceHolder 3"/>
+          <p:cNvPr id="531" name="PlaceHolder 3"/>
           <p:cNvSpPr>
             <a:spLocks noGrp="1"/>
           </p:cNvSpPr>
@@ -44590,7 +44698,7 @@
       </p:sp>
       <p:sp>
         <p:nvSpPr>
-          <p:cNvPr id="531" name="PlaceHolder 4"/>
+          <p:cNvPr id="532" name="PlaceHolder 4"/>
           <p:cNvSpPr>
             <a:spLocks noGrp="1"/>
           </p:cNvSpPr>
@@ -44642,7 +44750,7 @@
       </p:sp>
       <p:sp>
         <p:nvSpPr>
-          <p:cNvPr id="532" name="PlaceHolder 5"/>
+          <p:cNvPr id="533" name="PlaceHolder 5"/>
           <p:cNvSpPr>
             <a:spLocks noGrp="1"/>
           </p:cNvSpPr>
@@ -44726,7 +44834,7 @@
         <p:txBody>
           <a:bodyPr/>
           <a:p>
-            <a:fld id="{F8F631C0-4ABC-46B0-BDF9-D42F77068D1C}" type="slidenum">
+            <a:fld id="{5062886A-C3BC-46D1-9810-0C2880829F79}" type="slidenum">
               <a:t>43</a:t>
             </a:fld>
           </a:p>
@@ -44756,7 +44864,7 @@
       </p:grpSpPr>
       <p:sp>
         <p:nvSpPr>
-          <p:cNvPr id="533" name="PlaceHolder 1"/>
+          <p:cNvPr id="534" name="PlaceHolder 1"/>
           <p:cNvSpPr>
             <a:spLocks noGrp="1"/>
           </p:cNvSpPr>
@@ -44815,7 +44923,7 @@
       </p:sp>
       <p:pic>
         <p:nvPicPr>
-          <p:cNvPr id="534" name="" descr=""/>
+          <p:cNvPr id="535" name="" descr=""/>
           <p:cNvPicPr/>
           <p:nvPr/>
         </p:nvPicPr>
@@ -44870,7 +44978,7 @@
         <p:txBody>
           <a:bodyPr/>
           <a:p>
-            <a:fld id="{B71284BB-4676-4A00-BAAE-6483D4557D2B}" type="slidenum">
+            <a:fld id="{2EFDD75F-2AD4-4B1B-8041-B35F72F12ECE}" type="slidenum">
               <a:t>44</a:t>
             </a:fld>
           </a:p>
@@ -44932,7 +45040,7 @@
         <p:txBody>
           <a:bodyPr/>
           <a:p>
-            <a:fld id="{60C2EBAE-C584-44D0-B002-6A85A3F0BF37}" type="slidenum">
+            <a:fld id="{069C9222-D6CF-4305-81F9-4A7A12A89D37}" type="slidenum">
               <a:t>45</a:t>
             </a:fld>
           </a:p>
@@ -44962,7 +45070,7 @@
       </p:grpSpPr>
       <p:sp>
         <p:nvSpPr>
-          <p:cNvPr id="535" name="PlaceHolder 1"/>
+          <p:cNvPr id="536" name="PlaceHolder 1"/>
           <p:cNvSpPr>
             <a:spLocks noGrp="1"/>
           </p:cNvSpPr>
@@ -45158,7 +45266,7 @@
       </p:sp>
       <p:pic>
         <p:nvPicPr>
-          <p:cNvPr id="536" name="" descr=""/>
+          <p:cNvPr id="537" name="" descr=""/>
           <p:cNvPicPr/>
           <p:nvPr/>
         </p:nvPicPr>
@@ -45181,7 +45289,7 @@
       </p:pic>
       <p:sp>
         <p:nvSpPr>
-          <p:cNvPr id="537" name="PlaceHolder 2"/>
+          <p:cNvPr id="538" name="PlaceHolder 2"/>
           <p:cNvSpPr>
             <a:spLocks noGrp="1"/>
           </p:cNvSpPr>
@@ -45240,6 +45348,198 @@
       </p:sp>
       <p:sp>
         <p:nvSpPr>
+          <p:cNvPr id="539" name=""/>
+          <p:cNvSpPr/>
+          <p:nvPr/>
+        </p:nvSpPr>
+        <p:spPr>
+          <a:xfrm flipH="1">
+            <a:off x="7543800" y="2514600"/>
+            <a:ext cx="1170720" cy="457200"/>
+          </a:xfrm>
+          <a:prstGeom prst="line">
+            <a:avLst/>
+          </a:prstGeom>
+          <a:ln w="38160">
+            <a:solidFill>
+              <a:srgbClr val="b85c00"/>
+            </a:solidFill>
+            <a:round/>
+            <a:tailEnd len="med" type="triangle" w="med"/>
+          </a:ln>
+        </p:spPr>
+        <p:style>
+          <a:lnRef idx="0"/>
+          <a:fillRef idx="0"/>
+          <a:effectRef idx="0"/>
+          <a:fontRef idx="minor"/>
+        </p:style>
+        <p:txBody>
+          <a:bodyPr lIns="108720" rIns="108720" tIns="63720" bIns="63720" anchor="ctr">
+            <a:noAutofit/>
+          </a:bodyPr>
+          <a:p>
+            <a:endParaRPr b="0" lang="en-US" sz="1800" spc="-1" strike="noStrike">
+              <a:solidFill>
+                <a:srgbClr val="000000"/>
+              </a:solidFill>
+              <a:latin typeface="Arial"/>
+            </a:endParaRPr>
+          </a:p>
+        </p:txBody>
+      </p:sp>
+      <p:sp>
+        <p:nvSpPr>
+          <p:cNvPr id="540" name=""/>
+          <p:cNvSpPr txBox="1"/>
+          <p:nvPr/>
+        </p:nvSpPr>
+        <p:spPr>
+          <a:xfrm>
+            <a:off x="8915400" y="1828800"/>
+            <a:ext cx="2857680" cy="1143000"/>
+          </a:xfrm>
+          <a:prstGeom prst="rect">
+            <a:avLst/>
+          </a:prstGeom>
+          <a:noFill/>
+          <a:ln w="0">
+            <a:noFill/>
+          </a:ln>
+        </p:spPr>
+        <p:txBody>
+          <a:bodyPr lIns="90000" rIns="90000" tIns="45000" bIns="45000" anchor="t">
+            <a:noAutofit/>
+          </a:bodyPr>
+          <a:p>
+            <a:r>
+              <a:rPr b="0" lang="en-US" sz="2800" spc="-1" strike="noStrike">
+                <a:solidFill>
+                  <a:srgbClr val="000000"/>
+                </a:solidFill>
+                <a:latin typeface="Arial"/>
+              </a:rPr>
+              <a:t>This was</a:t>
+            </a:r>
+            <a:br>
+              <a:rPr sz="2800"/>
+            </a:br>
+            <a:r>
+              <a:rPr b="0" lang="en-US" sz="2800" spc="-1" strike="noStrike">
+                <a:solidFill>
+                  <a:srgbClr val="000000"/>
+                </a:solidFill>
+                <a:latin typeface="Arial"/>
+              </a:rPr>
+              <a:t>my mistake</a:t>
+            </a:r>
+            <a:endParaRPr b="0" lang="en-US" sz="2800" spc="-1" strike="noStrike">
+              <a:solidFill>
+                <a:srgbClr val="000000"/>
+              </a:solidFill>
+              <a:latin typeface="Arial"/>
+            </a:endParaRPr>
+          </a:p>
+        </p:txBody>
+      </p:sp>
+      <p:sp>
+        <p:nvSpPr>
+          <p:cNvPr id="541" name=""/>
+          <p:cNvSpPr/>
+          <p:nvPr/>
+        </p:nvSpPr>
+        <p:spPr>
+          <a:xfrm flipH="1" flipV="1">
+            <a:off x="7296840" y="3913920"/>
+            <a:ext cx="1627920" cy="663120"/>
+          </a:xfrm>
+          <a:prstGeom prst="line">
+            <a:avLst/>
+          </a:prstGeom>
+          <a:ln w="38160">
+            <a:solidFill>
+              <a:srgbClr val="b85c00"/>
+            </a:solidFill>
+            <a:round/>
+            <a:tailEnd len="med" type="triangle" w="med"/>
+          </a:ln>
+        </p:spPr>
+        <p:style>
+          <a:lnRef idx="0"/>
+          <a:fillRef idx="0"/>
+          <a:effectRef idx="0"/>
+          <a:fontRef idx="minor"/>
+        </p:style>
+        <p:txBody>
+          <a:bodyPr lIns="108720" rIns="108720" tIns="63720" bIns="63720" anchor="ctr">
+            <a:noAutofit/>
+          </a:bodyPr>
+          <a:p>
+            <a:endParaRPr b="0" lang="en-US" sz="1800" spc="-1" strike="noStrike">
+              <a:solidFill>
+                <a:srgbClr val="000000"/>
+              </a:solidFill>
+              <a:latin typeface="Arial"/>
+            </a:endParaRPr>
+          </a:p>
+        </p:txBody>
+      </p:sp>
+      <p:sp>
+        <p:nvSpPr>
+          <p:cNvPr id="542" name=""/>
+          <p:cNvSpPr txBox="1"/>
+          <p:nvPr/>
+        </p:nvSpPr>
+        <p:spPr>
+          <a:xfrm>
+            <a:off x="9029520" y="4343760"/>
+            <a:ext cx="3086280" cy="1143000"/>
+          </a:xfrm>
+          <a:prstGeom prst="rect">
+            <a:avLst/>
+          </a:prstGeom>
+          <a:noFill/>
+          <a:ln w="0">
+            <a:noFill/>
+          </a:ln>
+        </p:spPr>
+        <p:txBody>
+          <a:bodyPr lIns="90000" rIns="90000" tIns="45000" bIns="45000" anchor="t">
+            <a:noAutofit/>
+          </a:bodyPr>
+          <a:p>
+            <a:r>
+              <a:rPr b="0" lang="en-US" sz="2800" spc="-1" strike="noStrike">
+                <a:solidFill>
+                  <a:srgbClr val="000000"/>
+                </a:solidFill>
+                <a:latin typeface="Arial"/>
+              </a:rPr>
+              <a:t>Hidden services</a:t>
+            </a:r>
+            <a:br>
+              <a:rPr sz="2800"/>
+            </a:br>
+            <a:r>
+              <a:rPr b="0" lang="en-US" sz="2800" spc="-1" strike="noStrike">
+                <a:solidFill>
+                  <a:srgbClr val="000000"/>
+                </a:solidFill>
+                <a:latin typeface="Arial"/>
+              </a:rPr>
+              <a:t>live here</a:t>
+            </a:r>
+            <a:endParaRPr b="0" lang="en-US" sz="2800" spc="-1" strike="noStrike">
+              <a:solidFill>
+                <a:srgbClr val="000000"/>
+              </a:solidFill>
+              <a:latin typeface="Arial"/>
+            </a:endParaRPr>
+          </a:p>
+        </p:txBody>
+      </p:sp>
+      <p:sp>
+        <p:nvSpPr>
           <p:cNvPr id="4" name="PlaceHolder 3"/>
           <p:cNvSpPr>
             <a:spLocks noGrp="1"/>
@@ -45272,7 +45572,7 @@
         <p:txBody>
           <a:bodyPr/>
           <a:p>
-            <a:fld id="{0D1E0E1E-6E53-4CA1-B862-3CAB664BC1A1}" type="slidenum">
+            <a:fld id="{FB30C935-1393-49DF-A0D2-988602C4F1F0}" type="slidenum">
               <a:t>46</a:t>
             </a:fld>
           </a:p>
@@ -45302,7 +45602,7 @@
       </p:grpSpPr>
       <p:sp>
         <p:nvSpPr>
-          <p:cNvPr id="538" name="PlaceHolder 1"/>
+          <p:cNvPr id="543" name="PlaceHolder 1"/>
           <p:cNvSpPr>
             <a:spLocks noGrp="1"/>
           </p:cNvSpPr>
@@ -45578,7 +45878,7 @@
       </p:sp>
       <p:pic>
         <p:nvPicPr>
-          <p:cNvPr id="539" name="" descr=""/>
+          <p:cNvPr id="544" name="" descr=""/>
           <p:cNvPicPr/>
           <p:nvPr/>
         </p:nvPicPr>
@@ -45601,7 +45901,7 @@
       </p:pic>
       <p:sp>
         <p:nvSpPr>
-          <p:cNvPr id="540" name="PlaceHolder 2"/>
+          <p:cNvPr id="545" name="PlaceHolder 2"/>
           <p:cNvSpPr>
             <a:spLocks noGrp="1"/>
           </p:cNvSpPr>
@@ -45692,7 +45992,7 @@
         <p:txBody>
           <a:bodyPr/>
           <a:p>
-            <a:fld id="{D0217BD1-708D-4A0C-A70F-DE2D1E4B3EE8}" type="slidenum">
+            <a:fld id="{FD21F058-C3E5-468D-9DDB-D9378EB13CB7}" type="slidenum">
               <a:t>47</a:t>
             </a:fld>
           </a:p>
@@ -45722,7 +46022,7 @@
       </p:grpSpPr>
       <p:sp>
         <p:nvSpPr>
-          <p:cNvPr id="541" name="PlaceHolder 1"/>
+          <p:cNvPr id="546" name="PlaceHolder 1"/>
           <p:cNvSpPr>
             <a:spLocks noGrp="1"/>
           </p:cNvSpPr>
@@ -45948,7 +46248,7 @@
       </p:sp>
       <p:pic>
         <p:nvPicPr>
-          <p:cNvPr id="542" name="" descr=""/>
+          <p:cNvPr id="547" name="" descr=""/>
           <p:cNvPicPr/>
           <p:nvPr/>
         </p:nvPicPr>
@@ -45971,7 +46271,7 @@
       </p:pic>
       <p:sp>
         <p:nvSpPr>
-          <p:cNvPr id="543" name="PlaceHolder 2"/>
+          <p:cNvPr id="548" name="PlaceHolder 2"/>
           <p:cNvSpPr>
             <a:spLocks noGrp="1"/>
           </p:cNvSpPr>
@@ -46062,7 +46362,7 @@
         <p:txBody>
           <a:bodyPr/>
           <a:p>
-            <a:fld id="{C9A835B0-FA7A-48B8-BFE9-390CFED0D5BF}" type="slidenum">
+            <a:fld id="{FE01408F-62B0-4143-A352-DE0D2E796B5A}" type="slidenum">
               <a:t>48</a:t>
             </a:fld>
           </a:p>
@@ -46092,7 +46392,7 @@
       </p:grpSpPr>
       <p:pic>
         <p:nvPicPr>
-          <p:cNvPr id="544" name="" descr=""/>
+          <p:cNvPr id="549" name="" descr=""/>
           <p:cNvPicPr/>
           <p:nvPr/>
         </p:nvPicPr>
@@ -46115,7 +46415,7 @@
       </p:pic>
       <p:sp>
         <p:nvSpPr>
-          <p:cNvPr id="545" name="PlaceHolder 1"/>
+          <p:cNvPr id="550" name="PlaceHolder 1"/>
           <p:cNvSpPr>
             <a:spLocks noGrp="1"/>
           </p:cNvSpPr>
@@ -46206,7 +46506,7 @@
         <p:txBody>
           <a:bodyPr/>
           <a:p>
-            <a:fld id="{320AAFE9-95D3-413C-A3FA-27A5D62DDB1F}" type="slidenum">
+            <a:fld id="{A767F6FE-D637-4981-99E5-D86B4EB263CD}" type="slidenum">
               <a:t>49</a:t>
             </a:fld>
           </a:p>
@@ -46268,7 +46568,7 @@
         <p:txBody>
           <a:bodyPr/>
           <a:p>
-            <a:fld id="{161351FC-365E-4B20-84A2-039EB8A02DBE}" type="slidenum">
+            <a:fld id="{45615286-6D01-4AE0-A395-80C4CF18439A}" type="slidenum">
               <a:t>5</a:t>
             </a:fld>
           </a:p>
@@ -46298,7 +46598,7 @@
       </p:grpSpPr>
       <p:pic>
         <p:nvPicPr>
-          <p:cNvPr id="546" name="" descr=""/>
+          <p:cNvPr id="551" name="" descr=""/>
           <p:cNvPicPr/>
           <p:nvPr/>
         </p:nvPicPr>
@@ -46321,7 +46621,7 @@
       </p:pic>
       <p:sp>
         <p:nvSpPr>
-          <p:cNvPr id="547" name="PlaceHolder 1"/>
+          <p:cNvPr id="552" name="PlaceHolder 1"/>
           <p:cNvSpPr>
             <a:spLocks noGrp="1"/>
           </p:cNvSpPr>
@@ -46412,7 +46712,7 @@
         <p:txBody>
           <a:bodyPr/>
           <a:p>
-            <a:fld id="{7D4200BC-01C0-42BF-A273-207804770394}" type="slidenum">
+            <a:fld id="{E1D2B7DA-9FA3-4FF8-A85F-E69979A7FF18}" type="slidenum">
               <a:t>50</a:t>
             </a:fld>
           </a:p>
@@ -46442,7 +46742,7 @@
       </p:grpSpPr>
       <p:pic>
         <p:nvPicPr>
-          <p:cNvPr id="548" name="" descr=""/>
+          <p:cNvPr id="553" name="" descr=""/>
           <p:cNvPicPr/>
           <p:nvPr/>
         </p:nvPicPr>
@@ -46465,7 +46765,7 @@
       </p:pic>
       <p:sp>
         <p:nvSpPr>
-          <p:cNvPr id="549" name="PlaceHolder 1"/>
+          <p:cNvPr id="554" name="PlaceHolder 1"/>
           <p:cNvSpPr>
             <a:spLocks noGrp="1"/>
           </p:cNvSpPr>
@@ -46736,7 +47036,7 @@
       </p:sp>
       <p:sp>
         <p:nvSpPr>
-          <p:cNvPr id="550" name="PlaceHolder 2"/>
+          <p:cNvPr id="555" name="PlaceHolder 2"/>
           <p:cNvSpPr>
             <a:spLocks noGrp="1"/>
           </p:cNvSpPr>
@@ -46827,7 +47127,7 @@
         <p:txBody>
           <a:bodyPr/>
           <a:p>
-            <a:fld id="{08A3CF3E-2B52-42F1-8510-F314DAE7C407}" type="slidenum">
+            <a:fld id="{1B7886DF-6386-4F92-9437-F2AD217D9561}" type="slidenum">
               <a:t>51</a:t>
             </a:fld>
           </a:p>
@@ -46857,7 +47157,7 @@
       </p:grpSpPr>
       <p:sp>
         <p:nvSpPr>
-          <p:cNvPr id="551" name="PlaceHolder 1"/>
+          <p:cNvPr id="556" name="PlaceHolder 1"/>
           <p:cNvSpPr>
             <a:spLocks noGrp="1"/>
           </p:cNvSpPr>
@@ -46904,7 +47204,7 @@
       </p:sp>
       <p:sp>
         <p:nvSpPr>
-          <p:cNvPr id="552" name="PlaceHolder 2"/>
+          <p:cNvPr id="557" name="PlaceHolder 2"/>
           <p:cNvSpPr>
             <a:spLocks noGrp="1"/>
           </p:cNvSpPr>
@@ -47004,7 +47304,7 @@
         <p:txBody>
           <a:bodyPr/>
           <a:p>
-            <a:fld id="{738D6735-07EE-40DE-A2F8-51756C37C31D}" type="slidenum">
+            <a:fld id="{71063617-8189-4900-8217-74CD2A8B6620}" type="slidenum">
               <a:t>52</a:t>
             </a:fld>
           </a:p>
@@ -47034,7 +47334,7 @@
       </p:grpSpPr>
       <p:sp>
         <p:nvSpPr>
-          <p:cNvPr id="553" name="PlaceHolder 1"/>
+          <p:cNvPr id="558" name="PlaceHolder 1"/>
           <p:cNvSpPr>
             <a:spLocks noGrp="1"/>
           </p:cNvSpPr>
@@ -47044,8 +47344,8 @@
         </p:nvSpPr>
         <p:spPr>
           <a:xfrm>
-            <a:off x="609480" y="1590480"/>
-            <a:ext cx="10972440" cy="4525560"/>
+            <a:off x="609480" y="1828800"/>
+            <a:ext cx="10972440" cy="4287240"/>
           </a:xfrm>
           <a:prstGeom prst="rect">
             <a:avLst/>
@@ -47260,7 +47560,7 @@
       </p:sp>
       <p:sp>
         <p:nvSpPr>
-          <p:cNvPr id="554" name="PlaceHolder 2"/>
+          <p:cNvPr id="559" name="PlaceHolder 2"/>
           <p:cNvSpPr>
             <a:spLocks noGrp="1"/>
           </p:cNvSpPr>
@@ -47369,7 +47669,7 @@
         <p:txBody>
           <a:bodyPr/>
           <a:p>
-            <a:fld id="{D1C14939-DAEF-4F8F-82FF-B52015A1E5D2}" type="slidenum">
+            <a:fld id="{1A86EDA4-F915-4B2C-A3AE-51C3FA25B812}" type="slidenum">
               <a:t>53</a:t>
             </a:fld>
           </a:p>
@@ -47399,7 +47699,7 @@
       </p:grpSpPr>
       <p:sp>
         <p:nvSpPr>
-          <p:cNvPr id="555" name="PlaceHolder 1"/>
+          <p:cNvPr id="560" name="PlaceHolder 1"/>
           <p:cNvSpPr>
             <a:spLocks noGrp="1"/>
           </p:cNvSpPr>
@@ -47595,7 +47895,7 @@
         <p:txBody>
           <a:bodyPr/>
           <a:p>
-            <a:fld id="{C0D14C9A-374C-405E-979C-9EEA33133EF4}" type="slidenum">
+            <a:fld id="{FF95ED53-1D61-4B47-BE50-21ADE470186D}" type="slidenum">
               <a:t>54</a:t>
             </a:fld>
           </a:p>
@@ -47625,7 +47925,7 @@
       </p:grpSpPr>
       <p:sp>
         <p:nvSpPr>
-          <p:cNvPr id="556" name="PlaceHolder 1"/>
+          <p:cNvPr id="561" name="PlaceHolder 1"/>
           <p:cNvSpPr>
             <a:spLocks noGrp="1"/>
           </p:cNvSpPr>
@@ -47865,7 +48165,7 @@
         <p:txBody>
           <a:bodyPr/>
           <a:p>
-            <a:fld id="{3DFD8C6E-7295-47EA-ACCD-5AB671A8C1D2}" type="slidenum">
+            <a:fld id="{85A312E6-B4B4-4D73-B05D-1ABA0CEB40BA}" type="slidenum">
               <a:t>55</a:t>
             </a:fld>
           </a:p>
@@ -47927,7 +48227,7 @@
         <p:txBody>
           <a:bodyPr/>
           <a:p>
-            <a:fld id="{59316399-5B8A-43DC-9333-AECC13BBBD3B}" type="slidenum">
+            <a:fld id="{9FB565B8-920A-4649-A200-D443CE9BD363}" type="slidenum">
               <a:t>56</a:t>
             </a:fld>
           </a:p>
@@ -47957,7 +48257,7 @@
       </p:grpSpPr>
       <p:sp>
         <p:nvSpPr>
-          <p:cNvPr id="557" name="PlaceHolder 1"/>
+          <p:cNvPr id="562" name="PlaceHolder 1"/>
           <p:cNvSpPr>
             <a:spLocks noGrp="1"/>
           </p:cNvSpPr>
@@ -48016,7 +48316,7 @@
       </p:sp>
       <p:sp>
         <p:nvSpPr>
-          <p:cNvPr id="558" name="PlaceHolder 2"/>
+          <p:cNvPr id="563" name="PlaceHolder 2"/>
           <p:cNvSpPr>
             <a:spLocks noGrp="1"/>
           </p:cNvSpPr>
@@ -48402,7 +48702,7 @@
         <p:txBody>
           <a:bodyPr/>
           <a:p>
-            <a:fld id="{3ACD3E67-2F62-4752-9B61-D18B41EB0442}" type="slidenum">
+            <a:fld id="{17C2DD58-3B28-46AA-863E-FFBAAED90667}" type="slidenum">
               <a:t>57</a:t>
             </a:fld>
           </a:p>
@@ -48432,7 +48732,7 @@
       </p:grpSpPr>
       <p:sp>
         <p:nvSpPr>
-          <p:cNvPr id="559" name="PlaceHolder 1"/>
+          <p:cNvPr id="564" name="PlaceHolder 1"/>
           <p:cNvSpPr>
             <a:spLocks noGrp="1"/>
           </p:cNvSpPr>
@@ -48491,7 +48791,7 @@
       </p:sp>
       <p:pic>
         <p:nvPicPr>
-          <p:cNvPr id="560" name="" descr=""/>
+          <p:cNvPr id="565" name="" descr=""/>
           <p:cNvPicPr/>
           <p:nvPr/>
         </p:nvPicPr>
@@ -48514,7 +48814,7 @@
       </p:pic>
       <p:sp>
         <p:nvSpPr>
-          <p:cNvPr id="561" name="PlaceHolder 2"/>
+          <p:cNvPr id="566" name="PlaceHolder 2"/>
           <p:cNvSpPr>
             <a:spLocks noGrp="1"/>
           </p:cNvSpPr>
@@ -48839,7 +49139,7 @@
         <p:txBody>
           <a:bodyPr/>
           <a:p>
-            <a:fld id="{F837789C-E558-42E3-B9EB-6BF3C7693E93}" type="slidenum">
+            <a:fld id="{AF8FF1B5-517E-4884-B0B9-F0E66F405619}" type="slidenum">
               <a:t>58</a:t>
             </a:fld>
           </a:p>
@@ -48869,7 +49169,7 @@
       </p:grpSpPr>
       <p:sp>
         <p:nvSpPr>
-          <p:cNvPr id="562" name="PlaceHolder 1"/>
+          <p:cNvPr id="567" name="PlaceHolder 1"/>
           <p:cNvSpPr>
             <a:spLocks noGrp="1"/>
           </p:cNvSpPr>
@@ -49182,7 +49482,7 @@
       </p:sp>
       <p:sp>
         <p:nvSpPr>
-          <p:cNvPr id="563" name="PlaceHolder 2"/>
+          <p:cNvPr id="568" name="PlaceHolder 2"/>
           <p:cNvSpPr>
             <a:spLocks noGrp="1"/>
           </p:cNvSpPr>
@@ -49241,7 +49541,7 @@
       </p:sp>
       <p:pic>
         <p:nvPicPr>
-          <p:cNvPr id="564" name="" descr=""/>
+          <p:cNvPr id="569" name="" descr=""/>
           <p:cNvPicPr/>
           <p:nvPr/>
         </p:nvPicPr>
@@ -49296,7 +49596,7 @@
         <p:txBody>
           <a:bodyPr/>
           <a:p>
-            <a:fld id="{4202F2ED-D53C-48CE-BB10-1DF28A6B7FB5}" type="slidenum">
+            <a:fld id="{3EF0E6C7-679A-4C08-9910-B0A81BB6EE3B}" type="slidenum">
               <a:t>59</a:t>
             </a:fld>
           </a:p>
@@ -49816,7 +50116,7 @@
         <p:txBody>
           <a:bodyPr/>
           <a:p>
-            <a:fld id="{58235352-A875-4BFD-A0DF-4679FD225CB8}" type="slidenum">
+            <a:fld id="{9F6269F4-AB69-4253-875C-5CEF5C201CBA}" type="slidenum">
               <a:t>6</a:t>
             </a:fld>
           </a:p>
@@ -49846,7 +50146,7 @@
       </p:grpSpPr>
       <p:sp>
         <p:nvSpPr>
-          <p:cNvPr id="565" name="PlaceHolder 1"/>
+          <p:cNvPr id="570" name="PlaceHolder 1"/>
           <p:cNvSpPr>
             <a:spLocks noGrp="1"/>
           </p:cNvSpPr>
@@ -49905,7 +50205,7 @@
       </p:sp>
       <p:pic>
         <p:nvPicPr>
-          <p:cNvPr id="566" name="" descr=""/>
+          <p:cNvPr id="571" name="" descr=""/>
           <p:cNvPicPr/>
           <p:nvPr/>
         </p:nvPicPr>
@@ -49928,7 +50228,7 @@
       </p:pic>
       <p:sp>
         <p:nvSpPr>
-          <p:cNvPr id="567" name="PlaceHolder 2"/>
+          <p:cNvPr id="572" name="PlaceHolder 2"/>
           <p:cNvSpPr>
             <a:spLocks noGrp="1"/>
           </p:cNvSpPr>
@@ -50119,7 +50419,7 @@
         <p:txBody>
           <a:bodyPr/>
           <a:p>
-            <a:fld id="{47EE3A25-1DF3-4EA9-B3B4-F4569EC7815D}" type="slidenum">
+            <a:fld id="{AB7FAE71-C7EB-4943-B3EC-26AF06857894}" type="slidenum">
               <a:t>60</a:t>
             </a:fld>
           </a:p>
@@ -50149,7 +50449,7 @@
       </p:grpSpPr>
       <p:sp>
         <p:nvSpPr>
-          <p:cNvPr id="568" name="PlaceHolder 1"/>
+          <p:cNvPr id="573" name="PlaceHolder 1"/>
           <p:cNvSpPr>
             <a:spLocks noGrp="1"/>
           </p:cNvSpPr>
@@ -50520,7 +50820,7 @@
       </p:sp>
       <p:pic>
         <p:nvPicPr>
-          <p:cNvPr id="569" name="" descr=""/>
+          <p:cNvPr id="574" name="" descr=""/>
           <p:cNvPicPr/>
           <p:nvPr/>
         </p:nvPicPr>
@@ -50543,7 +50843,7 @@
       </p:pic>
       <p:sp>
         <p:nvSpPr>
-          <p:cNvPr id="570" name="PlaceHolder 2"/>
+          <p:cNvPr id="575" name="PlaceHolder 2"/>
           <p:cNvSpPr>
             <a:spLocks noGrp="1"/>
           </p:cNvSpPr>
@@ -50602,7 +50902,7 @@
       </p:sp>
       <p:pic>
         <p:nvPicPr>
-          <p:cNvPr id="571" name="" descr=""/>
+          <p:cNvPr id="576" name="" descr=""/>
           <p:cNvPicPr/>
           <p:nvPr/>
         </p:nvPicPr>
@@ -50612,7 +50912,7 @@
         </p:blipFill>
         <p:spPr>
           <a:xfrm>
-            <a:off x="9982440" y="3200400"/>
+            <a:off x="10058400" y="2743200"/>
             <a:ext cx="2133360" cy="1952280"/>
           </a:xfrm>
           <a:prstGeom prst="rect">
@@ -50625,7 +50925,7 @@
       </p:pic>
       <p:sp>
         <p:nvSpPr>
-          <p:cNvPr id="572" name="PlaceHolder 3"/>
+          <p:cNvPr id="577" name="PlaceHolder 3"/>
           <p:cNvSpPr>
             <a:spLocks noGrp="1"/>
           </p:cNvSpPr>
@@ -50712,7 +51012,7 @@
         <p:txBody>
           <a:bodyPr/>
           <a:p>
-            <a:fld id="{DE37DD8D-5C52-4A6D-A121-D77200799077}" type="slidenum">
+            <a:fld id="{39CB27BC-99A3-43B9-97F8-F6C7DDB1FC48}" type="slidenum">
               <a:t>61</a:t>
             </a:fld>
           </a:p>
@@ -50774,7 +51074,7 @@
         <p:txBody>
           <a:bodyPr/>
           <a:p>
-            <a:fld id="{AD1593A4-AA7B-4F24-BE5B-257E3731058E}" type="slidenum">
+            <a:fld id="{E036FBCC-8D35-4DC0-9029-9501ECF3B588}" type="slidenum">
               <a:t>62</a:t>
             </a:fld>
           </a:p>
@@ -50859,7 +51159,7 @@
         <p:txBody>
           <a:bodyPr/>
           <a:p>
-            <a:fld id="{8DD505DB-DBE8-4EE4-9A7D-EB7168165B58}" type="slidenum">
+            <a:fld id="{777BC917-A8F4-43D4-B9FF-59865D771B21}" type="slidenum">
               <a:t>7</a:t>
             </a:fld>
           </a:p>
@@ -50915,13 +51215,14 @@
             <a:noAutofit/>
           </a:bodyPr>
           <a:p>
-            <a:pPr marL="343080" indent="0">
+            <a:pPr indent="0">
               <a:lnSpc>
                 <a:spcPct val="100000"/>
               </a:lnSpc>
               <a:spcBef>
                 <a:spcPts val="641"/>
               </a:spcBef>
+              <a:buNone/>
             </a:pPr>
             <a:br>
               <a:rPr sz="3200"/>
@@ -50999,13 +51300,14 @@
             </a:endParaRPr>
           </a:p>
           <a:p>
-            <a:pPr marL="343080" indent="0">
+            <a:pPr indent="0">
               <a:lnSpc>
                 <a:spcPct val="100000"/>
               </a:lnSpc>
               <a:spcBef>
                 <a:spcPts val="641"/>
               </a:spcBef>
+              <a:buNone/>
             </a:pPr>
             <a:r>
               <a:rPr b="0" lang="en-US" sz="3200" spc="-1" strike="noStrike">
@@ -51231,7 +51533,7 @@
         <p:txBody>
           <a:bodyPr/>
           <a:p>
-            <a:fld id="{24D7C70D-9784-4778-8E18-613192EDF1D8}" type="slidenum">
+            <a:fld id="{2FBB9570-C5EC-44F9-9C3C-678710873337}" type="slidenum">
               <a:t>8</a:t>
             </a:fld>
           </a:p>
@@ -51293,7 +51595,7 @@
         <p:txBody>
           <a:bodyPr/>
           <a:p>
-            <a:fld id="{7096B0B9-6D01-4AF9-8F6B-FC4991995062}" type="slidenum">
+            <a:fld id="{B34D5452-0448-4B53-96B8-AEE4AE0AD9C3}" type="slidenum">
               <a:t>9</a:t>
             </a:fld>
           </a:p>

--- a/2023/presentations/torforzvm.pptx
+++ b/2023/presentations/torforzvm.pptx
@@ -407,7 +407,7 @@
             <a:pPr indent="0" algn="r">
               <a:buNone/>
             </a:pPr>
-            <a:fld id="{8DF356CC-616A-41FD-9F3C-2CBC40052C80}" type="slidenum">
+            <a:fld id="{177C55C9-9ADA-484C-969B-8E50D9CFECFB}" type="slidenum">
               <a:rPr b="0" lang="en-US" sz="1400" spc="-1" strike="noStrike">
                 <a:solidFill>
                   <a:srgbClr val="000000"/>
@@ -560,7 +560,7 @@
               </a:lnSpc>
               <a:buNone/>
             </a:pPr>
-            <a:fld id="{854F1DD7-5D81-4B41-8248-00EEB2835C23}" type="slidenum">
+            <a:fld id="{FBC0A6FB-F366-4660-B3AD-AE0561F06091}" type="slidenum">
               <a:rPr b="0" lang="en-US" sz="1200" spc="-1" strike="noStrike">
                 <a:solidFill>
                   <a:srgbClr val="000000"/>
@@ -7672,7 +7672,7 @@
         <p:txBody>
           <a:bodyPr/>
           <a:p>
-            <a:fld id="{372E3E64-ABB2-4227-AD94-1BE81879FEFF}" type="slidenum">
+            <a:fld id="{53E0A6F1-0A37-4335-9FD4-0F4789BC4A09}" type="slidenum">
               <a:t>&lt;#&gt;</a:t>
             </a:fld>
           </a:p>
@@ -7860,7 +7860,7 @@
         <p:txBody>
           <a:bodyPr/>
           <a:p>
-            <a:fld id="{E4D4320B-B7EE-4F8F-86A2-3689ED3483BC}" type="slidenum">
+            <a:fld id="{525E666A-E531-4A26-BAEB-919507C2AFDB}" type="slidenum">
               <a:t>&lt;#&gt;</a:t>
             </a:fld>
           </a:p>
@@ -8048,7 +8048,7 @@
         <p:txBody>
           <a:bodyPr/>
           <a:p>
-            <a:fld id="{9BDBDB99-0797-46F2-B18B-5AB945BB5C02}" type="slidenum">
+            <a:fld id="{38DFBCAB-F03F-4DCE-9F7A-0D2ECA829579}" type="slidenum">
               <a:t>&lt;#&gt;</a:t>
             </a:fld>
           </a:p>
@@ -8150,7 +8150,7 @@
         <p:txBody>
           <a:bodyPr/>
           <a:p>
-            <a:fld id="{55554EDB-253C-484A-9CA2-7C3BA5EABFF8}" type="slidenum">
+            <a:fld id="{1B6C44D6-6A2D-45DC-94AB-E5F410C830B8}" type="slidenum">
               <a:t>&lt;#&gt;</a:t>
             </a:fld>
           </a:p>
@@ -8250,7 +8250,7 @@
         <p:txBody>
           <a:bodyPr/>
           <a:p>
-            <a:fld id="{0388DF53-BFD1-4DF8-A48B-BB555BADBA88}" type="slidenum">
+            <a:fld id="{5FCB7C96-E81D-40F7-BEAB-01B01BBB97E8}" type="slidenum">
               <a:t>&lt;#&gt;</a:t>
             </a:fld>
           </a:p>
@@ -8481,7 +8481,7 @@
         <p:txBody>
           <a:bodyPr/>
           <a:p>
-            <a:fld id="{0D5C21AB-39E9-4211-A016-CC56FF827ADE}" type="slidenum">
+            <a:fld id="{9BC84F08-CEA2-4C15-A80D-C0AD46FCC161}" type="slidenum">
               <a:t>&lt;#&gt;</a:t>
             </a:fld>
           </a:p>
@@ -8712,7 +8712,7 @@
         <p:txBody>
           <a:bodyPr/>
           <a:p>
-            <a:fld id="{E632EC52-4E97-4482-84D4-C3EBA6051E83}" type="slidenum">
+            <a:fld id="{A51D24F0-B5BB-407F-BBC3-60C6BD578D0D}" type="slidenum">
               <a:t>&lt;#&gt;</a:t>
             </a:fld>
           </a:p>
@@ -8943,7 +8943,7 @@
         <p:txBody>
           <a:bodyPr/>
           <a:p>
-            <a:fld id="{CBF1979D-4EE2-4E0A-8C6C-96D69739652E}" type="slidenum">
+            <a:fld id="{8A1304D5-5809-43E9-B05F-04EB94989C58}" type="slidenum">
               <a:t>&lt;#&gt;</a:t>
             </a:fld>
           </a:p>
@@ -9131,7 +9131,7 @@
         <p:txBody>
           <a:bodyPr/>
           <a:p>
-            <a:fld id="{251C2462-300F-48AA-BAD2-69DB8A51DE4C}" type="slidenum">
+            <a:fld id="{342748C3-32C8-4F23-8D29-2ED5D04A8468}" type="slidenum">
               <a:t>&lt;#&gt;</a:t>
             </a:fld>
           </a:p>
@@ -9405,7 +9405,7 @@
         <p:txBody>
           <a:bodyPr/>
           <a:p>
-            <a:fld id="{49C168A0-23EC-493F-AC49-FDDE6929C2EE}" type="slidenum">
+            <a:fld id="{EEFEF6B3-0C49-451F-9E60-D3D11AAD0735}" type="slidenum">
               <a:t>&lt;#&gt;</a:t>
             </a:fld>
           </a:p>
@@ -9765,7 +9765,7 @@
         <p:txBody>
           <a:bodyPr/>
           <a:p>
-            <a:fld id="{4AA6C414-BD05-425F-BC50-650031CF2B4A}" type="slidenum">
+            <a:fld id="{ED60C316-0EE9-411C-9D73-373FC9C15D4B}" type="slidenum">
               <a:t>&lt;#&gt;</a:t>
             </a:fld>
           </a:p>
@@ -10039,7 +10039,7 @@
         <p:txBody>
           <a:bodyPr/>
           <a:p>
-            <a:fld id="{B499B614-A9CF-47E2-AB36-A9F3C7A5BEE2}" type="slidenum">
+            <a:fld id="{E02CA78F-77FD-4F18-B5CE-E323BDE71BA6}" type="slidenum">
               <a:t>&lt;#&gt;</a:t>
             </a:fld>
           </a:p>
@@ -10399,7 +10399,7 @@
         <p:txBody>
           <a:bodyPr/>
           <a:p>
-            <a:fld id="{6F1B6297-D48E-4A8A-81F6-E4D9052BC397}" type="slidenum">
+            <a:fld id="{EE54F42C-4109-4CD2-82FA-EC42944409C6}" type="slidenum">
               <a:t>&lt;#&gt;</a:t>
             </a:fld>
           </a:p>
@@ -10461,7 +10461,7 @@
         <p:txBody>
           <a:bodyPr/>
           <a:p>
-            <a:fld id="{E4613306-8A31-40C2-8BD6-CDB5592C073D}" type="slidenum">
+            <a:fld id="{E64EEC08-9DC4-4734-A92C-9B41B78E52F1}" type="slidenum">
               <a:t>&lt;#&gt;</a:t>
             </a:fld>
           </a:p>
@@ -10603,7 +10603,7 @@
         <p:txBody>
           <a:bodyPr/>
           <a:p>
-            <a:fld id="{475B039A-4B29-4483-BBFE-5E3235396244}" type="slidenum">
+            <a:fld id="{A3D4B7AE-8543-4953-88BD-0CEAEAB6D782}" type="slidenum">
               <a:t>&lt;#&gt;</a:t>
             </a:fld>
           </a:p>
@@ -10748,7 +10748,7 @@
         <p:txBody>
           <a:bodyPr/>
           <a:p>
-            <a:fld id="{B8AC283C-EFD9-481E-BD67-FFC3145CAA57}" type="slidenum">
+            <a:fld id="{2A294FCA-2810-4B59-B381-DDB8403D8863}" type="slidenum">
               <a:t>&lt;#&gt;</a:t>
             </a:fld>
           </a:p>
@@ -10936,7 +10936,7 @@
         <p:txBody>
           <a:bodyPr/>
           <a:p>
-            <a:fld id="{282D8979-87A7-426D-B6A8-128F86A432E6}" type="slidenum">
+            <a:fld id="{45A65ECE-3AE0-4C61-A42A-3F2F5948A721}" type="slidenum">
               <a:t>&lt;#&gt;</a:t>
             </a:fld>
           </a:p>
@@ -11038,7 +11038,7 @@
         <p:txBody>
           <a:bodyPr/>
           <a:p>
-            <a:fld id="{44BD5ED0-EBCD-40CD-8CE6-659B361FD77F}" type="slidenum">
+            <a:fld id="{491D3577-A7A2-4839-A54A-6C4736E6A767}" type="slidenum">
               <a:t>&lt;#&gt;</a:t>
             </a:fld>
           </a:p>
@@ -11138,7 +11138,7 @@
         <p:txBody>
           <a:bodyPr/>
           <a:p>
-            <a:fld id="{37C04D5C-FA87-4438-92A0-061D4A5D05F4}" type="slidenum">
+            <a:fld id="{C5619E95-3476-4FB7-9602-ABDC002868F2}" type="slidenum">
               <a:t>&lt;#&gt;</a:t>
             </a:fld>
           </a:p>
@@ -11369,7 +11369,7 @@
         <p:txBody>
           <a:bodyPr/>
           <a:p>
-            <a:fld id="{0B5456EC-8601-4B90-9C06-DBB8E9FCB50F}" type="slidenum">
+            <a:fld id="{93168320-A52A-4280-A492-57CA904C5D03}" type="slidenum">
               <a:t>&lt;#&gt;</a:t>
             </a:fld>
           </a:p>
@@ -11511,7 +11511,7 @@
         <p:txBody>
           <a:bodyPr/>
           <a:p>
-            <a:fld id="{F49461C2-5A9F-4E96-A3A4-41C22DD05309}" type="slidenum">
+            <a:fld id="{231928FD-E25C-406D-A830-E80246531EA9}" type="slidenum">
               <a:t>&lt;#&gt;</a:t>
             </a:fld>
           </a:p>
@@ -11742,7 +11742,7 @@
         <p:txBody>
           <a:bodyPr/>
           <a:p>
-            <a:fld id="{DF74C6A5-D460-4A92-A873-18F8CD299659}" type="slidenum">
+            <a:fld id="{4B2263CF-1D89-44BB-A62F-33BB911DF4A1}" type="slidenum">
               <a:t>&lt;#&gt;</a:t>
             </a:fld>
           </a:p>
@@ -11973,7 +11973,7 @@
         <p:txBody>
           <a:bodyPr/>
           <a:p>
-            <a:fld id="{32BE62B3-A160-4262-9433-2918F4AE8BB5}" type="slidenum">
+            <a:fld id="{3596EFE2-3600-43B6-B912-06B91A6E3BAD}" type="slidenum">
               <a:t>&lt;#&gt;</a:t>
             </a:fld>
           </a:p>
@@ -12161,7 +12161,7 @@
         <p:txBody>
           <a:bodyPr/>
           <a:p>
-            <a:fld id="{4D744FDF-25FC-420F-A49C-D4220D50C060}" type="slidenum">
+            <a:fld id="{8E10BDC0-801A-4B56-B4E1-C6164CBDD261}" type="slidenum">
               <a:t>&lt;#&gt;</a:t>
             </a:fld>
           </a:p>
@@ -12435,7 +12435,7 @@
         <p:txBody>
           <a:bodyPr/>
           <a:p>
-            <a:fld id="{C0F22B18-4D73-41A3-8C12-6B76FC1A3BFE}" type="slidenum">
+            <a:fld id="{9D16D9F8-B1EA-4031-A93D-96D5BD81577F}" type="slidenum">
               <a:t>&lt;#&gt;</a:t>
             </a:fld>
           </a:p>
@@ -12795,7 +12795,7 @@
         <p:txBody>
           <a:bodyPr/>
           <a:p>
-            <a:fld id="{49B5A2F7-4F68-41B1-A90B-4D76D3FCA446}" type="slidenum">
+            <a:fld id="{BDAA5F75-5C97-4C37-8971-78156897AB8B}" type="slidenum">
               <a:t>&lt;#&gt;</a:t>
             </a:fld>
           </a:p>
@@ -12857,7 +12857,7 @@
         <p:txBody>
           <a:bodyPr/>
           <a:p>
-            <a:fld id="{E12E1319-6E19-489B-91D5-CB479F6ED804}" type="slidenum">
+            <a:fld id="{D24B136D-A204-48C1-8E46-62F248C611BC}" type="slidenum">
               <a:t>&lt;#&gt;</a:t>
             </a:fld>
           </a:p>
@@ -12999,7 +12999,7 @@
         <p:txBody>
           <a:bodyPr/>
           <a:p>
-            <a:fld id="{F3C2733C-41A9-46CE-85A2-E93E5FCEB958}" type="slidenum">
+            <a:fld id="{C84AC937-1B91-4A8A-997D-7F935D49757C}" type="slidenum">
               <a:t>&lt;#&gt;</a:t>
             </a:fld>
           </a:p>
@@ -13144,7 +13144,7 @@
         <p:txBody>
           <a:bodyPr/>
           <a:p>
-            <a:fld id="{F02AC917-4F89-4653-9D47-CA4209E7D302}" type="slidenum">
+            <a:fld id="{E0031ACA-639A-45CB-AD58-674638E0223F}" type="slidenum">
               <a:t>&lt;#&gt;</a:t>
             </a:fld>
           </a:p>
@@ -13332,7 +13332,7 @@
         <p:txBody>
           <a:bodyPr/>
           <a:p>
-            <a:fld id="{919F4E0A-F52E-4F7C-BE4F-D8F4F56A0D88}" type="slidenum">
+            <a:fld id="{2B70E448-A95C-4EE0-BAE6-FDCA639EAAEE}" type="slidenum">
               <a:t>&lt;#&gt;</a:t>
             </a:fld>
           </a:p>
@@ -13434,7 +13434,7 @@
         <p:txBody>
           <a:bodyPr/>
           <a:p>
-            <a:fld id="{F85572A5-2EAC-48BD-B595-8BA9B10AAE94}" type="slidenum">
+            <a:fld id="{3FF62DB4-ABBB-4E1F-ACA4-DADBAE6CDE4F}" type="slidenum">
               <a:t>&lt;#&gt;</a:t>
             </a:fld>
           </a:p>
@@ -13579,7 +13579,7 @@
         <p:txBody>
           <a:bodyPr/>
           <a:p>
-            <a:fld id="{2FBF49B1-193D-4212-9B13-0496DF39C3F4}" type="slidenum">
+            <a:fld id="{0FFA8D83-73FE-4A48-B718-783641B9D6A7}" type="slidenum">
               <a:t>&lt;#&gt;</a:t>
             </a:fld>
           </a:p>
@@ -13679,7 +13679,7 @@
         <p:txBody>
           <a:bodyPr/>
           <a:p>
-            <a:fld id="{76F6C619-FF3C-4B11-B0E4-AC0335A9DE05}" type="slidenum">
+            <a:fld id="{336B0B06-DB88-424E-A8C6-0D32F1A9445F}" type="slidenum">
               <a:t>&lt;#&gt;</a:t>
             </a:fld>
           </a:p>
@@ -13910,7 +13910,7 @@
         <p:txBody>
           <a:bodyPr/>
           <a:p>
-            <a:fld id="{A06E35C0-BFEB-4DFB-8BE3-F177546B4AD6}" type="slidenum">
+            <a:fld id="{91EAB8BF-2F99-4706-81D5-F18121246FD5}" type="slidenum">
               <a:t>&lt;#&gt;</a:t>
             </a:fld>
           </a:p>
@@ -14141,7 +14141,7 @@
         <p:txBody>
           <a:bodyPr/>
           <a:p>
-            <a:fld id="{C75C7329-86EA-4DFA-9D3D-998F384AA6BE}" type="slidenum">
+            <a:fld id="{2DF9F07E-0881-4101-9F07-32DF4C1EB48E}" type="slidenum">
               <a:t>&lt;#&gt;</a:t>
             </a:fld>
           </a:p>
@@ -14372,7 +14372,7 @@
         <p:txBody>
           <a:bodyPr/>
           <a:p>
-            <a:fld id="{CF1C0E79-475C-45AF-81F4-1A7DBF15E148}" type="slidenum">
+            <a:fld id="{7944CFE6-C0C7-47F7-9707-FA0842B943DB}" type="slidenum">
               <a:t>&lt;#&gt;</a:t>
             </a:fld>
           </a:p>
@@ -14560,7 +14560,7 @@
         <p:txBody>
           <a:bodyPr/>
           <a:p>
-            <a:fld id="{789DF2B2-3573-47A5-A98C-613D16E0ED88}" type="slidenum">
+            <a:fld id="{616E2C44-55FA-4B82-9A0A-9511693F3D5B}" type="slidenum">
               <a:t>&lt;#&gt;</a:t>
             </a:fld>
           </a:p>
@@ -14834,7 +14834,7 @@
         <p:txBody>
           <a:bodyPr/>
           <a:p>
-            <a:fld id="{E6B386BD-9435-4018-8ED4-3E437B9F920C}" type="slidenum">
+            <a:fld id="{FDF1297D-84D5-4C3E-B6DE-55ADFD79DBBE}" type="slidenum">
               <a:t>&lt;#&gt;</a:t>
             </a:fld>
           </a:p>
@@ -15194,7 +15194,7 @@
         <p:txBody>
           <a:bodyPr/>
           <a:p>
-            <a:fld id="{C437D3DD-82CA-4800-A48C-5C5D362B6821}" type="slidenum">
+            <a:fld id="{36C67929-5BE5-415A-A62C-DBB7CC3232AE}" type="slidenum">
               <a:t>&lt;#&gt;</a:t>
             </a:fld>
           </a:p>
@@ -15256,7 +15256,7 @@
         <p:txBody>
           <a:bodyPr/>
           <a:p>
-            <a:fld id="{4ADA50E1-CB8E-4149-B81D-35C806F1755C}" type="slidenum">
+            <a:fld id="{19FF0609-590E-42D9-9C51-B12C7E125269}" type="slidenum">
               <a:t>&lt;#&gt;</a:t>
             </a:fld>
           </a:p>
@@ -15398,7 +15398,7 @@
         <p:txBody>
           <a:bodyPr/>
           <a:p>
-            <a:fld id="{91B23149-9669-449E-A369-B215D65754FF}" type="slidenum">
+            <a:fld id="{5544397D-872E-4636-B74E-C86A7B0B2995}" type="slidenum">
               <a:t>&lt;#&gt;</a:t>
             </a:fld>
           </a:p>
@@ -15543,7 +15543,7 @@
         <p:txBody>
           <a:bodyPr/>
           <a:p>
-            <a:fld id="{924CD90F-B011-43D0-B3DC-232D9727DAE6}" type="slidenum">
+            <a:fld id="{3AC27DE3-2E92-4755-8205-79B4B23FB70D}" type="slidenum">
               <a:t>&lt;#&gt;</a:t>
             </a:fld>
           </a:p>
@@ -15731,7 +15731,7 @@
         <p:txBody>
           <a:bodyPr/>
           <a:p>
-            <a:fld id="{E5FA200B-F4D6-421E-A305-01F6F61FCDC0}" type="slidenum">
+            <a:fld id="{0845D850-2826-4B6A-96DA-E7EDC1A8D415}" type="slidenum">
               <a:t>&lt;#&gt;</a:t>
             </a:fld>
           </a:p>
@@ -15919,7 +15919,7 @@
         <p:txBody>
           <a:bodyPr/>
           <a:p>
-            <a:fld id="{D776C3B7-8D24-4665-AF4F-CE642E09C6F6}" type="slidenum">
+            <a:fld id="{945D03A3-BD23-48A2-808E-3DFE90CF601A}" type="slidenum">
               <a:t>&lt;#&gt;</a:t>
             </a:fld>
           </a:p>
@@ -16021,7 +16021,7 @@
         <p:txBody>
           <a:bodyPr/>
           <a:p>
-            <a:fld id="{6DE0DC77-A7A9-4CCA-BCD0-87582D713583}" type="slidenum">
+            <a:fld id="{3CA0AEA3-EED6-4037-B1BC-05121DCE31F9}" type="slidenum">
               <a:t>&lt;#&gt;</a:t>
             </a:fld>
           </a:p>
@@ -16121,7 +16121,7 @@
         <p:txBody>
           <a:bodyPr/>
           <a:p>
-            <a:fld id="{7A845417-7F89-48B8-ADAE-AAD40F1C2430}" type="slidenum">
+            <a:fld id="{E6A428A6-128B-4318-9DF2-A1E5EEB4D386}" type="slidenum">
               <a:t>&lt;#&gt;</a:t>
             </a:fld>
           </a:p>
@@ -16352,7 +16352,7 @@
         <p:txBody>
           <a:bodyPr/>
           <a:p>
-            <a:fld id="{17D27B6E-2559-42B3-BF89-B671E661A45D}" type="slidenum">
+            <a:fld id="{D04CC873-332F-466C-A02D-8B08CC1C0A4E}" type="slidenum">
               <a:t>&lt;#&gt;</a:t>
             </a:fld>
           </a:p>
@@ -16583,7 +16583,7 @@
         <p:txBody>
           <a:bodyPr/>
           <a:p>
-            <a:fld id="{E1E5644D-E06B-4572-8094-157D9DC0BA14}" type="slidenum">
+            <a:fld id="{1E379351-4668-42B3-BB94-38D2BFADFF84}" type="slidenum">
               <a:t>&lt;#&gt;</a:t>
             </a:fld>
           </a:p>
@@ -16814,7 +16814,7 @@
         <p:txBody>
           <a:bodyPr/>
           <a:p>
-            <a:fld id="{D2E10752-4533-42AA-B4FB-7F868D433F71}" type="slidenum">
+            <a:fld id="{094957F8-5525-43BF-B9C9-2202201C3104}" type="slidenum">
               <a:t>&lt;#&gt;</a:t>
             </a:fld>
           </a:p>
@@ -17002,7 +17002,7 @@
         <p:txBody>
           <a:bodyPr/>
           <a:p>
-            <a:fld id="{9A5BFC6D-E018-47FE-B1D2-B54E104EC55B}" type="slidenum">
+            <a:fld id="{00E119D0-3A1B-4111-B789-510963D42C67}" type="slidenum">
               <a:t>&lt;#&gt;</a:t>
             </a:fld>
           </a:p>
@@ -17276,7 +17276,7 @@
         <p:txBody>
           <a:bodyPr/>
           <a:p>
-            <a:fld id="{EF71BDB0-1CD1-4405-A940-9BE39CECBC07}" type="slidenum">
+            <a:fld id="{1E63DA2C-ABB8-4A42-8A76-4B5FCFCD4E05}" type="slidenum">
               <a:t>&lt;#&gt;</a:t>
             </a:fld>
           </a:p>
@@ -17636,7 +17636,7 @@
         <p:txBody>
           <a:bodyPr/>
           <a:p>
-            <a:fld id="{4788A1C5-C30F-48A8-9D88-DDACEC77594F}" type="slidenum">
+            <a:fld id="{B0AA8E73-4AFD-4FBD-8CE3-CE022C330BFA}" type="slidenum">
               <a:t>&lt;#&gt;</a:t>
             </a:fld>
           </a:p>
@@ -17698,7 +17698,7 @@
         <p:txBody>
           <a:bodyPr/>
           <a:p>
-            <a:fld id="{4C6EC2ED-B353-4263-BE22-C526F819A100}" type="slidenum">
+            <a:fld id="{065FE9BC-08EF-4481-A207-A8622520B35A}" type="slidenum">
               <a:t>&lt;#&gt;</a:t>
             </a:fld>
           </a:p>
@@ -17800,7 +17800,7 @@
         <p:txBody>
           <a:bodyPr/>
           <a:p>
-            <a:fld id="{FD5C3587-A00A-4DF9-AF88-8B5316F1ED16}" type="slidenum">
+            <a:fld id="{FC82E604-E8C3-4C02-BE5C-FC96C3F5A77A}" type="slidenum">
               <a:t>&lt;#&gt;</a:t>
             </a:fld>
           </a:p>
@@ -17942,7 +17942,7 @@
         <p:txBody>
           <a:bodyPr/>
           <a:p>
-            <a:fld id="{A19CC63E-918C-425B-A6B0-EAE6C22F1CFC}" type="slidenum">
+            <a:fld id="{3856EDD3-784E-4F33-AB6F-5EC7C1EE8BF4}" type="slidenum">
               <a:t>&lt;#&gt;</a:t>
             </a:fld>
           </a:p>
@@ -18087,7 +18087,7 @@
         <p:txBody>
           <a:bodyPr/>
           <a:p>
-            <a:fld id="{6B858F02-1045-45B8-9CEB-D497AA5C1D71}" type="slidenum">
+            <a:fld id="{C448EC80-CFFD-4BCF-8CB7-9A8B27AF0B14}" type="slidenum">
               <a:t>&lt;#&gt;</a:t>
             </a:fld>
           </a:p>
@@ -18275,7 +18275,7 @@
         <p:txBody>
           <a:bodyPr/>
           <a:p>
-            <a:fld id="{48A5179C-C39F-4300-8C9C-989CE37E34FF}" type="slidenum">
+            <a:fld id="{DA378164-B9A9-415A-9E10-F1D03A4F61F6}" type="slidenum">
               <a:t>&lt;#&gt;</a:t>
             </a:fld>
           </a:p>
@@ -18377,7 +18377,7 @@
         <p:txBody>
           <a:bodyPr/>
           <a:p>
-            <a:fld id="{2B2F0181-7DAC-46EA-A1DF-3C418AB335E7}" type="slidenum">
+            <a:fld id="{19BB0AE7-BD3A-4A65-902A-68025BA09A4E}" type="slidenum">
               <a:t>&lt;#&gt;</a:t>
             </a:fld>
           </a:p>
@@ -18477,7 +18477,7 @@
         <p:txBody>
           <a:bodyPr/>
           <a:p>
-            <a:fld id="{CBF806AA-A1FE-4D85-AA94-6C45DC9994D9}" type="slidenum">
+            <a:fld id="{7A62CB07-5C4C-401D-B420-48332D7167CE}" type="slidenum">
               <a:t>&lt;#&gt;</a:t>
             </a:fld>
           </a:p>
@@ -18708,7 +18708,7 @@
         <p:txBody>
           <a:bodyPr/>
           <a:p>
-            <a:fld id="{B69C70E3-8D20-4E1F-AFFC-8802D86846F9}" type="slidenum">
+            <a:fld id="{F97D2FD9-6E79-4D49-B1F2-2B5200BBEAB1}" type="slidenum">
               <a:t>&lt;#&gt;</a:t>
             </a:fld>
           </a:p>
@@ -18939,7 +18939,7 @@
         <p:txBody>
           <a:bodyPr/>
           <a:p>
-            <a:fld id="{2A2544D9-0EBB-4038-BBC1-3B7C3EC59EEA}" type="slidenum">
+            <a:fld id="{0BE6D324-50BC-479E-975C-AD5C48274108}" type="slidenum">
               <a:t>&lt;#&gt;</a:t>
             </a:fld>
           </a:p>
@@ -19170,7 +19170,7 @@
         <p:txBody>
           <a:bodyPr/>
           <a:p>
-            <a:fld id="{05D36C33-4791-4425-A557-B9A202FD2877}" type="slidenum">
+            <a:fld id="{88275EF8-42E8-4927-9BB2-A61C1BDA0B1A}" type="slidenum">
               <a:t>&lt;#&gt;</a:t>
             </a:fld>
           </a:p>
@@ -19358,7 +19358,7 @@
         <p:txBody>
           <a:bodyPr/>
           <a:p>
-            <a:fld id="{C10C8E3E-47F7-4962-A99E-498B9CFE5BD2}" type="slidenum">
+            <a:fld id="{A4FCDA6B-32C9-4BB2-91D2-AAFF1CA603BC}" type="slidenum">
               <a:t>&lt;#&gt;</a:t>
             </a:fld>
           </a:p>
@@ -19632,7 +19632,7 @@
         <p:txBody>
           <a:bodyPr/>
           <a:p>
-            <a:fld id="{36F61738-5B19-4940-B1AB-CF095E691957}" type="slidenum">
+            <a:fld id="{EDCC759C-46DB-4DD9-A8D9-8B8B53169748}" type="slidenum">
               <a:t>&lt;#&gt;</a:t>
             </a:fld>
           </a:p>
@@ -19732,7 +19732,7 @@
         <p:txBody>
           <a:bodyPr/>
           <a:p>
-            <a:fld id="{37B62625-88ED-499E-81FB-56F70DCCD506}" type="slidenum">
+            <a:fld id="{3AB6D8D8-2F84-4BFA-AD10-606A6F722D90}" type="slidenum">
               <a:t>&lt;#&gt;</a:t>
             </a:fld>
           </a:p>
@@ -20092,7 +20092,7 @@
         <p:txBody>
           <a:bodyPr/>
           <a:p>
-            <a:fld id="{EED57D27-F12D-453F-A861-F3204D599DBD}" type="slidenum">
+            <a:fld id="{6D4542F2-7556-4390-88FD-ADB1081DCC4C}" type="slidenum">
               <a:t>&lt;#&gt;</a:t>
             </a:fld>
           </a:p>
@@ -20154,7 +20154,7 @@
         <p:txBody>
           <a:bodyPr/>
           <a:p>
-            <a:fld id="{46140005-67E7-4652-BFB3-32F5A225D0CD}" type="slidenum">
+            <a:fld id="{22E21E82-5234-4D80-A6AA-5C4071794992}" type="slidenum">
               <a:t>&lt;#&gt;</a:t>
             </a:fld>
           </a:p>
@@ -20296,7 +20296,7 @@
         <p:txBody>
           <a:bodyPr/>
           <a:p>
-            <a:fld id="{F7FC3410-D6E2-46A8-A921-F2FE1A73713A}" type="slidenum">
+            <a:fld id="{B8E5E0DA-37F4-4802-BC1F-2D05958D6C2D}" type="slidenum">
               <a:t>&lt;#&gt;</a:t>
             </a:fld>
           </a:p>
@@ -20441,7 +20441,7 @@
         <p:txBody>
           <a:bodyPr/>
           <a:p>
-            <a:fld id="{7E62C52E-2E79-4931-8024-08F40F9EF3D1}" type="slidenum">
+            <a:fld id="{CEC46A38-5DAB-490A-ADF7-04999F4C0451}" type="slidenum">
               <a:t>&lt;#&gt;</a:t>
             </a:fld>
           </a:p>
@@ -20629,7 +20629,7 @@
         <p:txBody>
           <a:bodyPr/>
           <a:p>
-            <a:fld id="{04AD0CBE-52A8-4814-8EA6-1032AA526937}" type="slidenum">
+            <a:fld id="{C0FB083B-7754-4E96-991D-94F76B501DCD}" type="slidenum">
               <a:t>&lt;#&gt;</a:t>
             </a:fld>
           </a:p>
@@ -20731,7 +20731,7 @@
         <p:txBody>
           <a:bodyPr/>
           <a:p>
-            <a:fld id="{46CE17CD-CCE1-4C6A-9DEC-82512E1C2C14}" type="slidenum">
+            <a:fld id="{EA34994E-2ADF-4DCB-A8F7-FFCAFCD6005C}" type="slidenum">
               <a:t>&lt;#&gt;</a:t>
             </a:fld>
           </a:p>
@@ -20831,7 +20831,7 @@
         <p:txBody>
           <a:bodyPr/>
           <a:p>
-            <a:fld id="{D748B05B-6C2E-4E36-B460-29490B2065B7}" type="slidenum">
+            <a:fld id="{EEB9A39A-FC07-489D-8C52-FA5FF87F08CA}" type="slidenum">
               <a:t>&lt;#&gt;</a:t>
             </a:fld>
           </a:p>
@@ -21062,7 +21062,7 @@
         <p:txBody>
           <a:bodyPr/>
           <a:p>
-            <a:fld id="{77BF8CC4-CA6A-4167-BE2F-455A91E68881}" type="slidenum">
+            <a:fld id="{58056331-6112-4601-8BE9-0914AA77FC46}" type="slidenum">
               <a:t>&lt;#&gt;</a:t>
             </a:fld>
           </a:p>
@@ -21293,7 +21293,7 @@
         <p:txBody>
           <a:bodyPr/>
           <a:p>
-            <a:fld id="{C087DB93-D719-47A9-AEB3-5D40808F7373}" type="slidenum">
+            <a:fld id="{F1F7B969-5BF2-4C06-A087-04168E9FA3A8}" type="slidenum">
               <a:t>&lt;#&gt;</a:t>
             </a:fld>
           </a:p>
@@ -21524,7 +21524,7 @@
         <p:txBody>
           <a:bodyPr/>
           <a:p>
-            <a:fld id="{A316FCA3-AD8F-476C-B0C7-2E188A3CDF03}" type="slidenum">
+            <a:fld id="{65124A42-21F7-4DCA-88C9-5C37850AE562}" type="slidenum">
               <a:t>&lt;#&gt;</a:t>
             </a:fld>
           </a:p>
@@ -21755,7 +21755,7 @@
         <p:txBody>
           <a:bodyPr/>
           <a:p>
-            <a:fld id="{DADF5C88-305B-42CF-B23C-DE107816F810}" type="slidenum">
+            <a:fld id="{85C5EDEC-3BF5-4AA3-A26E-C4263CF1E935}" type="slidenum">
               <a:t>&lt;#&gt;</a:t>
             </a:fld>
           </a:p>
@@ -21943,7 +21943,7 @@
         <p:txBody>
           <a:bodyPr/>
           <a:p>
-            <a:fld id="{233DFC4D-485B-48B3-A85F-CD2AA2FAA878}" type="slidenum">
+            <a:fld id="{C9C2FB3F-431F-4896-A376-51FD79A769ED}" type="slidenum">
               <a:t>&lt;#&gt;</a:t>
             </a:fld>
           </a:p>
@@ -22217,7 +22217,7 @@
         <p:txBody>
           <a:bodyPr/>
           <a:p>
-            <a:fld id="{33D0D28F-FA8A-4E3A-9723-8C642427A869}" type="slidenum">
+            <a:fld id="{61C1A60F-53D2-4971-8563-D12BBBC0EBDB}" type="slidenum">
               <a:t>&lt;#&gt;</a:t>
             </a:fld>
           </a:p>
@@ -22577,7 +22577,7 @@
         <p:txBody>
           <a:bodyPr/>
           <a:p>
-            <a:fld id="{84A42710-417A-4AD6-A99A-4A2B34067EE2}" type="slidenum">
+            <a:fld id="{9EAC888E-B750-4247-A9E5-F9A02F2B752F}" type="slidenum">
               <a:t>&lt;#&gt;</a:t>
             </a:fld>
           </a:p>
@@ -22639,7 +22639,7 @@
         <p:txBody>
           <a:bodyPr/>
           <a:p>
-            <a:fld id="{21F1E05C-A469-405E-8EAC-4AC71D5E7080}" type="slidenum">
+            <a:fld id="{E6CDF024-BE56-49A6-919B-BEED92DD8A56}" type="slidenum">
               <a:t>&lt;#&gt;</a:t>
             </a:fld>
           </a:p>
@@ -22781,7 +22781,7 @@
         <p:txBody>
           <a:bodyPr/>
           <a:p>
-            <a:fld id="{42A2AD37-A7A0-4600-8240-DE1E9742E455}" type="slidenum">
+            <a:fld id="{EFDE8ED2-A74D-4E6F-B1E1-2C220628757A}" type="slidenum">
               <a:t>&lt;#&gt;</a:t>
             </a:fld>
           </a:p>
@@ -22926,7 +22926,7 @@
         <p:txBody>
           <a:bodyPr/>
           <a:p>
-            <a:fld id="{B81CE477-A2FF-490C-AF82-1C266AEA009B}" type="slidenum">
+            <a:fld id="{2C14939C-F177-4489-945A-E1408946000F}" type="slidenum">
               <a:t>&lt;#&gt;</a:t>
             </a:fld>
           </a:p>
@@ -23114,7 +23114,7 @@
         <p:txBody>
           <a:bodyPr/>
           <a:p>
-            <a:fld id="{37597067-512F-4EA2-8527-EC5F49B9FA35}" type="slidenum">
+            <a:fld id="{07188A92-3FC2-4311-8F65-CD722741527A}" type="slidenum">
               <a:t>&lt;#&gt;</a:t>
             </a:fld>
           </a:p>
@@ -23216,7 +23216,7 @@
         <p:txBody>
           <a:bodyPr/>
           <a:p>
-            <a:fld id="{EDD42ECB-3175-402D-BD5F-B964840B41DE}" type="slidenum">
+            <a:fld id="{48F8FE32-A886-4388-AD11-D07357B23C88}" type="slidenum">
               <a:t>&lt;#&gt;</a:t>
             </a:fld>
           </a:p>
@@ -23316,7 +23316,7 @@
         <p:txBody>
           <a:bodyPr/>
           <a:p>
-            <a:fld id="{16C134C2-F48D-434B-9686-10D641DBBD6D}" type="slidenum">
+            <a:fld id="{62C04954-03EB-4147-A521-7E3001BB6B4A}" type="slidenum">
               <a:t>&lt;#&gt;</a:t>
             </a:fld>
           </a:p>
@@ -23547,7 +23547,7 @@
         <p:txBody>
           <a:bodyPr/>
           <a:p>
-            <a:fld id="{B04693EF-D5A4-431A-B16B-08B1D57E5B6C}" type="slidenum">
+            <a:fld id="{A6DC47A0-5194-41D6-B349-DD473AAF1020}" type="slidenum">
               <a:t>&lt;#&gt;</a:t>
             </a:fld>
           </a:p>
@@ -23778,7 +23778,7 @@
         <p:txBody>
           <a:bodyPr/>
           <a:p>
-            <a:fld id="{FCBB2C88-40E4-40D2-A5F1-D03BFCDE55E6}" type="slidenum">
+            <a:fld id="{9CF17AC4-462E-4C1C-96D5-DB1D11DD3572}" type="slidenum">
               <a:t>&lt;#&gt;</a:t>
             </a:fld>
           </a:p>
@@ -24009,7 +24009,7 @@
         <p:txBody>
           <a:bodyPr/>
           <a:p>
-            <a:fld id="{7928243C-E340-4845-BE65-97FD5454C3DF}" type="slidenum">
+            <a:fld id="{DEF5C508-3477-4C3A-9AFC-985EDB63E8E2}" type="slidenum">
               <a:t>&lt;#&gt;</a:t>
             </a:fld>
           </a:p>
@@ -24240,7 +24240,7 @@
         <p:txBody>
           <a:bodyPr/>
           <a:p>
-            <a:fld id="{0D745FEE-564A-4D6A-90E9-3E31CFADBAC6}" type="slidenum">
+            <a:fld id="{614F1761-02FB-4BF5-AFFF-B4B8B8514562}" type="slidenum">
               <a:t>&lt;#&gt;</a:t>
             </a:fld>
           </a:p>
@@ -24428,7 +24428,7 @@
         <p:txBody>
           <a:bodyPr/>
           <a:p>
-            <a:fld id="{86E4C14A-19F2-415D-8D4F-1688D7863B17}" type="slidenum">
+            <a:fld id="{15B6AFAA-1020-483B-8B27-6B87257F9863}" type="slidenum">
               <a:t>&lt;#&gt;</a:t>
             </a:fld>
           </a:p>
@@ -24702,7 +24702,7 @@
         <p:txBody>
           <a:bodyPr/>
           <a:p>
-            <a:fld id="{07F67C05-3A32-4562-BA54-968C05E0B6A8}" type="slidenum">
+            <a:fld id="{14673078-CA02-437C-A6F7-03EAE0224DBF}" type="slidenum">
               <a:t>&lt;#&gt;</a:t>
             </a:fld>
           </a:p>
@@ -25062,7 +25062,7 @@
         <p:txBody>
           <a:bodyPr/>
           <a:p>
-            <a:fld id="{DDBF43CE-5CE0-422D-AB48-041E9BEF07C3}" type="slidenum">
+            <a:fld id="{33D2CCF5-C6FA-4E51-A644-191EAFC23EDC}" type="slidenum">
               <a:t>&lt;#&gt;</a:t>
             </a:fld>
           </a:p>
@@ -25124,7 +25124,7 @@
         <p:txBody>
           <a:bodyPr/>
           <a:p>
-            <a:fld id="{CFE4AB3E-D02C-4C18-8B4D-131D86CB78CD}" type="slidenum">
+            <a:fld id="{B593FA03-655B-469D-AC23-BC43CC6303FD}" type="slidenum">
               <a:t>&lt;#&gt;</a:t>
             </a:fld>
           </a:p>
@@ -25266,7 +25266,7 @@
         <p:txBody>
           <a:bodyPr/>
           <a:p>
-            <a:fld id="{9B8E79A3-F1FC-449B-B712-A3F1217EBAE5}" type="slidenum">
+            <a:fld id="{048DA92F-B9F8-4D05-AEBB-3C9933338E78}" type="slidenum">
               <a:t>&lt;#&gt;</a:t>
             </a:fld>
           </a:p>
@@ -25411,7 +25411,7 @@
         <p:txBody>
           <a:bodyPr/>
           <a:p>
-            <a:fld id="{8BC04925-D14B-4928-9E1E-28DDA9461424}" type="slidenum">
+            <a:fld id="{38933042-F06F-4675-8925-E838A83BB9A9}" type="slidenum">
               <a:t>&lt;#&gt;</a:t>
             </a:fld>
           </a:p>
@@ -25599,7 +25599,7 @@
         <p:txBody>
           <a:bodyPr/>
           <a:p>
-            <a:fld id="{1D8F5679-C2AE-4E0F-A49C-0F0380813D59}" type="slidenum">
+            <a:fld id="{3A595D68-19F3-4CFC-9DA7-839B54969B7D}" type="slidenum">
               <a:t>&lt;#&gt;</a:t>
             </a:fld>
           </a:p>
@@ -25701,7 +25701,7 @@
         <p:txBody>
           <a:bodyPr/>
           <a:p>
-            <a:fld id="{8C7C0778-9C67-4FF8-8A50-72D39BB8BFE5}" type="slidenum">
+            <a:fld id="{02B511A2-1EC3-45C4-9A4F-99FEC35BCA3C}" type="slidenum">
               <a:t>&lt;#&gt;</a:t>
             </a:fld>
           </a:p>
@@ -25932,7 +25932,7 @@
         <p:txBody>
           <a:bodyPr/>
           <a:p>
-            <a:fld id="{40AC0230-578D-4EF7-ABE6-93820959A6A8}" type="slidenum">
+            <a:fld id="{9739BC40-2EA0-453F-B9CC-3B755B1DBCEF}" type="slidenum">
               <a:t>&lt;#&gt;</a:t>
             </a:fld>
           </a:p>
@@ -26032,7 +26032,7 @@
         <p:txBody>
           <a:bodyPr/>
           <a:p>
-            <a:fld id="{F534E003-C793-4264-ACDE-80EEAED0A921}" type="slidenum">
+            <a:fld id="{4A84CD70-2FA7-46A4-BDBE-A570F27BD28A}" type="slidenum">
               <a:t>&lt;#&gt;</a:t>
             </a:fld>
           </a:p>
@@ -26263,7 +26263,7 @@
         <p:txBody>
           <a:bodyPr/>
           <a:p>
-            <a:fld id="{50E89F17-73D8-408F-B610-E6D08C3AA76F}" type="slidenum">
+            <a:fld id="{A35B743F-211E-47A2-8A8C-E7EC5FD89FD1}" type="slidenum">
               <a:t>&lt;#&gt;</a:t>
             </a:fld>
           </a:p>
@@ -26494,7 +26494,7 @@
         <p:txBody>
           <a:bodyPr/>
           <a:p>
-            <a:fld id="{0115C761-1E80-4ADD-8A44-0150EC45388C}" type="slidenum">
+            <a:fld id="{757CF316-5375-4AD5-81D0-94272BCDE159}" type="slidenum">
               <a:t>&lt;#&gt;</a:t>
             </a:fld>
           </a:p>
@@ -26725,7 +26725,7 @@
         <p:txBody>
           <a:bodyPr/>
           <a:p>
-            <a:fld id="{CED73795-86E2-42BA-8586-33A5C48AA800}" type="slidenum">
+            <a:fld id="{E6391C2D-5BB7-4695-80B0-5962F269B895}" type="slidenum">
               <a:t>&lt;#&gt;</a:t>
             </a:fld>
           </a:p>
@@ -26913,7 +26913,7 @@
         <p:txBody>
           <a:bodyPr/>
           <a:p>
-            <a:fld id="{3BB7CD6C-089F-44B2-9E3C-D6F0F901A566}" type="slidenum">
+            <a:fld id="{96B8B35A-7461-416B-A183-428DF23E32D0}" type="slidenum">
               <a:t>&lt;#&gt;</a:t>
             </a:fld>
           </a:p>
@@ -27187,7 +27187,7 @@
         <p:txBody>
           <a:bodyPr/>
           <a:p>
-            <a:fld id="{0AAE4694-2FC6-437E-A061-09E3E877C3A6}" type="slidenum">
+            <a:fld id="{96D81CD7-5EB6-4FD9-AD2B-701894764632}" type="slidenum">
               <a:t>&lt;#&gt;</a:t>
             </a:fld>
           </a:p>
@@ -27547,7 +27547,7 @@
         <p:txBody>
           <a:bodyPr/>
           <a:p>
-            <a:fld id="{333BCA88-BE42-4CF9-8136-F7F247435FC7}" type="slidenum">
+            <a:fld id="{6D95AE72-6496-49F7-AAFF-E73A3CAC3031}" type="slidenum">
               <a:t>&lt;#&gt;</a:t>
             </a:fld>
           </a:p>
@@ -27609,7 +27609,7 @@
         <p:txBody>
           <a:bodyPr/>
           <a:p>
-            <a:fld id="{EAD7D8B5-E7AE-49C6-BC7D-64FC94E969B8}" type="slidenum">
+            <a:fld id="{55F5CE26-DAB8-44C3-84B8-111186036344}" type="slidenum">
               <a:t>&lt;#&gt;</a:t>
             </a:fld>
           </a:p>
@@ -27751,7 +27751,7 @@
         <p:txBody>
           <a:bodyPr/>
           <a:p>
-            <a:fld id="{14ABEF52-220D-4B46-9F59-2A67AF9A3AC0}" type="slidenum">
+            <a:fld id="{7116AE67-2119-4034-B0AA-7890388176F1}" type="slidenum">
               <a:t>&lt;#&gt;</a:t>
             </a:fld>
           </a:p>
@@ -27896,7 +27896,7 @@
         <p:txBody>
           <a:bodyPr/>
           <a:p>
-            <a:fld id="{CF205B61-54C2-4527-A2A3-CB1C641F7799}" type="slidenum">
+            <a:fld id="{0002CABF-2C0B-43CC-B267-842770220583}" type="slidenum">
               <a:t>&lt;#&gt;</a:t>
             </a:fld>
           </a:p>
@@ -28129,7 +28129,7 @@
               </a:lnSpc>
               <a:buNone/>
             </a:pPr>
-            <a:fld id="{DC8375E0-AAE8-4513-B189-09323589B508}" type="slidenum">
+            <a:fld id="{929BBE15-4C56-4670-96AE-BF3158E35434}" type="slidenum">
               <a:rPr b="0" lang="en-US" sz="1200" spc="-1" strike="noStrike">
                 <a:solidFill>
                   <a:srgbClr val="8b8b8b"/>
@@ -28798,7 +28798,7 @@
               </a:lnSpc>
               <a:buNone/>
             </a:pPr>
-            <a:fld id="{787B5643-533F-4D56-A9FB-4DBB9744F7E1}" type="slidenum">
+            <a:fld id="{EAA3492C-6027-4C74-9D31-F04726ADA695}" type="slidenum">
               <a:rPr b="0" lang="en-US" sz="1200" spc="-1" strike="noStrike">
                 <a:solidFill>
                   <a:srgbClr val="8b8b8b"/>
@@ -29144,7 +29144,7 @@
               </a:lnSpc>
               <a:buNone/>
             </a:pPr>
-            <a:fld id="{F4892970-C093-483E-A21F-2121BC1CA26D}" type="slidenum">
+            <a:fld id="{02D3A3E4-871B-42D1-BC77-4018C40515A7}" type="slidenum">
               <a:rPr b="0" lang="en-US" sz="1200" spc="-1" strike="noStrike">
                 <a:solidFill>
                   <a:srgbClr val="8b8b8b"/>
@@ -29767,7 +29767,7 @@
               </a:lnSpc>
               <a:buNone/>
             </a:pPr>
-            <a:fld id="{BF492546-35E1-43EA-A4D7-B07D5F0275F6}" type="slidenum">
+            <a:fld id="{EB385EC8-24BD-4C9B-A508-19A881162C07}" type="slidenum">
               <a:rPr b="0" lang="en-US" sz="1200" spc="-1" strike="noStrike">
                 <a:solidFill>
                   <a:srgbClr val="8b8b8b"/>
@@ -30506,7 +30506,7 @@
               </a:lnSpc>
               <a:buNone/>
             </a:pPr>
-            <a:fld id="{A9863B8F-0F17-4791-BFC9-8AC857E1116E}" type="slidenum">
+            <a:fld id="{2F828C91-4A24-47F2-87B1-23F83933A27F}" type="slidenum">
               <a:rPr b="0" lang="en-US" sz="1200" spc="-1" strike="noStrike">
                 <a:solidFill>
                   <a:srgbClr val="8b8b8b"/>
@@ -30766,7 +30766,7 @@
               </a:lnSpc>
               <a:buNone/>
             </a:pPr>
-            <a:fld id="{26286D31-CE02-4033-8312-49EEA1A22D62}" type="slidenum">
+            <a:fld id="{9226BE89-5B8E-43B3-9124-13AAA1746401}" type="slidenum">
               <a:rPr b="0" lang="en-US" sz="1200" spc="-1" strike="noStrike">
                 <a:solidFill>
                   <a:srgbClr val="8b8b8b"/>
@@ -31190,7 +31190,7 @@
               </a:lnSpc>
               <a:buNone/>
             </a:pPr>
-            <a:fld id="{A475C94F-7AA9-49F3-BC36-EFB03D20FB86}" type="slidenum">
+            <a:fld id="{A26F0FDC-D3DA-4264-A435-137281479B71}" type="slidenum">
               <a:rPr b="0" lang="en-US" sz="1200" spc="-1" strike="noStrike">
                 <a:solidFill>
                   <a:srgbClr val="8b8b8b"/>
@@ -31966,7 +31966,7 @@
               </a:lnSpc>
               <a:buNone/>
             </a:pPr>
-            <a:fld id="{0D7E0611-88CB-4310-A2A7-EF466B7E0713}" type="slidenum">
+            <a:fld id="{61BF298D-86A7-43FA-9D86-2F9D04C22531}" type="slidenum">
               <a:rPr b="0" lang="en-US" sz="1200" spc="-1" strike="noStrike">
                 <a:solidFill>
                   <a:srgbClr val="8b8b8b"/>
@@ -32509,7 +32509,7 @@
               </a:lnSpc>
               <a:buNone/>
             </a:pPr>
-            <a:fld id="{FB000783-E859-4735-9B3A-28151C5B40C7}" type="slidenum">
+            <a:fld id="{F4531F63-F48B-414B-9312-CEF749294064}" type="slidenum">
               <a:rPr b="0" lang="en-US" sz="1200" spc="-1" strike="noStrike">
                 <a:solidFill>
                   <a:srgbClr val="8b8b8b"/>
@@ -33186,7 +33186,7 @@
         <p:txBody>
           <a:bodyPr/>
           <a:p>
-            <a:fld id="{F0E50F86-34B0-411B-8D93-5E56F33F6187}" type="slidenum">
+            <a:fld id="{1FFAB3C4-E2D5-411C-8EB3-6ABB0E3E044C}" type="slidenum">
               <a:t>10</a:t>
             </a:fld>
           </a:p>
@@ -33621,7 +33621,7 @@
         <p:txBody>
           <a:bodyPr/>
           <a:p>
-            <a:fld id="{BA91C6D6-9A9F-49B1-8061-0A2BC596126E}" type="slidenum">
+            <a:fld id="{C630D23A-5CAA-4F18-9600-C3D94BBF46E2}" type="slidenum">
               <a:t>11</a:t>
             </a:fld>
           </a:p>
@@ -33933,7 +33933,7 @@
         <p:txBody>
           <a:bodyPr/>
           <a:p>
-            <a:fld id="{8FEC2C36-8A2A-4B7C-B45A-42632BC17D23}" type="slidenum">
+            <a:fld id="{7522B75E-DB57-422B-B9FA-1DC97DE6AE31}" type="slidenum">
               <a:t>12</a:t>
             </a:fld>
           </a:p>
@@ -34129,7 +34129,7 @@
         <p:txBody>
           <a:bodyPr/>
           <a:p>
-            <a:fld id="{AAC8AC35-49F9-4116-B0C7-F7B79C2CDCF9}" type="slidenum">
+            <a:fld id="{74DC5A8A-E121-4B5C-B705-A4BE02E62537}" type="slidenum">
               <a:t>13</a:t>
             </a:fld>
           </a:p>
@@ -34191,7 +34191,7 @@
         <p:txBody>
           <a:bodyPr/>
           <a:p>
-            <a:fld id="{7208714C-7EB8-4303-97CC-D08392FF0CE3}" type="slidenum">
+            <a:fld id="{CA527286-4CDA-4A4E-96D1-7D722C6AB4A4}" type="slidenum">
               <a:t>14</a:t>
             </a:fld>
           </a:p>
@@ -34620,7 +34620,7 @@
         <p:txBody>
           <a:bodyPr/>
           <a:p>
-            <a:fld id="{E90B0A1E-287A-40F1-B49A-BFF70FF12BEB}" type="slidenum">
+            <a:fld id="{BAAAA7BC-47EC-4E23-9764-8D5C35329EFE}" type="slidenum">
               <a:t>15</a:t>
             </a:fld>
           </a:p>
@@ -34787,7 +34787,7 @@
         <p:txBody>
           <a:bodyPr/>
           <a:p>
-            <a:fld id="{90FB73BE-C6C7-4226-99D2-DC5CC79730B8}" type="slidenum">
+            <a:fld id="{9F9DD984-6894-4B0C-9548-9C5731A2E7E6}" type="slidenum">
               <a:t>16</a:t>
             </a:fld>
           </a:p>
@@ -35108,7 +35108,7 @@
         <p:txBody>
           <a:bodyPr/>
           <a:p>
-            <a:fld id="{8FDC8B62-B9FB-430E-8DAC-9E3979C0A5E2}" type="slidenum">
+            <a:fld id="{B2C1159E-DDE1-4DE8-A89E-672F04688C6C}" type="slidenum">
               <a:t>17</a:t>
             </a:fld>
           </a:p>
@@ -35493,7 +35493,7 @@
         <p:txBody>
           <a:bodyPr/>
           <a:p>
-            <a:fld id="{15A76EBD-A1E6-4A82-91AE-0E3D88689C3A}" type="slidenum">
+            <a:fld id="{5BD11D8F-1ED0-4E91-B400-D885488CF02A}" type="slidenum">
               <a:t>18</a:t>
             </a:fld>
           </a:p>
@@ -35660,7 +35660,7 @@
         <p:txBody>
           <a:bodyPr/>
           <a:p>
-            <a:fld id="{A59C5A47-FD87-4FE0-BB97-939C27CD16E7}" type="slidenum">
+            <a:fld id="{64DC5A58-0690-4A0A-92DA-55D0308C7EE3}" type="slidenum">
               <a:t>19</a:t>
             </a:fld>
           </a:p>
@@ -35973,7 +35973,7 @@
         <p:txBody>
           <a:bodyPr/>
           <a:p>
-            <a:fld id="{7B9F25FD-342C-403D-9412-079267421E43}" type="slidenum">
+            <a:fld id="{3FDB012E-97C1-41D4-82C2-C1C53AA8C651}" type="slidenum">
               <a:t>2</a:t>
             </a:fld>
           </a:p>
@@ -36140,7 +36140,7 @@
         <p:txBody>
           <a:bodyPr/>
           <a:p>
-            <a:fld id="{70643EE1-6489-4796-B907-33B45BE65119}" type="slidenum">
+            <a:fld id="{494A5CE1-D921-457C-ACE8-88CC00B1D15B}" type="slidenum">
               <a:t>20</a:t>
             </a:fld>
           </a:p>
@@ -36520,7 +36520,7 @@
         <p:txBody>
           <a:bodyPr/>
           <a:p>
-            <a:fld id="{A7CB4C95-F030-40A5-B497-891DC1D3888A}" type="slidenum">
+            <a:fld id="{F71CE0DA-8A4B-4FAE-B952-6F9A214D742E}" type="slidenum">
               <a:t>21</a:t>
             </a:fld>
           </a:p>
@@ -36582,7 +36582,7 @@
         <p:txBody>
           <a:bodyPr/>
           <a:p>
-            <a:fld id="{7AC6AB1C-629A-41F1-9A90-B52B923775A2}" type="slidenum">
+            <a:fld id="{ED7E9D16-0A8F-478D-8911-0A53E95523B0}" type="slidenum">
               <a:t>22</a:t>
             </a:fld>
           </a:p>
@@ -36954,7 +36954,7 @@
         <p:txBody>
           <a:bodyPr/>
           <a:p>
-            <a:fld id="{CA8937C0-A81B-4941-AA53-601578A1E6FC}" type="slidenum">
+            <a:fld id="{9BA2BECB-F201-4BC1-96A6-18C60622E25A}" type="slidenum">
               <a:t>23</a:t>
             </a:fld>
           </a:p>
@@ -37237,7 +37237,7 @@
         <p:txBody>
           <a:bodyPr/>
           <a:p>
-            <a:fld id="{E42FBC39-DAAB-4C56-BF4D-92B30DD86102}" type="slidenum">
+            <a:fld id="{F5260024-1110-4BD1-AD61-0865C68797B7}" type="slidenum">
               <a:t>24</a:t>
             </a:fld>
           </a:p>
@@ -37582,7 +37582,7 @@
         <p:txBody>
           <a:bodyPr/>
           <a:p>
-            <a:fld id="{03CDB0ED-2ECA-4D3E-8EB8-FE125C8D2D4A}" type="slidenum">
+            <a:fld id="{0D8BA334-0327-42DC-802C-02C8A4E2FFDB}" type="slidenum">
               <a:t>25</a:t>
             </a:fld>
           </a:p>
@@ -37913,7 +37913,7 @@
         <p:txBody>
           <a:bodyPr/>
           <a:p>
-            <a:fld id="{C78CA08F-B079-42FE-831A-824BC2FB8825}" type="slidenum">
+            <a:fld id="{9A5BE916-0329-4A4C-B2D6-C3E4D51D94D5}" type="slidenum">
               <a:t>26</a:t>
             </a:fld>
           </a:p>
@@ -37975,7 +37975,7 @@
         <p:txBody>
           <a:bodyPr/>
           <a:p>
-            <a:fld id="{036B39B6-0938-452A-9C9C-2144BBF9ED5A}" type="slidenum">
+            <a:fld id="{1F029D69-0227-469D-8939-0FFC4964DFC5}" type="slidenum">
               <a:t>27</a:t>
             </a:fld>
           </a:p>
@@ -38315,7 +38315,7 @@
         <p:txBody>
           <a:bodyPr/>
           <a:p>
-            <a:fld id="{6188C089-7C5B-402F-9384-62631D0307F9}" type="slidenum">
+            <a:fld id="{9F2C2029-06A2-447E-BD47-B611D4F9BFE5}" type="slidenum">
               <a:t>28</a:t>
             </a:fld>
           </a:p>
@@ -39075,7 +39075,7 @@
         <p:txBody>
           <a:bodyPr/>
           <a:p>
-            <a:fld id="{A8BB4E82-6F2D-41A0-BD5F-B2467CA9C5A5}" type="slidenum">
+            <a:fld id="{287434DC-8747-41ED-AFC7-0648993E93F9}" type="slidenum">
               <a:t>29</a:t>
             </a:fld>
           </a:p>
@@ -39389,7 +39389,7 @@
         <p:txBody>
           <a:bodyPr/>
           <a:p>
-            <a:fld id="{F9C72468-5EEF-480B-A407-79FA957DEEA2}" type="slidenum">
+            <a:fld id="{30128142-62A8-4478-8206-76DE86B0F1A8}" type="slidenum">
               <a:t>3</a:t>
             </a:fld>
           </a:p>
@@ -40409,7 +40409,7 @@
         <p:txBody>
           <a:bodyPr/>
           <a:p>
-            <a:fld id="{DDC663FA-A6EB-4CFE-B218-980489C024C0}" type="slidenum">
+            <a:fld id="{AA1B65BD-AB04-45D7-B196-E904E6B31185}" type="slidenum">
               <a:t>30</a:t>
             </a:fld>
           </a:p>
@@ -40471,7 +40471,7 @@
         <p:txBody>
           <a:bodyPr/>
           <a:p>
-            <a:fld id="{B2EC7FBB-269F-44B4-9359-F2EF464B964A}" type="slidenum">
+            <a:fld id="{E98C725E-367C-48FA-8857-29F3AA9F24C1}" type="slidenum">
               <a:t>31</a:t>
             </a:fld>
           </a:p>
@@ -40816,7 +40816,7 @@
         <p:txBody>
           <a:bodyPr/>
           <a:p>
-            <a:fld id="{C6068FD6-CD22-4269-AA67-7576E0294D49}" type="slidenum">
+            <a:fld id="{CB377CB9-F2AF-4655-B8AE-C58ACDB7D377}" type="slidenum">
               <a:t>32</a:t>
             </a:fld>
           </a:p>
@@ -41124,7 +41124,7 @@
         <p:txBody>
           <a:bodyPr/>
           <a:p>
-            <a:fld id="{35178FDF-821A-44E0-AD73-5A85BDCBA0BD}" type="slidenum">
+            <a:fld id="{C5409E36-DB0D-4B38-AB45-A93579048A6A}" type="slidenum">
               <a:t>33</a:t>
             </a:fld>
           </a:p>
@@ -41247,7 +41247,7 @@
         <p:spPr>
           <a:xfrm>
             <a:off x="955440" y="1531800"/>
-            <a:ext cx="10474560" cy="4808160"/>
+            <a:ext cx="11160360" cy="4808160"/>
           </a:xfrm>
           <a:prstGeom prst="rect">
             <a:avLst/>
@@ -41556,7 +41556,7 @@
         <p:txBody>
           <a:bodyPr/>
           <a:p>
-            <a:fld id="{084D4C2B-E5C4-438D-9CB3-EF8C547CB502}" type="slidenum">
+            <a:fld id="{A284DB66-B100-46D1-A290-F2D65EBB93B6}" type="slidenum">
               <a:t>34</a:t>
             </a:fld>
           </a:p>
@@ -41729,7 +41729,7 @@
         <p:txBody>
           <a:bodyPr/>
           <a:p>
-            <a:fld id="{98684431-3F79-4AB3-AC3C-B2D31ED4B614}" type="slidenum">
+            <a:fld id="{4318DBED-99D8-4C1A-BBF4-418230FA528F}" type="slidenum">
               <a:t>35</a:t>
             </a:fld>
           </a:p>
@@ -42285,7 +42285,7 @@
         <p:txBody>
           <a:bodyPr/>
           <a:p>
-            <a:fld id="{35283839-0E49-4B8A-BDAC-AA78DC87D770}" type="slidenum">
+            <a:fld id="{EC18B692-E8FE-4FAA-AB4E-281593E01D3D}" type="slidenum">
               <a:t>36</a:t>
             </a:fld>
           </a:p>
@@ -42719,7 +42719,7 @@
         <p:txBody>
           <a:bodyPr/>
           <a:p>
-            <a:fld id="{52E65CFF-4B71-4761-B556-E1A08622FE46}" type="slidenum">
+            <a:fld id="{6B016EAB-9009-4B02-A106-687D9690142B}" type="slidenum">
               <a:t>37</a:t>
             </a:fld>
           </a:p>
@@ -42781,7 +42781,7 @@
         <p:txBody>
           <a:bodyPr/>
           <a:p>
-            <a:fld id="{8D4A732D-54B3-473A-B09A-5F68990E925C}" type="slidenum">
+            <a:fld id="{1ABDCCE9-280D-4AF9-B03A-69C1CE16F7CB}" type="slidenum">
               <a:t>38</a:t>
             </a:fld>
           </a:p>
@@ -43160,7 +43160,7 @@
         <p:txBody>
           <a:bodyPr/>
           <a:p>
-            <a:fld id="{2EA4C1E6-8DEC-4988-9543-4853BEC922BE}" type="slidenum">
+            <a:fld id="{A1982A28-DCBF-4220-8A77-CBD43A46024F}" type="slidenum">
               <a:t>39</a:t>
             </a:fld>
           </a:p>
@@ -43444,7 +43444,7 @@
         <p:txBody>
           <a:bodyPr/>
           <a:p>
-            <a:fld id="{E35B223D-761C-41E6-BD6B-2225EE119777}" type="slidenum">
+            <a:fld id="{BBB6BF88-2FA5-4B03-8081-851E4D176442}" type="slidenum">
               <a:t>4</a:t>
             </a:fld>
           </a:p>
@@ -43787,7 +43787,7 @@
         <p:txBody>
           <a:bodyPr/>
           <a:p>
-            <a:fld id="{00B3D637-BC00-41C7-B638-A21579B106DF}" type="slidenum">
+            <a:fld id="{21201AE3-D41F-46BC-B9E2-C8BDC74A442F}" type="slidenum">
               <a:t>40</a:t>
             </a:fld>
           </a:p>
@@ -44121,7 +44121,7 @@
         <p:txBody>
           <a:bodyPr/>
           <a:p>
-            <a:fld id="{9E7DE40D-B22C-4590-AF9D-B3F70D21A590}" type="slidenum">
+            <a:fld id="{D2D8B568-5FBB-4074-9EB8-8D0BBB597C1B}" type="slidenum">
               <a:t>41</a:t>
             </a:fld>
           </a:p>
@@ -44482,7 +44482,7 @@
         <p:txBody>
           <a:bodyPr/>
           <a:p>
-            <a:fld id="{049D1E44-CC22-47EB-9C0C-422FC276CD4A}" type="slidenum">
+            <a:fld id="{AF3D491E-891E-4F9F-A384-02449D3B0364}" type="slidenum">
               <a:t>42</a:t>
             </a:fld>
           </a:p>
@@ -44834,7 +44834,7 @@
         <p:txBody>
           <a:bodyPr/>
           <a:p>
-            <a:fld id="{5062886A-C3BC-46D1-9810-0C2880829F79}" type="slidenum">
+            <a:fld id="{3D5A8529-DAD8-483E-8E7C-BC1AF876C249}" type="slidenum">
               <a:t>43</a:t>
             </a:fld>
           </a:p>
@@ -44978,7 +44978,7 @@
         <p:txBody>
           <a:bodyPr/>
           <a:p>
-            <a:fld id="{2EFDD75F-2AD4-4B1B-8041-B35F72F12ECE}" type="slidenum">
+            <a:fld id="{1742DF7B-4849-43BB-974A-0D86753961C0}" type="slidenum">
               <a:t>44</a:t>
             </a:fld>
           </a:p>
@@ -45040,7 +45040,7 @@
         <p:txBody>
           <a:bodyPr/>
           <a:p>
-            <a:fld id="{069C9222-D6CF-4305-81F9-4A7A12A89D37}" type="slidenum">
+            <a:fld id="{17B25AFF-DF48-4327-A476-E227A32D29C2}" type="slidenum">
               <a:t>45</a:t>
             </a:fld>
           </a:p>
@@ -45572,7 +45572,7 @@
         <p:txBody>
           <a:bodyPr/>
           <a:p>
-            <a:fld id="{FB30C935-1393-49DF-A0D2-988602C4F1F0}" type="slidenum">
+            <a:fld id="{8AFFDFEE-237A-47E3-9FE0-6F8C1F75272B}" type="slidenum">
               <a:t>46</a:t>
             </a:fld>
           </a:p>
@@ -45992,7 +45992,7 @@
         <p:txBody>
           <a:bodyPr/>
           <a:p>
-            <a:fld id="{FD21F058-C3E5-468D-9DDB-D9378EB13CB7}" type="slidenum">
+            <a:fld id="{E728A12B-3D27-4D1B-8FFC-4C6028C266CD}" type="slidenum">
               <a:t>47</a:t>
             </a:fld>
           </a:p>
@@ -46362,7 +46362,7 @@
         <p:txBody>
           <a:bodyPr/>
           <a:p>
-            <a:fld id="{FE01408F-62B0-4143-A352-DE0D2E796B5A}" type="slidenum">
+            <a:fld id="{AF32E592-3590-4397-9809-523C637B64FD}" type="slidenum">
               <a:t>48</a:t>
             </a:fld>
           </a:p>
@@ -46506,7 +46506,7 @@
         <p:txBody>
           <a:bodyPr/>
           <a:p>
-            <a:fld id="{A767F6FE-D637-4981-99E5-D86B4EB263CD}" type="slidenum">
+            <a:fld id="{D90F675A-A20F-4A9D-8762-494A7DCAE739}" type="slidenum">
               <a:t>49</a:t>
             </a:fld>
           </a:p>
@@ -46568,7 +46568,7 @@
         <p:txBody>
           <a:bodyPr/>
           <a:p>
-            <a:fld id="{45615286-6D01-4AE0-A395-80C4CF18439A}" type="slidenum">
+            <a:fld id="{D89F38A8-BFE5-4601-9296-4F86F78C6095}" type="slidenum">
               <a:t>5</a:t>
             </a:fld>
           </a:p>
@@ -46712,7 +46712,7 @@
         <p:txBody>
           <a:bodyPr/>
           <a:p>
-            <a:fld id="{E1D2B7DA-9FA3-4FF8-A85F-E69979A7FF18}" type="slidenum">
+            <a:fld id="{803ADACD-C407-49AA-9490-B15D7885D845}" type="slidenum">
               <a:t>50</a:t>
             </a:fld>
           </a:p>
@@ -47127,7 +47127,7 @@
         <p:txBody>
           <a:bodyPr/>
           <a:p>
-            <a:fld id="{1B7886DF-6386-4F92-9437-F2AD217D9561}" type="slidenum">
+            <a:fld id="{2A2A4228-6657-442E-A84D-6C12C3AFDA0C}" type="slidenum">
               <a:t>51</a:t>
             </a:fld>
           </a:p>
@@ -47304,7 +47304,7 @@
         <p:txBody>
           <a:bodyPr/>
           <a:p>
-            <a:fld id="{71063617-8189-4900-8217-74CD2A8B6620}" type="slidenum">
+            <a:fld id="{907EC176-0CB2-453D-BA2D-499245B84963}" type="slidenum">
               <a:t>52</a:t>
             </a:fld>
           </a:p>
@@ -47669,7 +47669,7 @@
         <p:txBody>
           <a:bodyPr/>
           <a:p>
-            <a:fld id="{1A86EDA4-F915-4B2C-A3AE-51C3FA25B812}" type="slidenum">
+            <a:fld id="{9FC97B31-8119-4F76-AB33-1A404ED861AA}" type="slidenum">
               <a:t>53</a:t>
             </a:fld>
           </a:p>
@@ -47895,7 +47895,7 @@
         <p:txBody>
           <a:bodyPr/>
           <a:p>
-            <a:fld id="{FF95ED53-1D61-4B47-BE50-21ADE470186D}" type="slidenum">
+            <a:fld id="{C8026584-A011-43BD-BBD5-E68EED24346E}" type="slidenum">
               <a:t>54</a:t>
             </a:fld>
           </a:p>
@@ -48165,7 +48165,7 @@
         <p:txBody>
           <a:bodyPr/>
           <a:p>
-            <a:fld id="{85A312E6-B4B4-4D73-B05D-1ABA0CEB40BA}" type="slidenum">
+            <a:fld id="{0A7570F7-CD20-41B8-930A-FB41DE0A4982}" type="slidenum">
               <a:t>55</a:t>
             </a:fld>
           </a:p>
@@ -48227,7 +48227,7 @@
         <p:txBody>
           <a:bodyPr/>
           <a:p>
-            <a:fld id="{9FB565B8-920A-4649-A200-D443CE9BD363}" type="slidenum">
+            <a:fld id="{B11B5BD1-E14E-4E64-8A6E-01BCB5FF42D2}" type="slidenum">
               <a:t>56</a:t>
             </a:fld>
           </a:p>
@@ -48702,7 +48702,7 @@
         <p:txBody>
           <a:bodyPr/>
           <a:p>
-            <a:fld id="{17C2DD58-3B28-46AA-863E-FFBAAED90667}" type="slidenum">
+            <a:fld id="{E3BA989E-9ED3-48EF-A7CF-A00D174E8E34}" type="slidenum">
               <a:t>57</a:t>
             </a:fld>
           </a:p>
@@ -49139,7 +49139,7 @@
         <p:txBody>
           <a:bodyPr/>
           <a:p>
-            <a:fld id="{AF8FF1B5-517E-4884-B0B9-F0E66F405619}" type="slidenum">
+            <a:fld id="{FF9CA7E5-4B9D-4161-924C-BB87EF21E097}" type="slidenum">
               <a:t>58</a:t>
             </a:fld>
           </a:p>
@@ -49596,7 +49596,7 @@
         <p:txBody>
           <a:bodyPr/>
           <a:p>
-            <a:fld id="{3EF0E6C7-679A-4C08-9910-B0A81BB6EE3B}" type="slidenum">
+            <a:fld id="{54915117-E792-4CE2-93FA-7854EEE819B1}" type="slidenum">
               <a:t>59</a:t>
             </a:fld>
           </a:p>
@@ -50116,7 +50116,7 @@
         <p:txBody>
           <a:bodyPr/>
           <a:p>
-            <a:fld id="{9F6269F4-AB69-4253-875C-5CEF5C201CBA}" type="slidenum">
+            <a:fld id="{CCD88E1B-196B-4486-B53E-F55E7B9D1749}" type="slidenum">
               <a:t>6</a:t>
             </a:fld>
           </a:p>
@@ -50419,7 +50419,7 @@
         <p:txBody>
           <a:bodyPr/>
           <a:p>
-            <a:fld id="{AB7FAE71-C7EB-4943-B3EC-26AF06857894}" type="slidenum">
+            <a:fld id="{29B9502B-D820-4AD5-B261-3B37DEF8EBEE}" type="slidenum">
               <a:t>60</a:t>
             </a:fld>
           </a:p>
@@ -51012,7 +51012,7 @@
         <p:txBody>
           <a:bodyPr/>
           <a:p>
-            <a:fld id="{39CB27BC-99A3-43B9-97F8-F6C7DDB1FC48}" type="slidenum">
+            <a:fld id="{6A2FBBCD-9E57-46FF-BCB5-6C32A11075E0}" type="slidenum">
               <a:t>61</a:t>
             </a:fld>
           </a:p>
@@ -51074,7 +51074,7 @@
         <p:txBody>
           <a:bodyPr/>
           <a:p>
-            <a:fld id="{E036FBCC-8D35-4DC0-9029-9501ECF3B588}" type="slidenum">
+            <a:fld id="{49DD508D-E163-44EF-B874-1D58134D5D47}" type="slidenum">
               <a:t>62</a:t>
             </a:fld>
           </a:p>
@@ -51159,7 +51159,7 @@
         <p:txBody>
           <a:bodyPr/>
           <a:p>
-            <a:fld id="{777BC917-A8F4-43D4-B9FF-59865D771B21}" type="slidenum">
+            <a:fld id="{C3B84590-BDF2-49BC-8217-0796ABCE16B0}" type="slidenum">
               <a:t>7</a:t>
             </a:fld>
           </a:p>
@@ -51533,7 +51533,7 @@
         <p:txBody>
           <a:bodyPr/>
           <a:p>
-            <a:fld id="{2FBB9570-C5EC-44F9-9C3C-678710873337}" type="slidenum">
+            <a:fld id="{04970053-E443-4F8F-A9C5-748565B0115D}" type="slidenum">
               <a:t>8</a:t>
             </a:fld>
           </a:p>
@@ -51595,7 +51595,7 @@
         <p:txBody>
           <a:bodyPr/>
           <a:p>
-            <a:fld id="{B34D5452-0448-4B53-96B8-AEE4AE0AD9C3}" type="slidenum">
+            <a:fld id="{1513BB77-815C-49CC-9DFC-0A29CAFF4CC3}" type="slidenum">
               <a:t>9</a:t>
             </a:fld>
           </a:p>
